--- a/Lightning talk.pptx
+++ b/Lightning talk.pptx
@@ -4,10 +4,15 @@
   <p:sldMasterIdLst>
     <p:sldMasterId id="2147483684" r:id="rId1"/>
   </p:sldMasterIdLst>
+  <p:notesMasterIdLst>
+    <p:notesMasterId r:id="rId7"/>
+  </p:notesMasterIdLst>
   <p:sldIdLst>
     <p:sldId id="256" r:id="rId2"/>
-    <p:sldId id="257" r:id="rId3"/>
-    <p:sldId id="258" r:id="rId4"/>
+    <p:sldId id="262" r:id="rId3"/>
+    <p:sldId id="257" r:id="rId4"/>
+    <p:sldId id="263" r:id="rId5"/>
+    <p:sldId id="264" r:id="rId6"/>
   </p:sldIdLst>
   <p:sldSz cx="9144000" cy="6858000" type="screen4x3"/>
   <p:notesSz cx="6858000" cy="9144000"/>
@@ -109,6 +114,353 @@
 </p:presentation>
 </file>
 
+<file path=ppt/notesMasters/notesMaster1.xml><?xml version="1.0" encoding="utf-8"?>
+<p:notesMaster xmlns:a="http://schemas.openxmlformats.org/drawingml/2006/main" xmlns:r="http://schemas.openxmlformats.org/officeDocument/2006/relationships" xmlns:p="http://schemas.openxmlformats.org/presentationml/2006/main">
+  <p:cSld>
+    <p:bg>
+      <p:bgRef idx="1001">
+        <a:schemeClr val="bg1"/>
+      </p:bgRef>
+    </p:bg>
+    <p:spTree>
+      <p:nvGrpSpPr>
+        <p:cNvPr id="1" name=""/>
+        <p:cNvGrpSpPr/>
+        <p:nvPr/>
+      </p:nvGrpSpPr>
+      <p:grpSpPr>
+        <a:xfrm>
+          <a:off x="0" y="0"/>
+          <a:ext cx="0" cy="0"/>
+          <a:chOff x="0" y="0"/>
+          <a:chExt cx="0" cy="0"/>
+        </a:xfrm>
+      </p:grpSpPr>
+      <p:sp>
+        <p:nvSpPr>
+          <p:cNvPr id="2" name="Header Placeholder 1"/>
+          <p:cNvSpPr>
+            <a:spLocks noGrp="1"/>
+          </p:cNvSpPr>
+          <p:nvPr>
+            <p:ph type="hdr" sz="quarter"/>
+          </p:nvPr>
+        </p:nvSpPr>
+        <p:spPr>
+          <a:xfrm>
+            <a:off x="0" y="0"/>
+            <a:ext cx="2971800" cy="457200"/>
+          </a:xfrm>
+          <a:prstGeom prst="rect">
+            <a:avLst/>
+          </a:prstGeom>
+        </p:spPr>
+        <p:txBody>
+          <a:bodyPr vert="horz" lIns="91440" tIns="45720" rIns="91440" bIns="45720" rtlCol="0"/>
+          <a:lstStyle>
+            <a:lvl1pPr algn="l">
+              <a:defRPr sz="1200"/>
+            </a:lvl1pPr>
+          </a:lstStyle>
+          <a:p>
+            <a:endParaRPr lang="en-US"/>
+          </a:p>
+        </p:txBody>
+      </p:sp>
+      <p:sp>
+        <p:nvSpPr>
+          <p:cNvPr id="3" name="Date Placeholder 2"/>
+          <p:cNvSpPr>
+            <a:spLocks noGrp="1"/>
+          </p:cNvSpPr>
+          <p:nvPr>
+            <p:ph type="dt" idx="1"/>
+          </p:nvPr>
+        </p:nvSpPr>
+        <p:spPr>
+          <a:xfrm>
+            <a:off x="3884613" y="0"/>
+            <a:ext cx="2971800" cy="457200"/>
+          </a:xfrm>
+          <a:prstGeom prst="rect">
+            <a:avLst/>
+          </a:prstGeom>
+        </p:spPr>
+        <p:txBody>
+          <a:bodyPr vert="horz" lIns="91440" tIns="45720" rIns="91440" bIns="45720" rtlCol="0"/>
+          <a:lstStyle>
+            <a:lvl1pPr algn="r">
+              <a:defRPr sz="1200"/>
+            </a:lvl1pPr>
+          </a:lstStyle>
+          <a:p>
+            <a:fld id="{AD00A6A1-BEE2-4467-9FD5-B42E12911DE3}" type="datetimeFigureOut">
+              <a:rPr lang="en-US" smtClean="0"/>
+              <a:t>4/5/2010</a:t>
+            </a:fld>
+            <a:endParaRPr lang="en-US"/>
+          </a:p>
+        </p:txBody>
+      </p:sp>
+      <p:sp>
+        <p:nvSpPr>
+          <p:cNvPr id="4" name="Slide Image Placeholder 3"/>
+          <p:cNvSpPr>
+            <a:spLocks noGrp="1" noRot="1" noChangeAspect="1"/>
+          </p:cNvSpPr>
+          <p:nvPr>
+            <p:ph type="sldImg" idx="2"/>
+          </p:nvPr>
+        </p:nvSpPr>
+        <p:spPr>
+          <a:xfrm>
+            <a:off x="1143000" y="685800"/>
+            <a:ext cx="4572000" cy="3429000"/>
+          </a:xfrm>
+          <a:prstGeom prst="rect">
+            <a:avLst/>
+          </a:prstGeom>
+          <a:noFill/>
+          <a:ln w="12700">
+            <a:solidFill>
+              <a:prstClr val="black"/>
+            </a:solidFill>
+          </a:ln>
+        </p:spPr>
+        <p:txBody>
+          <a:bodyPr vert="horz" lIns="91440" tIns="45720" rIns="91440" bIns="45720" rtlCol="0" anchor="ctr"/>
+          <a:lstStyle/>
+          <a:p>
+            <a:endParaRPr lang="en-US"/>
+          </a:p>
+        </p:txBody>
+      </p:sp>
+      <p:sp>
+        <p:nvSpPr>
+          <p:cNvPr id="5" name="Notes Placeholder 4"/>
+          <p:cNvSpPr>
+            <a:spLocks noGrp="1"/>
+          </p:cNvSpPr>
+          <p:nvPr>
+            <p:ph type="body" sz="quarter" idx="3"/>
+          </p:nvPr>
+        </p:nvSpPr>
+        <p:spPr>
+          <a:xfrm>
+            <a:off x="685800" y="4343400"/>
+            <a:ext cx="5486400" cy="4114800"/>
+          </a:xfrm>
+          <a:prstGeom prst="rect">
+            <a:avLst/>
+          </a:prstGeom>
+        </p:spPr>
+        <p:txBody>
+          <a:bodyPr vert="horz" lIns="91440" tIns="45720" rIns="91440" bIns="45720" rtlCol="0">
+            <a:normAutofit/>
+          </a:bodyPr>
+          <a:lstStyle/>
+          <a:p>
+            <a:pPr lvl="0"/>
+            <a:r>
+              <a:rPr lang="en-US" smtClean="0"/>
+              <a:t>Click to edit Master text styles</a:t>
+            </a:r>
+          </a:p>
+          <a:p>
+            <a:pPr lvl="1"/>
+            <a:r>
+              <a:rPr lang="en-US" smtClean="0"/>
+              <a:t>Second level</a:t>
+            </a:r>
+          </a:p>
+          <a:p>
+            <a:pPr lvl="2"/>
+            <a:r>
+              <a:rPr lang="en-US" smtClean="0"/>
+              <a:t>Third level</a:t>
+            </a:r>
+          </a:p>
+          <a:p>
+            <a:pPr lvl="3"/>
+            <a:r>
+              <a:rPr lang="en-US" smtClean="0"/>
+              <a:t>Fourth level</a:t>
+            </a:r>
+          </a:p>
+          <a:p>
+            <a:pPr lvl="4"/>
+            <a:r>
+              <a:rPr lang="en-US" smtClean="0"/>
+              <a:t>Fifth level</a:t>
+            </a:r>
+            <a:endParaRPr lang="en-US"/>
+          </a:p>
+        </p:txBody>
+      </p:sp>
+      <p:sp>
+        <p:nvSpPr>
+          <p:cNvPr id="6" name="Footer Placeholder 5"/>
+          <p:cNvSpPr>
+            <a:spLocks noGrp="1"/>
+          </p:cNvSpPr>
+          <p:nvPr>
+            <p:ph type="ftr" sz="quarter" idx="4"/>
+          </p:nvPr>
+        </p:nvSpPr>
+        <p:spPr>
+          <a:xfrm>
+            <a:off x="0" y="8685213"/>
+            <a:ext cx="2971800" cy="457200"/>
+          </a:xfrm>
+          <a:prstGeom prst="rect">
+            <a:avLst/>
+          </a:prstGeom>
+        </p:spPr>
+        <p:txBody>
+          <a:bodyPr vert="horz" lIns="91440" tIns="45720" rIns="91440" bIns="45720" rtlCol="0" anchor="b"/>
+          <a:lstStyle>
+            <a:lvl1pPr algn="l">
+              <a:defRPr sz="1200"/>
+            </a:lvl1pPr>
+          </a:lstStyle>
+          <a:p>
+            <a:endParaRPr lang="en-US"/>
+          </a:p>
+        </p:txBody>
+      </p:sp>
+      <p:sp>
+        <p:nvSpPr>
+          <p:cNvPr id="7" name="Slide Number Placeholder 6"/>
+          <p:cNvSpPr>
+            <a:spLocks noGrp="1"/>
+          </p:cNvSpPr>
+          <p:nvPr>
+            <p:ph type="sldNum" sz="quarter" idx="5"/>
+          </p:nvPr>
+        </p:nvSpPr>
+        <p:spPr>
+          <a:xfrm>
+            <a:off x="3884613" y="8685213"/>
+            <a:ext cx="2971800" cy="457200"/>
+          </a:xfrm>
+          <a:prstGeom prst="rect">
+            <a:avLst/>
+          </a:prstGeom>
+        </p:spPr>
+        <p:txBody>
+          <a:bodyPr vert="horz" lIns="91440" tIns="45720" rIns="91440" bIns="45720" rtlCol="0" anchor="b"/>
+          <a:lstStyle>
+            <a:lvl1pPr algn="r">
+              <a:defRPr sz="1200"/>
+            </a:lvl1pPr>
+          </a:lstStyle>
+          <a:p>
+            <a:fld id="{4B7994D4-9F71-48CF-9FB2-E5601822EC37}" type="slidenum">
+              <a:rPr lang="en-US" smtClean="0"/>
+              <a:t>‹#›</a:t>
+            </a:fld>
+            <a:endParaRPr lang="en-US"/>
+          </a:p>
+        </p:txBody>
+      </p:sp>
+    </p:spTree>
+  </p:cSld>
+  <p:clrMap bg1="lt1" tx1="dk1" bg2="lt2" tx2="dk2" accent1="accent1" accent2="accent2" accent3="accent3" accent4="accent4" accent5="accent5" accent6="accent6" hlink="hlink" folHlink="folHlink"/>
+  <p:notesStyle>
+    <a:lvl1pPr marL="0" algn="l" defTabSz="914400" rtl="0" eaLnBrk="1" latinLnBrk="0" hangingPunct="1">
+      <a:defRPr sz="1200" kern="1200">
+        <a:solidFill>
+          <a:schemeClr val="tx1"/>
+        </a:solidFill>
+        <a:latin typeface="+mn-lt"/>
+        <a:ea typeface="+mn-ea"/>
+        <a:cs typeface="+mn-cs"/>
+      </a:defRPr>
+    </a:lvl1pPr>
+    <a:lvl2pPr marL="457200" algn="l" defTabSz="914400" rtl="0" eaLnBrk="1" latinLnBrk="0" hangingPunct="1">
+      <a:defRPr sz="1200" kern="1200">
+        <a:solidFill>
+          <a:schemeClr val="tx1"/>
+        </a:solidFill>
+        <a:latin typeface="+mn-lt"/>
+        <a:ea typeface="+mn-ea"/>
+        <a:cs typeface="+mn-cs"/>
+      </a:defRPr>
+    </a:lvl2pPr>
+    <a:lvl3pPr marL="914400" algn="l" defTabSz="914400" rtl="0" eaLnBrk="1" latinLnBrk="0" hangingPunct="1">
+      <a:defRPr sz="1200" kern="1200">
+        <a:solidFill>
+          <a:schemeClr val="tx1"/>
+        </a:solidFill>
+        <a:latin typeface="+mn-lt"/>
+        <a:ea typeface="+mn-ea"/>
+        <a:cs typeface="+mn-cs"/>
+      </a:defRPr>
+    </a:lvl3pPr>
+    <a:lvl4pPr marL="1371600" algn="l" defTabSz="914400" rtl="0" eaLnBrk="1" latinLnBrk="0" hangingPunct="1">
+      <a:defRPr sz="1200" kern="1200">
+        <a:solidFill>
+          <a:schemeClr val="tx1"/>
+        </a:solidFill>
+        <a:latin typeface="+mn-lt"/>
+        <a:ea typeface="+mn-ea"/>
+        <a:cs typeface="+mn-cs"/>
+      </a:defRPr>
+    </a:lvl4pPr>
+    <a:lvl5pPr marL="1828800" algn="l" defTabSz="914400" rtl="0" eaLnBrk="1" latinLnBrk="0" hangingPunct="1">
+      <a:defRPr sz="1200" kern="1200">
+        <a:solidFill>
+          <a:schemeClr val="tx1"/>
+        </a:solidFill>
+        <a:latin typeface="+mn-lt"/>
+        <a:ea typeface="+mn-ea"/>
+        <a:cs typeface="+mn-cs"/>
+      </a:defRPr>
+    </a:lvl5pPr>
+    <a:lvl6pPr marL="2286000" algn="l" defTabSz="914400" rtl="0" eaLnBrk="1" latinLnBrk="0" hangingPunct="1">
+      <a:defRPr sz="1200" kern="1200">
+        <a:solidFill>
+          <a:schemeClr val="tx1"/>
+        </a:solidFill>
+        <a:latin typeface="+mn-lt"/>
+        <a:ea typeface="+mn-ea"/>
+        <a:cs typeface="+mn-cs"/>
+      </a:defRPr>
+    </a:lvl6pPr>
+    <a:lvl7pPr marL="2743200" algn="l" defTabSz="914400" rtl="0" eaLnBrk="1" latinLnBrk="0" hangingPunct="1">
+      <a:defRPr sz="1200" kern="1200">
+        <a:solidFill>
+          <a:schemeClr val="tx1"/>
+        </a:solidFill>
+        <a:latin typeface="+mn-lt"/>
+        <a:ea typeface="+mn-ea"/>
+        <a:cs typeface="+mn-cs"/>
+      </a:defRPr>
+    </a:lvl7pPr>
+    <a:lvl8pPr marL="3200400" algn="l" defTabSz="914400" rtl="0" eaLnBrk="1" latinLnBrk="0" hangingPunct="1">
+      <a:defRPr sz="1200" kern="1200">
+        <a:solidFill>
+          <a:schemeClr val="tx1"/>
+        </a:solidFill>
+        <a:latin typeface="+mn-lt"/>
+        <a:ea typeface="+mn-ea"/>
+        <a:cs typeface="+mn-cs"/>
+      </a:defRPr>
+    </a:lvl8pPr>
+    <a:lvl9pPr marL="3657600" algn="l" defTabSz="914400" rtl="0" eaLnBrk="1" latinLnBrk="0" hangingPunct="1">
+      <a:defRPr sz="1200" kern="1200">
+        <a:solidFill>
+          <a:schemeClr val="tx1"/>
+        </a:solidFill>
+        <a:latin typeface="+mn-lt"/>
+        <a:ea typeface="+mn-ea"/>
+        <a:cs typeface="+mn-cs"/>
+      </a:defRPr>
+    </a:lvl9pPr>
+  </p:notesStyle>
+</p:notesMaster>
+</file>
+
 <file path=ppt/slideLayouts/slideLayout1.xml><?xml version="1.0" encoding="utf-8"?>
 <p:sldLayout xmlns:a="http://schemas.openxmlformats.org/drawingml/2006/main" xmlns:r="http://schemas.openxmlformats.org/officeDocument/2006/relationships" xmlns:p="http://schemas.openxmlformats.org/presentationml/2006/main" type="title" preserve="1">
   <p:cSld name="Title Slide">
@@ -400,7 +752,7 @@
             <a:fld id="{8B776CD1-E81A-49F0-BF01-9E494B57A042}" type="datetimeFigureOut">
               <a:rPr lang="en-US" smtClean="0"/>
               <a:pPr/>
-              <a:t>3/27/2010</a:t>
+              <a:t>4/5/2010</a:t>
             </a:fld>
             <a:endParaRPr lang="en-US"/>
           </a:p>
@@ -567,7 +919,7 @@
             <a:fld id="{8B776CD1-E81A-49F0-BF01-9E494B57A042}" type="datetimeFigureOut">
               <a:rPr lang="en-US" smtClean="0"/>
               <a:pPr/>
-              <a:t>3/27/2010</a:t>
+              <a:t>4/5/2010</a:t>
             </a:fld>
             <a:endParaRPr lang="en-US"/>
           </a:p>
@@ -744,7 +1096,7 @@
             <a:fld id="{8B776CD1-E81A-49F0-BF01-9E494B57A042}" type="datetimeFigureOut">
               <a:rPr lang="en-US" smtClean="0"/>
               <a:pPr/>
-              <a:t>3/27/2010</a:t>
+              <a:t>4/5/2010</a:t>
             </a:fld>
             <a:endParaRPr lang="en-US"/>
           </a:p>
@@ -893,7 +1245,7 @@
             <a:fld id="{8B776CD1-E81A-49F0-BF01-9E494B57A042}" type="datetimeFigureOut">
               <a:rPr lang="en-US" smtClean="0"/>
               <a:pPr/>
-              <a:t>3/27/2010</a:t>
+              <a:t>4/5/2010</a:t>
             </a:fld>
             <a:endParaRPr lang="en-US"/>
           </a:p>
@@ -1012,7 +1364,7 @@
             <a:fld id="{8B776CD1-E81A-49F0-BF01-9E494B57A042}" type="datetimeFigureOut">
               <a:rPr lang="en-US" smtClean="0"/>
               <a:pPr/>
-              <a:t>3/27/2010</a:t>
+              <a:t>4/5/2010</a:t>
             </a:fld>
             <a:endParaRPr lang="en-US"/>
           </a:p>
@@ -1284,7 +1636,7 @@
             <a:fld id="{8B776CD1-E81A-49F0-BF01-9E494B57A042}" type="datetimeFigureOut">
               <a:rPr lang="en-US" smtClean="0"/>
               <a:pPr/>
-              <a:t>3/27/2010</a:t>
+              <a:t>4/5/2010</a:t>
             </a:fld>
             <a:endParaRPr lang="en-US"/>
           </a:p>
@@ -1556,7 +1908,7 @@
             <a:fld id="{8B776CD1-E81A-49F0-BF01-9E494B57A042}" type="datetimeFigureOut">
               <a:rPr lang="en-US" smtClean="0"/>
               <a:pPr/>
-              <a:t>3/27/2010</a:t>
+              <a:t>4/5/2010</a:t>
             </a:fld>
             <a:endParaRPr lang="en-US"/>
           </a:p>
@@ -2004,7 +2356,7 @@
             <a:fld id="{8B776CD1-E81A-49F0-BF01-9E494B57A042}" type="datetimeFigureOut">
               <a:rPr lang="en-US" smtClean="0"/>
               <a:pPr/>
-              <a:t>3/27/2010</a:t>
+              <a:t>4/5/2010</a:t>
             </a:fld>
             <a:endParaRPr lang="en-US"/>
           </a:p>
@@ -2119,7 +2471,7 @@
             <a:fld id="{8B776CD1-E81A-49F0-BF01-9E494B57A042}" type="datetimeFigureOut">
               <a:rPr lang="en-US" smtClean="0"/>
               <a:pPr/>
-              <a:t>3/27/2010</a:t>
+              <a:t>4/5/2010</a:t>
             </a:fld>
             <a:endParaRPr lang="en-US"/>
           </a:p>
@@ -2371,7 +2723,7 @@
             <a:fld id="{8B776CD1-E81A-49F0-BF01-9E494B57A042}" type="datetimeFigureOut">
               <a:rPr lang="en-US" smtClean="0"/>
               <a:pPr/>
-              <a:t>3/27/2010</a:t>
+              <a:t>4/5/2010</a:t>
             </a:fld>
             <a:endParaRPr lang="en-US"/>
           </a:p>
@@ -2613,7 +2965,7 @@
             <a:fld id="{8B776CD1-E81A-49F0-BF01-9E494B57A042}" type="datetimeFigureOut">
               <a:rPr lang="en-US" smtClean="0"/>
               <a:pPr/>
-              <a:t>3/27/2010</a:t>
+              <a:t>4/5/2010</a:t>
             </a:fld>
             <a:endParaRPr lang="en-US"/>
           </a:p>
@@ -2788,7 +3140,7 @@
             <a:fld id="{8B776CD1-E81A-49F0-BF01-9E494B57A042}" type="datetimeFigureOut">
               <a:rPr lang="en-US" smtClean="0"/>
               <a:pPr/>
-              <a:t>3/27/2010</a:t>
+              <a:t>4/5/2010</a:t>
             </a:fld>
             <a:endParaRPr lang="en-US"/>
           </a:p>
@@ -3457,6 +3809,162 @@
           <a:chExt cx="0" cy="0"/>
         </a:xfrm>
       </p:grpSpPr>
+      <p:sp>
+        <p:nvSpPr>
+          <p:cNvPr id="2" name="Content Placeholder 1"/>
+          <p:cNvSpPr>
+            <a:spLocks noGrp="1"/>
+          </p:cNvSpPr>
+          <p:nvPr>
+            <p:ph idx="1"/>
+          </p:nvPr>
+        </p:nvSpPr>
+        <p:spPr>
+          <a:xfrm>
+            <a:off x="457200" y="1600200"/>
+            <a:ext cx="8229600" cy="3581400"/>
+          </a:xfrm>
+        </p:spPr>
+        <p:txBody>
+          <a:bodyPr/>
+          <a:lstStyle/>
+          <a:p>
+            <a:r>
+              <a:rPr lang="en-US" dirty="0" smtClean="0"/>
+              <a:t>Disadvantaged != Excuse for doing less </a:t>
+            </a:r>
+            <a:r>
+              <a:rPr lang="en-US" dirty="0" smtClean="0"/>
+              <a:t>work</a:t>
+            </a:r>
+          </a:p>
+          <a:p>
+            <a:endParaRPr lang="en-US" dirty="0" smtClean="0"/>
+          </a:p>
+          <a:p>
+            <a:endParaRPr lang="en-US" dirty="0" smtClean="0"/>
+          </a:p>
+          <a:p>
+            <a:endParaRPr lang="en-US" dirty="0" smtClean="0"/>
+          </a:p>
+          <a:p>
+            <a:endParaRPr lang="en-US" dirty="0" smtClean="0"/>
+          </a:p>
+          <a:p>
+            <a:endParaRPr lang="en-US" dirty="0" smtClean="0"/>
+          </a:p>
+          <a:p>
+            <a:endParaRPr lang="en-US" dirty="0" smtClean="0"/>
+          </a:p>
+          <a:p>
+            <a:endParaRPr lang="en-US" dirty="0" smtClean="0"/>
+          </a:p>
+          <a:p>
+            <a:endParaRPr lang="en-US" dirty="0" smtClean="0"/>
+          </a:p>
+          <a:p>
+            <a:endParaRPr lang="en-US" dirty="0" smtClean="0"/>
+          </a:p>
+          <a:p>
+            <a:endParaRPr lang="en-US" dirty="0" smtClean="0"/>
+          </a:p>
+          <a:p>
+            <a:endParaRPr lang="en-US" dirty="0" smtClean="0"/>
+          </a:p>
+          <a:p>
+            <a:endParaRPr lang="en-US" dirty="0" smtClean="0"/>
+          </a:p>
+          <a:p>
+            <a:endParaRPr lang="en-US" dirty="0" smtClean="0"/>
+          </a:p>
+          <a:p>
+            <a:endParaRPr lang="en-US" dirty="0" smtClean="0"/>
+          </a:p>
+          <a:p>
+            <a:endParaRPr lang="en-US" dirty="0" smtClean="0"/>
+          </a:p>
+          <a:p>
+            <a:endParaRPr lang="en-US" dirty="0" smtClean="0"/>
+          </a:p>
+          <a:p>
+            <a:endParaRPr lang="en-US" dirty="0" smtClean="0"/>
+          </a:p>
+          <a:p>
+            <a:endParaRPr lang="en-US" dirty="0" smtClean="0"/>
+          </a:p>
+          <a:p>
+            <a:endParaRPr lang="en-US" dirty="0" smtClean="0"/>
+          </a:p>
+          <a:p>
+            <a:endParaRPr lang="en-US" dirty="0" smtClean="0"/>
+          </a:p>
+          <a:p>
+            <a:endParaRPr lang="en-US" dirty="0" smtClean="0"/>
+          </a:p>
+          <a:p>
+            <a:endParaRPr lang="en-US" dirty="0" smtClean="0"/>
+          </a:p>
+          <a:p>
+            <a:endParaRPr lang="en-US" dirty="0" smtClean="0"/>
+          </a:p>
+          <a:p>
+            <a:endParaRPr lang="en-US" dirty="0" smtClean="0"/>
+          </a:p>
+          <a:p>
+            <a:endParaRPr lang="en-US" dirty="0" smtClean="0"/>
+          </a:p>
+          <a:p>
+            <a:endParaRPr lang="en-US" dirty="0" smtClean="0"/>
+          </a:p>
+          <a:p>
+            <a:endParaRPr lang="en-US" dirty="0" smtClean="0"/>
+          </a:p>
+          <a:p>
+            <a:endParaRPr lang="en-US" dirty="0" smtClean="0"/>
+          </a:p>
+          <a:p>
+            <a:endParaRPr lang="en-US" dirty="0" smtClean="0"/>
+          </a:p>
+          <a:p>
+            <a:endParaRPr lang="en-US" dirty="0" smtClean="0"/>
+          </a:p>
+          <a:p>
+            <a:endParaRPr lang="en-US" dirty="0"/>
+          </a:p>
+        </p:txBody>
+      </p:sp>
+    </p:spTree>
+  </p:cSld>
+  <p:clrMapOvr>
+    <a:masterClrMapping/>
+  </p:clrMapOvr>
+  <p:timing>
+    <p:tnLst>
+      <p:par>
+        <p:cTn id="1" dur="indefinite" restart="never" nodeType="tmRoot"/>
+      </p:par>
+    </p:tnLst>
+  </p:timing>
+</p:sld>
+</file>
+
+<file path=ppt/slides/slide3.xml><?xml version="1.0" encoding="utf-8"?>
+<p:sld xmlns:a="http://schemas.openxmlformats.org/drawingml/2006/main" xmlns:r="http://schemas.openxmlformats.org/officeDocument/2006/relationships" xmlns:p="http://schemas.openxmlformats.org/presentationml/2006/main">
+  <p:cSld>
+    <p:spTree>
+      <p:nvGrpSpPr>
+        <p:cNvPr id="1" name=""/>
+        <p:cNvGrpSpPr/>
+        <p:nvPr/>
+      </p:nvGrpSpPr>
+      <p:grpSpPr>
+        <a:xfrm>
+          <a:off x="0" y="0"/>
+          <a:ext cx="0" cy="0"/>
+          <a:chOff x="0" y="0"/>
+          <a:chExt cx="0" cy="0"/>
+        </a:xfrm>
+      </p:grpSpPr>
       <p:pic>
         <p:nvPicPr>
           <p:cNvPr id="1026" name="Picture 2"/>
@@ -3529,7 +4037,7 @@
         </p:blipFill>
         <p:spPr>
           <a:xfrm>
-            <a:off x="2514600" y="4114800"/>
+            <a:off x="2438400" y="4038600"/>
             <a:ext cx="537384" cy="551811"/>
           </a:xfrm>
           <a:prstGeom prst="rect">
@@ -3553,7 +4061,7 @@
         </p:blipFill>
         <p:spPr>
           <a:xfrm>
-            <a:off x="3581400" y="3048000"/>
+            <a:off x="3886200" y="3505200"/>
             <a:ext cx="1141544" cy="1134319"/>
           </a:xfrm>
           <a:prstGeom prst="rect">
@@ -3577,7 +4085,7 @@
         </p:blipFill>
         <p:spPr>
           <a:xfrm>
-            <a:off x="4038600" y="4267200"/>
+            <a:off x="4114800" y="4495800"/>
             <a:ext cx="616043" cy="528037"/>
           </a:xfrm>
           <a:prstGeom prst="rect">
@@ -3601,7 +4109,7 @@
         </p:blipFill>
         <p:spPr>
           <a:xfrm>
-            <a:off x="3581400" y="5029200"/>
+            <a:off x="3657600" y="5029200"/>
             <a:ext cx="531944" cy="690669"/>
           </a:xfrm>
           <a:prstGeom prst="rect">
@@ -3636,14 +4144,12 @@
       <p:cxnSp>
         <p:nvCxnSpPr>
           <p:cNvPr id="13" name="Straight Arrow Connector 12"/>
-          <p:cNvCxnSpPr>
-            <a:stCxn id="8" idx="0"/>
-          </p:cNvCxnSpPr>
+          <p:cNvCxnSpPr/>
           <p:nvPr/>
         </p:nvCxnSpPr>
         <p:spPr>
           <a:xfrm rot="16200000" flipV="1">
-            <a:off x="3561987" y="4743815"/>
+            <a:off x="3638186" y="4743813"/>
             <a:ext cx="457199" cy="113572"/>
           </a:xfrm>
           <a:prstGeom prst="straightConnector1">
@@ -3675,9 +4181,9 @@
           <p:nvPr/>
         </p:nvCxnSpPr>
         <p:spPr>
-          <a:xfrm rot="5400000">
-            <a:off x="3543303" y="4000499"/>
-            <a:ext cx="761998" cy="228604"/>
+          <a:xfrm rot="10800000" flipV="1">
+            <a:off x="3810000" y="4114800"/>
+            <a:ext cx="457200" cy="381000"/>
           </a:xfrm>
           <a:prstGeom prst="straightConnector1">
             <a:avLst/>
@@ -3709,7 +4215,7 @@
         </p:nvCxnSpPr>
         <p:spPr>
           <a:xfrm rot="10800000">
-            <a:off x="3733800" y="4495800"/>
+            <a:off x="3810000" y="4495800"/>
             <a:ext cx="304804" cy="152404"/>
           </a:xfrm>
           <a:prstGeom prst="straightConnector1">
@@ -3770,14 +4276,12 @@
       <p:cxnSp>
         <p:nvCxnSpPr>
           <p:cNvPr id="36" name="Straight Arrow Connector 35"/>
-          <p:cNvCxnSpPr>
-            <a:stCxn id="5" idx="3"/>
-          </p:cNvCxnSpPr>
+          <p:cNvCxnSpPr/>
           <p:nvPr/>
         </p:nvCxnSpPr>
         <p:spPr>
           <a:xfrm>
-            <a:off x="3051984" y="4390706"/>
+            <a:off x="2971800" y="4343400"/>
             <a:ext cx="605616" cy="181294"/>
           </a:xfrm>
           <a:prstGeom prst="straightConnector1">
@@ -3845,14 +4349,469 @@
   <p:timing>
     <p:tnLst>
       <p:par>
-        <p:cTn id="1" dur="indefinite" restart="never" nodeType="tmRoot"/>
+        <p:cTn id="1" dur="indefinite" restart="never" nodeType="tmRoot">
+          <p:childTnLst>
+            <p:seq concurrent="1" nextAc="seek">
+              <p:cTn id="2" dur="indefinite" nodeType="mainSeq">
+                <p:childTnLst>
+                  <p:par>
+                    <p:cTn id="3" fill="hold">
+                      <p:stCondLst>
+                        <p:cond delay="indefinite"/>
+                      </p:stCondLst>
+                      <p:childTnLst>
+                        <p:par>
+                          <p:cTn id="4" fill="hold">
+                            <p:stCondLst>
+                              <p:cond delay="0"/>
+                            </p:stCondLst>
+                            <p:childTnLst>
+                              <p:par>
+                                <p:cTn id="5" presetID="1" presetClass="entr" presetSubtype="0" fill="hold" nodeType="clickEffect">
+                                  <p:stCondLst>
+                                    <p:cond delay="0"/>
+                                  </p:stCondLst>
+                                  <p:childTnLst>
+                                    <p:set>
+                                      <p:cBhvr>
+                                        <p:cTn id="6" dur="1" fill="hold">
+                                          <p:stCondLst>
+                                            <p:cond delay="0"/>
+                                          </p:stCondLst>
+                                        </p:cTn>
+                                        <p:tgtEl>
+                                          <p:spTgt spid="6"/>
+                                        </p:tgtEl>
+                                        <p:attrNameLst>
+                                          <p:attrName>style.visibility</p:attrName>
+                                        </p:attrNameLst>
+                                      </p:cBhvr>
+                                      <p:to>
+                                        <p:strVal val="visible"/>
+                                      </p:to>
+                                    </p:set>
+                                  </p:childTnLst>
+                                </p:cTn>
+                              </p:par>
+                              <p:par>
+                                <p:cTn id="7" presetID="1" presetClass="entr" presetSubtype="0" fill="hold" nodeType="withEffect">
+                                  <p:stCondLst>
+                                    <p:cond delay="0"/>
+                                  </p:stCondLst>
+                                  <p:childTnLst>
+                                    <p:set>
+                                      <p:cBhvr>
+                                        <p:cTn id="8" dur="1" fill="hold">
+                                          <p:stCondLst>
+                                            <p:cond delay="0"/>
+                                          </p:stCondLst>
+                                        </p:cTn>
+                                        <p:tgtEl>
+                                          <p:spTgt spid="20"/>
+                                        </p:tgtEl>
+                                        <p:attrNameLst>
+                                          <p:attrName>style.visibility</p:attrName>
+                                        </p:attrNameLst>
+                                      </p:cBhvr>
+                                      <p:to>
+                                        <p:strVal val="visible"/>
+                                      </p:to>
+                                    </p:set>
+                                  </p:childTnLst>
+                                </p:cTn>
+                              </p:par>
+                            </p:childTnLst>
+                          </p:cTn>
+                        </p:par>
+                      </p:childTnLst>
+                    </p:cTn>
+                  </p:par>
+                  <p:par>
+                    <p:cTn id="9" fill="hold">
+                      <p:stCondLst>
+                        <p:cond delay="indefinite"/>
+                      </p:stCondLst>
+                      <p:childTnLst>
+                        <p:par>
+                          <p:cTn id="10" fill="hold">
+                            <p:stCondLst>
+                              <p:cond delay="0"/>
+                            </p:stCondLst>
+                            <p:childTnLst>
+                              <p:par>
+                                <p:cTn id="11" presetID="1" presetClass="entr" presetSubtype="0" fill="hold" nodeType="clickEffect">
+                                  <p:stCondLst>
+                                    <p:cond delay="0"/>
+                                  </p:stCondLst>
+                                  <p:childTnLst>
+                                    <p:set>
+                                      <p:cBhvr>
+                                        <p:cTn id="12" dur="1" fill="hold">
+                                          <p:stCondLst>
+                                            <p:cond delay="0"/>
+                                          </p:stCondLst>
+                                        </p:cTn>
+                                        <p:tgtEl>
+                                          <p:spTgt spid="4"/>
+                                        </p:tgtEl>
+                                        <p:attrNameLst>
+                                          <p:attrName>style.visibility</p:attrName>
+                                        </p:attrNameLst>
+                                      </p:cBhvr>
+                                      <p:to>
+                                        <p:strVal val="visible"/>
+                                      </p:to>
+                                    </p:set>
+                                  </p:childTnLst>
+                                </p:cTn>
+                              </p:par>
+                              <p:par>
+                                <p:cTn id="13" presetID="1" presetClass="entr" presetSubtype="0" fill="hold" nodeType="withEffect">
+                                  <p:stCondLst>
+                                    <p:cond delay="0"/>
+                                  </p:stCondLst>
+                                  <p:childTnLst>
+                                    <p:set>
+                                      <p:cBhvr>
+                                        <p:cTn id="14" dur="1" fill="hold">
+                                          <p:stCondLst>
+                                            <p:cond delay="0"/>
+                                          </p:stCondLst>
+                                        </p:cTn>
+                                        <p:tgtEl>
+                                          <p:spTgt spid="33"/>
+                                        </p:tgtEl>
+                                        <p:attrNameLst>
+                                          <p:attrName>style.visibility</p:attrName>
+                                        </p:attrNameLst>
+                                      </p:cBhvr>
+                                      <p:to>
+                                        <p:strVal val="visible"/>
+                                      </p:to>
+                                    </p:set>
+                                  </p:childTnLst>
+                                </p:cTn>
+                              </p:par>
+                            </p:childTnLst>
+                          </p:cTn>
+                        </p:par>
+                      </p:childTnLst>
+                    </p:cTn>
+                  </p:par>
+                  <p:par>
+                    <p:cTn id="15" fill="hold">
+                      <p:stCondLst>
+                        <p:cond delay="indefinite"/>
+                      </p:stCondLst>
+                      <p:childTnLst>
+                        <p:par>
+                          <p:cTn id="16" fill="hold">
+                            <p:stCondLst>
+                              <p:cond delay="0"/>
+                            </p:stCondLst>
+                            <p:childTnLst>
+                              <p:par>
+                                <p:cTn id="17" presetID="1" presetClass="entr" presetSubtype="0" fill="hold" nodeType="clickEffect">
+                                  <p:stCondLst>
+                                    <p:cond delay="0"/>
+                                  </p:stCondLst>
+                                  <p:childTnLst>
+                                    <p:set>
+                                      <p:cBhvr>
+                                        <p:cTn id="18" dur="1" fill="hold">
+                                          <p:stCondLst>
+                                            <p:cond delay="0"/>
+                                          </p:stCondLst>
+                                        </p:cTn>
+                                        <p:tgtEl>
+                                          <p:spTgt spid="5"/>
+                                        </p:tgtEl>
+                                        <p:attrNameLst>
+                                          <p:attrName>style.visibility</p:attrName>
+                                        </p:attrNameLst>
+                                      </p:cBhvr>
+                                      <p:to>
+                                        <p:strVal val="visible"/>
+                                      </p:to>
+                                    </p:set>
+                                  </p:childTnLst>
+                                </p:cTn>
+                              </p:par>
+                              <p:par>
+                                <p:cTn id="19" presetID="1" presetClass="entr" presetSubtype="0" fill="hold" nodeType="withEffect">
+                                  <p:stCondLst>
+                                    <p:cond delay="0"/>
+                                  </p:stCondLst>
+                                  <p:childTnLst>
+                                    <p:set>
+                                      <p:cBhvr>
+                                        <p:cTn id="20" dur="1" fill="hold">
+                                          <p:stCondLst>
+                                            <p:cond delay="0"/>
+                                          </p:stCondLst>
+                                        </p:cTn>
+                                        <p:tgtEl>
+                                          <p:spTgt spid="36"/>
+                                        </p:tgtEl>
+                                        <p:attrNameLst>
+                                          <p:attrName>style.visibility</p:attrName>
+                                        </p:attrNameLst>
+                                      </p:cBhvr>
+                                      <p:to>
+                                        <p:strVal val="visible"/>
+                                      </p:to>
+                                    </p:set>
+                                  </p:childTnLst>
+                                </p:cTn>
+                              </p:par>
+                            </p:childTnLst>
+                          </p:cTn>
+                        </p:par>
+                      </p:childTnLst>
+                    </p:cTn>
+                  </p:par>
+                  <p:par>
+                    <p:cTn id="21" fill="hold">
+                      <p:stCondLst>
+                        <p:cond delay="indefinite"/>
+                      </p:stCondLst>
+                      <p:childTnLst>
+                        <p:par>
+                          <p:cTn id="22" fill="hold">
+                            <p:stCondLst>
+                              <p:cond delay="0"/>
+                            </p:stCondLst>
+                            <p:childTnLst>
+                              <p:par>
+                                <p:cTn id="23" presetID="1" presetClass="entr" presetSubtype="0" fill="hold" nodeType="clickEffect">
+                                  <p:stCondLst>
+                                    <p:cond delay="0"/>
+                                  </p:stCondLst>
+                                  <p:childTnLst>
+                                    <p:set>
+                                      <p:cBhvr>
+                                        <p:cTn id="24" dur="1" fill="hold">
+                                          <p:stCondLst>
+                                            <p:cond delay="0"/>
+                                          </p:stCondLst>
+                                        </p:cTn>
+                                        <p:tgtEl>
+                                          <p:spTgt spid="8"/>
+                                        </p:tgtEl>
+                                        <p:attrNameLst>
+                                          <p:attrName>style.visibility</p:attrName>
+                                        </p:attrNameLst>
+                                      </p:cBhvr>
+                                      <p:to>
+                                        <p:strVal val="visible"/>
+                                      </p:to>
+                                    </p:set>
+                                  </p:childTnLst>
+                                </p:cTn>
+                              </p:par>
+                              <p:par>
+                                <p:cTn id="25" presetID="1" presetClass="entr" presetSubtype="0" fill="hold" nodeType="withEffect">
+                                  <p:stCondLst>
+                                    <p:cond delay="0"/>
+                                  </p:stCondLst>
+                                  <p:childTnLst>
+                                    <p:set>
+                                      <p:cBhvr>
+                                        <p:cTn id="26" dur="1" fill="hold">
+                                          <p:stCondLst>
+                                            <p:cond delay="0"/>
+                                          </p:stCondLst>
+                                        </p:cTn>
+                                        <p:tgtEl>
+                                          <p:spTgt spid="13"/>
+                                        </p:tgtEl>
+                                        <p:attrNameLst>
+                                          <p:attrName>style.visibility</p:attrName>
+                                        </p:attrNameLst>
+                                      </p:cBhvr>
+                                      <p:to>
+                                        <p:strVal val="visible"/>
+                                      </p:to>
+                                    </p:set>
+                                  </p:childTnLst>
+                                </p:cTn>
+                              </p:par>
+                            </p:childTnLst>
+                          </p:cTn>
+                        </p:par>
+                      </p:childTnLst>
+                    </p:cTn>
+                  </p:par>
+                  <p:par>
+                    <p:cTn id="27" fill="hold">
+                      <p:stCondLst>
+                        <p:cond delay="indefinite"/>
+                      </p:stCondLst>
+                      <p:childTnLst>
+                        <p:par>
+                          <p:cTn id="28" fill="hold">
+                            <p:stCondLst>
+                              <p:cond delay="0"/>
+                            </p:stCondLst>
+                            <p:childTnLst>
+                              <p:par>
+                                <p:cTn id="29" presetID="1" presetClass="entr" presetSubtype="0" fill="hold" nodeType="clickEffect">
+                                  <p:stCondLst>
+                                    <p:cond delay="0"/>
+                                  </p:stCondLst>
+                                  <p:childTnLst>
+                                    <p:set>
+                                      <p:cBhvr>
+                                        <p:cTn id="30" dur="1" fill="hold">
+                                          <p:stCondLst>
+                                            <p:cond delay="0"/>
+                                          </p:stCondLst>
+                                        </p:cTn>
+                                        <p:tgtEl>
+                                          <p:spTgt spid="7"/>
+                                        </p:tgtEl>
+                                        <p:attrNameLst>
+                                          <p:attrName>style.visibility</p:attrName>
+                                        </p:attrNameLst>
+                                      </p:cBhvr>
+                                      <p:to>
+                                        <p:strVal val="visible"/>
+                                      </p:to>
+                                    </p:set>
+                                  </p:childTnLst>
+                                </p:cTn>
+                              </p:par>
+                              <p:par>
+                                <p:cTn id="31" presetID="1" presetClass="entr" presetSubtype="0" fill="hold" nodeType="withEffect">
+                                  <p:stCondLst>
+                                    <p:cond delay="0"/>
+                                  </p:stCondLst>
+                                  <p:childTnLst>
+                                    <p:set>
+                                      <p:cBhvr>
+                                        <p:cTn id="32" dur="1" fill="hold">
+                                          <p:stCondLst>
+                                            <p:cond delay="0"/>
+                                          </p:stCondLst>
+                                        </p:cTn>
+                                        <p:tgtEl>
+                                          <p:spTgt spid="23"/>
+                                        </p:tgtEl>
+                                        <p:attrNameLst>
+                                          <p:attrName>style.visibility</p:attrName>
+                                        </p:attrNameLst>
+                                      </p:cBhvr>
+                                      <p:to>
+                                        <p:strVal val="visible"/>
+                                      </p:to>
+                                    </p:set>
+                                  </p:childTnLst>
+                                </p:cTn>
+                              </p:par>
+                            </p:childTnLst>
+                          </p:cTn>
+                        </p:par>
+                      </p:childTnLst>
+                    </p:cTn>
+                  </p:par>
+                  <p:par>
+                    <p:cTn id="33" fill="hold">
+                      <p:stCondLst>
+                        <p:cond delay="indefinite"/>
+                      </p:stCondLst>
+                      <p:childTnLst>
+                        <p:par>
+                          <p:cTn id="34" fill="hold">
+                            <p:stCondLst>
+                              <p:cond delay="0"/>
+                            </p:stCondLst>
+                            <p:childTnLst>
+                              <p:par>
+                                <p:cTn id="35" presetID="1" presetClass="entr" presetSubtype="0" fill="hold" nodeType="clickEffect">
+                                  <p:stCondLst>
+                                    <p:cond delay="0"/>
+                                  </p:stCondLst>
+                                  <p:childTnLst>
+                                    <p:set>
+                                      <p:cBhvr>
+                                        <p:cTn id="36" dur="1" fill="hold">
+                                          <p:stCondLst>
+                                            <p:cond delay="0"/>
+                                          </p:stCondLst>
+                                        </p:cTn>
+                                        <p:tgtEl>
+                                          <p:spTgt spid="9"/>
+                                        </p:tgtEl>
+                                        <p:attrNameLst>
+                                          <p:attrName>style.visibility</p:attrName>
+                                        </p:attrNameLst>
+                                      </p:cBhvr>
+                                      <p:to>
+                                        <p:strVal val="visible"/>
+                                      </p:to>
+                                    </p:set>
+                                  </p:childTnLst>
+                                </p:cTn>
+                              </p:par>
+                              <p:par>
+                                <p:cTn id="37" presetID="1" presetClass="entr" presetSubtype="0" fill="hold" nodeType="withEffect">
+                                  <p:stCondLst>
+                                    <p:cond delay="0"/>
+                                  </p:stCondLst>
+                                  <p:childTnLst>
+                                    <p:set>
+                                      <p:cBhvr>
+                                        <p:cTn id="38" dur="1" fill="hold">
+                                          <p:stCondLst>
+                                            <p:cond delay="0"/>
+                                          </p:stCondLst>
+                                        </p:cTn>
+                                        <p:tgtEl>
+                                          <p:spTgt spid="44"/>
+                                        </p:tgtEl>
+                                        <p:attrNameLst>
+                                          <p:attrName>style.visibility</p:attrName>
+                                        </p:attrNameLst>
+                                      </p:cBhvr>
+                                      <p:to>
+                                        <p:strVal val="visible"/>
+                                      </p:to>
+                                    </p:set>
+                                  </p:childTnLst>
+                                </p:cTn>
+                              </p:par>
+                            </p:childTnLst>
+                          </p:cTn>
+                        </p:par>
+                      </p:childTnLst>
+                    </p:cTn>
+                  </p:par>
+                </p:childTnLst>
+              </p:cTn>
+              <p:prevCondLst>
+                <p:cond evt="onPrev" delay="0">
+                  <p:tgtEl>
+                    <p:sldTgt/>
+                  </p:tgtEl>
+                </p:cond>
+              </p:prevCondLst>
+              <p:nextCondLst>
+                <p:cond evt="onNext" delay="0">
+                  <p:tgtEl>
+                    <p:sldTgt/>
+                  </p:tgtEl>
+                </p:cond>
+              </p:nextCondLst>
+            </p:seq>
+          </p:childTnLst>
+        </p:cTn>
       </p:par>
     </p:tnLst>
   </p:timing>
 </p:sld>
 </file>
 
-<file path=ppt/slides/slide3.xml><?xml version="1.0" encoding="utf-8"?>
+<file path=ppt/slides/slide4.xml><?xml version="1.0" encoding="utf-8"?>
 <p:sld xmlns:a="http://schemas.openxmlformats.org/drawingml/2006/main" xmlns:r="http://schemas.openxmlformats.org/officeDocument/2006/relationships" xmlns:p="http://schemas.openxmlformats.org/presentationml/2006/main">
   <p:cSld>
     <p:spTree>
@@ -3871,7 +4830,7 @@
       </p:grpSpPr>
       <p:sp>
         <p:nvSpPr>
-          <p:cNvPr id="3" name="Content Placeholder 2"/>
+          <p:cNvPr id="2" name="Content Placeholder 1"/>
           <p:cNvSpPr>
             <a:spLocks noGrp="1"/>
           </p:cNvSpPr>
@@ -3879,35 +4838,1229 @@
             <p:ph idx="1"/>
           </p:nvPr>
         </p:nvSpPr>
-        <p:spPr/>
+        <p:spPr>
+          <a:xfrm>
+            <a:off x="457200" y="1447800"/>
+            <a:ext cx="8229600" cy="4572000"/>
+          </a:xfrm>
+        </p:spPr>
         <p:txBody>
           <a:bodyPr/>
           <a:lstStyle/>
           <a:p>
+            <a:r>
+              <a:rPr lang="en-US" dirty="0" smtClean="0"/>
+              <a:t>Know your </a:t>
+            </a:r>
+            <a:r>
+              <a:rPr lang="en-US" dirty="0" smtClean="0"/>
+              <a:t>team</a:t>
+            </a:r>
+          </a:p>
+          <a:p>
+            <a:r>
+              <a:rPr lang="en-US" dirty="0" smtClean="0"/>
+              <a:t>Know </a:t>
+            </a:r>
+            <a:r>
+              <a:rPr lang="en-US" dirty="0" smtClean="0"/>
+              <a:t>when to be a leader, when to be a follower</a:t>
+            </a:r>
+          </a:p>
+          <a:p>
+            <a:r>
+              <a:rPr lang="en-US" dirty="0" smtClean="0"/>
+              <a:t>Help one another </a:t>
+            </a:r>
+            <a:r>
+              <a:rPr lang="en-US" dirty="0" smtClean="0"/>
+              <a:t>out</a:t>
+            </a:r>
+          </a:p>
+          <a:p>
+            <a:r>
+              <a:rPr lang="en-US" dirty="0" smtClean="0"/>
+              <a:t>Be aware of the overall status of the product</a:t>
+            </a:r>
+          </a:p>
+          <a:p>
+            <a:r>
+              <a:rPr lang="en-US" dirty="0" smtClean="0"/>
+              <a:t>Be </a:t>
+            </a:r>
+            <a:r>
+              <a:rPr lang="en-US" dirty="0" smtClean="0"/>
+              <a:t>independent</a:t>
+            </a:r>
+          </a:p>
+          <a:p>
+            <a:r>
+              <a:rPr lang="en-US" dirty="0" smtClean="0"/>
+              <a:t>Be prepared to step out of your comfort zone</a:t>
+            </a:r>
+          </a:p>
+          <a:p>
+            <a:r>
+              <a:rPr lang="en-US" dirty="0" smtClean="0"/>
+              <a:t>You are part of the group, the group is not part of you</a:t>
+            </a:r>
+          </a:p>
+          <a:p>
+            <a:r>
+              <a:rPr lang="en-US" dirty="0" smtClean="0"/>
+              <a:t>Enjoy the process!</a:t>
+            </a:r>
+          </a:p>
+          <a:p>
+            <a:pPr>
+              <a:buNone/>
+            </a:pPr>
+            <a:endParaRPr lang="en-US" dirty="0" smtClean="0"/>
+          </a:p>
+        </p:txBody>
+      </p:sp>
+    </p:spTree>
+  </p:cSld>
+  <p:clrMapOvr>
+    <a:masterClrMapping/>
+  </p:clrMapOvr>
+  <p:timing>
+    <p:tnLst>
+      <p:par>
+        <p:cTn id="1" dur="indefinite" restart="never" nodeType="tmRoot">
+          <p:childTnLst>
+            <p:seq concurrent="1" nextAc="seek">
+              <p:cTn id="2" dur="indefinite" nodeType="mainSeq">
+                <p:childTnLst>
+                  <p:par>
+                    <p:cTn id="3" fill="hold">
+                      <p:stCondLst>
+                        <p:cond delay="indefinite"/>
+                      </p:stCondLst>
+                      <p:childTnLst>
+                        <p:par>
+                          <p:cTn id="4" fill="hold">
+                            <p:stCondLst>
+                              <p:cond delay="0"/>
+                            </p:stCondLst>
+                            <p:childTnLst>
+                              <p:par>
+                                <p:cTn id="5" presetID="2" presetClass="entr" presetSubtype="4" fill="hold" grpId="0" nodeType="clickEffect">
+                                  <p:stCondLst>
+                                    <p:cond delay="0"/>
+                                  </p:stCondLst>
+                                  <p:childTnLst>
+                                    <p:set>
+                                      <p:cBhvr>
+                                        <p:cTn id="6" dur="1" fill="hold">
+                                          <p:stCondLst>
+                                            <p:cond delay="0"/>
+                                          </p:stCondLst>
+                                        </p:cTn>
+                                        <p:tgtEl>
+                                          <p:spTgt spid="2">
+                                            <p:txEl>
+                                              <p:pRg st="0" end="0"/>
+                                            </p:txEl>
+                                          </p:spTgt>
+                                        </p:tgtEl>
+                                        <p:attrNameLst>
+                                          <p:attrName>style.visibility</p:attrName>
+                                        </p:attrNameLst>
+                                      </p:cBhvr>
+                                      <p:to>
+                                        <p:strVal val="visible"/>
+                                      </p:to>
+                                    </p:set>
+                                    <p:anim calcmode="lin" valueType="num">
+                                      <p:cBhvr additive="base">
+                                        <p:cTn id="7" dur="500" fill="hold"/>
+                                        <p:tgtEl>
+                                          <p:spTgt spid="2">
+                                            <p:txEl>
+                                              <p:pRg st="0" end="0"/>
+                                            </p:txEl>
+                                          </p:spTgt>
+                                        </p:tgtEl>
+                                        <p:attrNameLst>
+                                          <p:attrName>ppt_x</p:attrName>
+                                        </p:attrNameLst>
+                                      </p:cBhvr>
+                                      <p:tavLst>
+                                        <p:tav tm="0">
+                                          <p:val>
+                                            <p:strVal val="#ppt_x"/>
+                                          </p:val>
+                                        </p:tav>
+                                        <p:tav tm="100000">
+                                          <p:val>
+                                            <p:strVal val="#ppt_x"/>
+                                          </p:val>
+                                        </p:tav>
+                                      </p:tavLst>
+                                    </p:anim>
+                                    <p:anim calcmode="lin" valueType="num">
+                                      <p:cBhvr additive="base">
+                                        <p:cTn id="8" dur="500" fill="hold"/>
+                                        <p:tgtEl>
+                                          <p:spTgt spid="2">
+                                            <p:txEl>
+                                              <p:pRg st="0" end="0"/>
+                                            </p:txEl>
+                                          </p:spTgt>
+                                        </p:tgtEl>
+                                        <p:attrNameLst>
+                                          <p:attrName>ppt_y</p:attrName>
+                                        </p:attrNameLst>
+                                      </p:cBhvr>
+                                      <p:tavLst>
+                                        <p:tav tm="0">
+                                          <p:val>
+                                            <p:strVal val="1+#ppt_h/2"/>
+                                          </p:val>
+                                        </p:tav>
+                                        <p:tav tm="100000">
+                                          <p:val>
+                                            <p:strVal val="#ppt_y"/>
+                                          </p:val>
+                                        </p:tav>
+                                      </p:tavLst>
+                                    </p:anim>
+                                  </p:childTnLst>
+                                </p:cTn>
+                              </p:par>
+                            </p:childTnLst>
+                          </p:cTn>
+                        </p:par>
+                      </p:childTnLst>
+                    </p:cTn>
+                  </p:par>
+                  <p:par>
+                    <p:cTn id="9" fill="hold">
+                      <p:stCondLst>
+                        <p:cond delay="indefinite"/>
+                      </p:stCondLst>
+                      <p:childTnLst>
+                        <p:par>
+                          <p:cTn id="10" fill="hold">
+                            <p:stCondLst>
+                              <p:cond delay="0"/>
+                            </p:stCondLst>
+                            <p:childTnLst>
+                              <p:par>
+                                <p:cTn id="11" presetID="2" presetClass="entr" presetSubtype="4" fill="hold" grpId="0" nodeType="clickEffect">
+                                  <p:stCondLst>
+                                    <p:cond delay="0"/>
+                                  </p:stCondLst>
+                                  <p:childTnLst>
+                                    <p:set>
+                                      <p:cBhvr>
+                                        <p:cTn id="12" dur="1" fill="hold">
+                                          <p:stCondLst>
+                                            <p:cond delay="0"/>
+                                          </p:stCondLst>
+                                        </p:cTn>
+                                        <p:tgtEl>
+                                          <p:spTgt spid="2">
+                                            <p:txEl>
+                                              <p:pRg st="1" end="1"/>
+                                            </p:txEl>
+                                          </p:spTgt>
+                                        </p:tgtEl>
+                                        <p:attrNameLst>
+                                          <p:attrName>style.visibility</p:attrName>
+                                        </p:attrNameLst>
+                                      </p:cBhvr>
+                                      <p:to>
+                                        <p:strVal val="visible"/>
+                                      </p:to>
+                                    </p:set>
+                                    <p:anim calcmode="lin" valueType="num">
+                                      <p:cBhvr additive="base">
+                                        <p:cTn id="13" dur="500" fill="hold"/>
+                                        <p:tgtEl>
+                                          <p:spTgt spid="2">
+                                            <p:txEl>
+                                              <p:pRg st="1" end="1"/>
+                                            </p:txEl>
+                                          </p:spTgt>
+                                        </p:tgtEl>
+                                        <p:attrNameLst>
+                                          <p:attrName>ppt_x</p:attrName>
+                                        </p:attrNameLst>
+                                      </p:cBhvr>
+                                      <p:tavLst>
+                                        <p:tav tm="0">
+                                          <p:val>
+                                            <p:strVal val="#ppt_x"/>
+                                          </p:val>
+                                        </p:tav>
+                                        <p:tav tm="100000">
+                                          <p:val>
+                                            <p:strVal val="#ppt_x"/>
+                                          </p:val>
+                                        </p:tav>
+                                      </p:tavLst>
+                                    </p:anim>
+                                    <p:anim calcmode="lin" valueType="num">
+                                      <p:cBhvr additive="base">
+                                        <p:cTn id="14" dur="500" fill="hold"/>
+                                        <p:tgtEl>
+                                          <p:spTgt spid="2">
+                                            <p:txEl>
+                                              <p:pRg st="1" end="1"/>
+                                            </p:txEl>
+                                          </p:spTgt>
+                                        </p:tgtEl>
+                                        <p:attrNameLst>
+                                          <p:attrName>ppt_y</p:attrName>
+                                        </p:attrNameLst>
+                                      </p:cBhvr>
+                                      <p:tavLst>
+                                        <p:tav tm="0">
+                                          <p:val>
+                                            <p:strVal val="1+#ppt_h/2"/>
+                                          </p:val>
+                                        </p:tav>
+                                        <p:tav tm="100000">
+                                          <p:val>
+                                            <p:strVal val="#ppt_y"/>
+                                          </p:val>
+                                        </p:tav>
+                                      </p:tavLst>
+                                    </p:anim>
+                                  </p:childTnLst>
+                                </p:cTn>
+                              </p:par>
+                            </p:childTnLst>
+                          </p:cTn>
+                        </p:par>
+                      </p:childTnLst>
+                    </p:cTn>
+                  </p:par>
+                  <p:par>
+                    <p:cTn id="15" fill="hold">
+                      <p:stCondLst>
+                        <p:cond delay="indefinite"/>
+                      </p:stCondLst>
+                      <p:childTnLst>
+                        <p:par>
+                          <p:cTn id="16" fill="hold">
+                            <p:stCondLst>
+                              <p:cond delay="0"/>
+                            </p:stCondLst>
+                            <p:childTnLst>
+                              <p:par>
+                                <p:cTn id="17" presetID="2" presetClass="entr" presetSubtype="4" fill="hold" grpId="0" nodeType="clickEffect">
+                                  <p:stCondLst>
+                                    <p:cond delay="0"/>
+                                  </p:stCondLst>
+                                  <p:childTnLst>
+                                    <p:set>
+                                      <p:cBhvr>
+                                        <p:cTn id="18" dur="1" fill="hold">
+                                          <p:stCondLst>
+                                            <p:cond delay="0"/>
+                                          </p:stCondLst>
+                                        </p:cTn>
+                                        <p:tgtEl>
+                                          <p:spTgt spid="2">
+                                            <p:txEl>
+                                              <p:pRg st="2" end="2"/>
+                                            </p:txEl>
+                                          </p:spTgt>
+                                        </p:tgtEl>
+                                        <p:attrNameLst>
+                                          <p:attrName>style.visibility</p:attrName>
+                                        </p:attrNameLst>
+                                      </p:cBhvr>
+                                      <p:to>
+                                        <p:strVal val="visible"/>
+                                      </p:to>
+                                    </p:set>
+                                    <p:anim calcmode="lin" valueType="num">
+                                      <p:cBhvr additive="base">
+                                        <p:cTn id="19" dur="500" fill="hold"/>
+                                        <p:tgtEl>
+                                          <p:spTgt spid="2">
+                                            <p:txEl>
+                                              <p:pRg st="2" end="2"/>
+                                            </p:txEl>
+                                          </p:spTgt>
+                                        </p:tgtEl>
+                                        <p:attrNameLst>
+                                          <p:attrName>ppt_x</p:attrName>
+                                        </p:attrNameLst>
+                                      </p:cBhvr>
+                                      <p:tavLst>
+                                        <p:tav tm="0">
+                                          <p:val>
+                                            <p:strVal val="#ppt_x"/>
+                                          </p:val>
+                                        </p:tav>
+                                        <p:tav tm="100000">
+                                          <p:val>
+                                            <p:strVal val="#ppt_x"/>
+                                          </p:val>
+                                        </p:tav>
+                                      </p:tavLst>
+                                    </p:anim>
+                                    <p:anim calcmode="lin" valueType="num">
+                                      <p:cBhvr additive="base">
+                                        <p:cTn id="20" dur="500" fill="hold"/>
+                                        <p:tgtEl>
+                                          <p:spTgt spid="2">
+                                            <p:txEl>
+                                              <p:pRg st="2" end="2"/>
+                                            </p:txEl>
+                                          </p:spTgt>
+                                        </p:tgtEl>
+                                        <p:attrNameLst>
+                                          <p:attrName>ppt_y</p:attrName>
+                                        </p:attrNameLst>
+                                      </p:cBhvr>
+                                      <p:tavLst>
+                                        <p:tav tm="0">
+                                          <p:val>
+                                            <p:strVal val="1+#ppt_h/2"/>
+                                          </p:val>
+                                        </p:tav>
+                                        <p:tav tm="100000">
+                                          <p:val>
+                                            <p:strVal val="#ppt_y"/>
+                                          </p:val>
+                                        </p:tav>
+                                      </p:tavLst>
+                                    </p:anim>
+                                  </p:childTnLst>
+                                </p:cTn>
+                              </p:par>
+                            </p:childTnLst>
+                          </p:cTn>
+                        </p:par>
+                      </p:childTnLst>
+                    </p:cTn>
+                  </p:par>
+                  <p:par>
+                    <p:cTn id="21" fill="hold">
+                      <p:stCondLst>
+                        <p:cond delay="indefinite"/>
+                      </p:stCondLst>
+                      <p:childTnLst>
+                        <p:par>
+                          <p:cTn id="22" fill="hold">
+                            <p:stCondLst>
+                              <p:cond delay="0"/>
+                            </p:stCondLst>
+                            <p:childTnLst>
+                              <p:par>
+                                <p:cTn id="23" presetID="2" presetClass="entr" presetSubtype="4" fill="hold" grpId="0" nodeType="clickEffect">
+                                  <p:stCondLst>
+                                    <p:cond delay="0"/>
+                                  </p:stCondLst>
+                                  <p:childTnLst>
+                                    <p:set>
+                                      <p:cBhvr>
+                                        <p:cTn id="24" dur="1" fill="hold">
+                                          <p:stCondLst>
+                                            <p:cond delay="0"/>
+                                          </p:stCondLst>
+                                        </p:cTn>
+                                        <p:tgtEl>
+                                          <p:spTgt spid="2">
+                                            <p:txEl>
+                                              <p:pRg st="3" end="3"/>
+                                            </p:txEl>
+                                          </p:spTgt>
+                                        </p:tgtEl>
+                                        <p:attrNameLst>
+                                          <p:attrName>style.visibility</p:attrName>
+                                        </p:attrNameLst>
+                                      </p:cBhvr>
+                                      <p:to>
+                                        <p:strVal val="visible"/>
+                                      </p:to>
+                                    </p:set>
+                                    <p:anim calcmode="lin" valueType="num">
+                                      <p:cBhvr additive="base">
+                                        <p:cTn id="25" dur="500" fill="hold"/>
+                                        <p:tgtEl>
+                                          <p:spTgt spid="2">
+                                            <p:txEl>
+                                              <p:pRg st="3" end="3"/>
+                                            </p:txEl>
+                                          </p:spTgt>
+                                        </p:tgtEl>
+                                        <p:attrNameLst>
+                                          <p:attrName>ppt_x</p:attrName>
+                                        </p:attrNameLst>
+                                      </p:cBhvr>
+                                      <p:tavLst>
+                                        <p:tav tm="0">
+                                          <p:val>
+                                            <p:strVal val="#ppt_x"/>
+                                          </p:val>
+                                        </p:tav>
+                                        <p:tav tm="100000">
+                                          <p:val>
+                                            <p:strVal val="#ppt_x"/>
+                                          </p:val>
+                                        </p:tav>
+                                      </p:tavLst>
+                                    </p:anim>
+                                    <p:anim calcmode="lin" valueType="num">
+                                      <p:cBhvr additive="base">
+                                        <p:cTn id="26" dur="500" fill="hold"/>
+                                        <p:tgtEl>
+                                          <p:spTgt spid="2">
+                                            <p:txEl>
+                                              <p:pRg st="3" end="3"/>
+                                            </p:txEl>
+                                          </p:spTgt>
+                                        </p:tgtEl>
+                                        <p:attrNameLst>
+                                          <p:attrName>ppt_y</p:attrName>
+                                        </p:attrNameLst>
+                                      </p:cBhvr>
+                                      <p:tavLst>
+                                        <p:tav tm="0">
+                                          <p:val>
+                                            <p:strVal val="1+#ppt_h/2"/>
+                                          </p:val>
+                                        </p:tav>
+                                        <p:tav tm="100000">
+                                          <p:val>
+                                            <p:strVal val="#ppt_y"/>
+                                          </p:val>
+                                        </p:tav>
+                                      </p:tavLst>
+                                    </p:anim>
+                                  </p:childTnLst>
+                                </p:cTn>
+                              </p:par>
+                            </p:childTnLst>
+                          </p:cTn>
+                        </p:par>
+                      </p:childTnLst>
+                    </p:cTn>
+                  </p:par>
+                  <p:par>
+                    <p:cTn id="27" fill="hold">
+                      <p:stCondLst>
+                        <p:cond delay="indefinite"/>
+                      </p:stCondLst>
+                      <p:childTnLst>
+                        <p:par>
+                          <p:cTn id="28" fill="hold">
+                            <p:stCondLst>
+                              <p:cond delay="0"/>
+                            </p:stCondLst>
+                            <p:childTnLst>
+                              <p:par>
+                                <p:cTn id="29" presetID="2" presetClass="entr" presetSubtype="4" fill="hold" grpId="0" nodeType="clickEffect">
+                                  <p:stCondLst>
+                                    <p:cond delay="0"/>
+                                  </p:stCondLst>
+                                  <p:childTnLst>
+                                    <p:set>
+                                      <p:cBhvr>
+                                        <p:cTn id="30" dur="1" fill="hold">
+                                          <p:stCondLst>
+                                            <p:cond delay="0"/>
+                                          </p:stCondLst>
+                                        </p:cTn>
+                                        <p:tgtEl>
+                                          <p:spTgt spid="2">
+                                            <p:txEl>
+                                              <p:pRg st="4" end="4"/>
+                                            </p:txEl>
+                                          </p:spTgt>
+                                        </p:tgtEl>
+                                        <p:attrNameLst>
+                                          <p:attrName>style.visibility</p:attrName>
+                                        </p:attrNameLst>
+                                      </p:cBhvr>
+                                      <p:to>
+                                        <p:strVal val="visible"/>
+                                      </p:to>
+                                    </p:set>
+                                    <p:anim calcmode="lin" valueType="num">
+                                      <p:cBhvr additive="base">
+                                        <p:cTn id="31" dur="500" fill="hold"/>
+                                        <p:tgtEl>
+                                          <p:spTgt spid="2">
+                                            <p:txEl>
+                                              <p:pRg st="4" end="4"/>
+                                            </p:txEl>
+                                          </p:spTgt>
+                                        </p:tgtEl>
+                                        <p:attrNameLst>
+                                          <p:attrName>ppt_x</p:attrName>
+                                        </p:attrNameLst>
+                                      </p:cBhvr>
+                                      <p:tavLst>
+                                        <p:tav tm="0">
+                                          <p:val>
+                                            <p:strVal val="#ppt_x"/>
+                                          </p:val>
+                                        </p:tav>
+                                        <p:tav tm="100000">
+                                          <p:val>
+                                            <p:strVal val="#ppt_x"/>
+                                          </p:val>
+                                        </p:tav>
+                                      </p:tavLst>
+                                    </p:anim>
+                                    <p:anim calcmode="lin" valueType="num">
+                                      <p:cBhvr additive="base">
+                                        <p:cTn id="32" dur="500" fill="hold"/>
+                                        <p:tgtEl>
+                                          <p:spTgt spid="2">
+                                            <p:txEl>
+                                              <p:pRg st="4" end="4"/>
+                                            </p:txEl>
+                                          </p:spTgt>
+                                        </p:tgtEl>
+                                        <p:attrNameLst>
+                                          <p:attrName>ppt_y</p:attrName>
+                                        </p:attrNameLst>
+                                      </p:cBhvr>
+                                      <p:tavLst>
+                                        <p:tav tm="0">
+                                          <p:val>
+                                            <p:strVal val="1+#ppt_h/2"/>
+                                          </p:val>
+                                        </p:tav>
+                                        <p:tav tm="100000">
+                                          <p:val>
+                                            <p:strVal val="#ppt_y"/>
+                                          </p:val>
+                                        </p:tav>
+                                      </p:tavLst>
+                                    </p:anim>
+                                  </p:childTnLst>
+                                </p:cTn>
+                              </p:par>
+                            </p:childTnLst>
+                          </p:cTn>
+                        </p:par>
+                      </p:childTnLst>
+                    </p:cTn>
+                  </p:par>
+                  <p:par>
+                    <p:cTn id="33" fill="hold">
+                      <p:stCondLst>
+                        <p:cond delay="indefinite"/>
+                      </p:stCondLst>
+                      <p:childTnLst>
+                        <p:par>
+                          <p:cTn id="34" fill="hold">
+                            <p:stCondLst>
+                              <p:cond delay="0"/>
+                            </p:stCondLst>
+                            <p:childTnLst>
+                              <p:par>
+                                <p:cTn id="35" presetID="2" presetClass="entr" presetSubtype="4" fill="hold" grpId="0" nodeType="clickEffect">
+                                  <p:stCondLst>
+                                    <p:cond delay="0"/>
+                                  </p:stCondLst>
+                                  <p:childTnLst>
+                                    <p:set>
+                                      <p:cBhvr>
+                                        <p:cTn id="36" dur="1" fill="hold">
+                                          <p:stCondLst>
+                                            <p:cond delay="0"/>
+                                          </p:stCondLst>
+                                        </p:cTn>
+                                        <p:tgtEl>
+                                          <p:spTgt spid="2">
+                                            <p:txEl>
+                                              <p:pRg st="5" end="5"/>
+                                            </p:txEl>
+                                          </p:spTgt>
+                                        </p:tgtEl>
+                                        <p:attrNameLst>
+                                          <p:attrName>style.visibility</p:attrName>
+                                        </p:attrNameLst>
+                                      </p:cBhvr>
+                                      <p:to>
+                                        <p:strVal val="visible"/>
+                                      </p:to>
+                                    </p:set>
+                                    <p:anim calcmode="lin" valueType="num">
+                                      <p:cBhvr additive="base">
+                                        <p:cTn id="37" dur="500" fill="hold"/>
+                                        <p:tgtEl>
+                                          <p:spTgt spid="2">
+                                            <p:txEl>
+                                              <p:pRg st="5" end="5"/>
+                                            </p:txEl>
+                                          </p:spTgt>
+                                        </p:tgtEl>
+                                        <p:attrNameLst>
+                                          <p:attrName>ppt_x</p:attrName>
+                                        </p:attrNameLst>
+                                      </p:cBhvr>
+                                      <p:tavLst>
+                                        <p:tav tm="0">
+                                          <p:val>
+                                            <p:strVal val="#ppt_x"/>
+                                          </p:val>
+                                        </p:tav>
+                                        <p:tav tm="100000">
+                                          <p:val>
+                                            <p:strVal val="#ppt_x"/>
+                                          </p:val>
+                                        </p:tav>
+                                      </p:tavLst>
+                                    </p:anim>
+                                    <p:anim calcmode="lin" valueType="num">
+                                      <p:cBhvr additive="base">
+                                        <p:cTn id="38" dur="500" fill="hold"/>
+                                        <p:tgtEl>
+                                          <p:spTgt spid="2">
+                                            <p:txEl>
+                                              <p:pRg st="5" end="5"/>
+                                            </p:txEl>
+                                          </p:spTgt>
+                                        </p:tgtEl>
+                                        <p:attrNameLst>
+                                          <p:attrName>ppt_y</p:attrName>
+                                        </p:attrNameLst>
+                                      </p:cBhvr>
+                                      <p:tavLst>
+                                        <p:tav tm="0">
+                                          <p:val>
+                                            <p:strVal val="1+#ppt_h/2"/>
+                                          </p:val>
+                                        </p:tav>
+                                        <p:tav tm="100000">
+                                          <p:val>
+                                            <p:strVal val="#ppt_y"/>
+                                          </p:val>
+                                        </p:tav>
+                                      </p:tavLst>
+                                    </p:anim>
+                                  </p:childTnLst>
+                                </p:cTn>
+                              </p:par>
+                            </p:childTnLst>
+                          </p:cTn>
+                        </p:par>
+                      </p:childTnLst>
+                    </p:cTn>
+                  </p:par>
+                  <p:par>
+                    <p:cTn id="39" fill="hold">
+                      <p:stCondLst>
+                        <p:cond delay="indefinite"/>
+                      </p:stCondLst>
+                      <p:childTnLst>
+                        <p:par>
+                          <p:cTn id="40" fill="hold">
+                            <p:stCondLst>
+                              <p:cond delay="0"/>
+                            </p:stCondLst>
+                            <p:childTnLst>
+                              <p:par>
+                                <p:cTn id="41" presetID="2" presetClass="entr" presetSubtype="4" fill="hold" grpId="0" nodeType="clickEffect">
+                                  <p:stCondLst>
+                                    <p:cond delay="0"/>
+                                  </p:stCondLst>
+                                  <p:childTnLst>
+                                    <p:set>
+                                      <p:cBhvr>
+                                        <p:cTn id="42" dur="1" fill="hold">
+                                          <p:stCondLst>
+                                            <p:cond delay="0"/>
+                                          </p:stCondLst>
+                                        </p:cTn>
+                                        <p:tgtEl>
+                                          <p:spTgt spid="2">
+                                            <p:txEl>
+                                              <p:pRg st="6" end="6"/>
+                                            </p:txEl>
+                                          </p:spTgt>
+                                        </p:tgtEl>
+                                        <p:attrNameLst>
+                                          <p:attrName>style.visibility</p:attrName>
+                                        </p:attrNameLst>
+                                      </p:cBhvr>
+                                      <p:to>
+                                        <p:strVal val="visible"/>
+                                      </p:to>
+                                    </p:set>
+                                    <p:anim calcmode="lin" valueType="num">
+                                      <p:cBhvr additive="base">
+                                        <p:cTn id="43" dur="500" fill="hold"/>
+                                        <p:tgtEl>
+                                          <p:spTgt spid="2">
+                                            <p:txEl>
+                                              <p:pRg st="6" end="6"/>
+                                            </p:txEl>
+                                          </p:spTgt>
+                                        </p:tgtEl>
+                                        <p:attrNameLst>
+                                          <p:attrName>ppt_x</p:attrName>
+                                        </p:attrNameLst>
+                                      </p:cBhvr>
+                                      <p:tavLst>
+                                        <p:tav tm="0">
+                                          <p:val>
+                                            <p:strVal val="#ppt_x"/>
+                                          </p:val>
+                                        </p:tav>
+                                        <p:tav tm="100000">
+                                          <p:val>
+                                            <p:strVal val="#ppt_x"/>
+                                          </p:val>
+                                        </p:tav>
+                                      </p:tavLst>
+                                    </p:anim>
+                                    <p:anim calcmode="lin" valueType="num">
+                                      <p:cBhvr additive="base">
+                                        <p:cTn id="44" dur="500" fill="hold"/>
+                                        <p:tgtEl>
+                                          <p:spTgt spid="2">
+                                            <p:txEl>
+                                              <p:pRg st="6" end="6"/>
+                                            </p:txEl>
+                                          </p:spTgt>
+                                        </p:tgtEl>
+                                        <p:attrNameLst>
+                                          <p:attrName>ppt_y</p:attrName>
+                                        </p:attrNameLst>
+                                      </p:cBhvr>
+                                      <p:tavLst>
+                                        <p:tav tm="0">
+                                          <p:val>
+                                            <p:strVal val="1+#ppt_h/2"/>
+                                          </p:val>
+                                        </p:tav>
+                                        <p:tav tm="100000">
+                                          <p:val>
+                                            <p:strVal val="#ppt_y"/>
+                                          </p:val>
+                                        </p:tav>
+                                      </p:tavLst>
+                                    </p:anim>
+                                  </p:childTnLst>
+                                </p:cTn>
+                              </p:par>
+                            </p:childTnLst>
+                          </p:cTn>
+                        </p:par>
+                      </p:childTnLst>
+                    </p:cTn>
+                  </p:par>
+                  <p:par>
+                    <p:cTn id="45" fill="hold">
+                      <p:stCondLst>
+                        <p:cond delay="indefinite"/>
+                      </p:stCondLst>
+                      <p:childTnLst>
+                        <p:par>
+                          <p:cTn id="46" fill="hold">
+                            <p:stCondLst>
+                              <p:cond delay="0"/>
+                            </p:stCondLst>
+                            <p:childTnLst>
+                              <p:par>
+                                <p:cTn id="47" presetID="2" presetClass="entr" presetSubtype="4" fill="hold" grpId="0" nodeType="clickEffect">
+                                  <p:stCondLst>
+                                    <p:cond delay="0"/>
+                                  </p:stCondLst>
+                                  <p:childTnLst>
+                                    <p:set>
+                                      <p:cBhvr>
+                                        <p:cTn id="48" dur="1" fill="hold">
+                                          <p:stCondLst>
+                                            <p:cond delay="0"/>
+                                          </p:stCondLst>
+                                        </p:cTn>
+                                        <p:tgtEl>
+                                          <p:spTgt spid="2">
+                                            <p:txEl>
+                                              <p:pRg st="7" end="7"/>
+                                            </p:txEl>
+                                          </p:spTgt>
+                                        </p:tgtEl>
+                                        <p:attrNameLst>
+                                          <p:attrName>style.visibility</p:attrName>
+                                        </p:attrNameLst>
+                                      </p:cBhvr>
+                                      <p:to>
+                                        <p:strVal val="visible"/>
+                                      </p:to>
+                                    </p:set>
+                                    <p:anim calcmode="lin" valueType="num">
+                                      <p:cBhvr additive="base">
+                                        <p:cTn id="49" dur="500" fill="hold"/>
+                                        <p:tgtEl>
+                                          <p:spTgt spid="2">
+                                            <p:txEl>
+                                              <p:pRg st="7" end="7"/>
+                                            </p:txEl>
+                                          </p:spTgt>
+                                        </p:tgtEl>
+                                        <p:attrNameLst>
+                                          <p:attrName>ppt_x</p:attrName>
+                                        </p:attrNameLst>
+                                      </p:cBhvr>
+                                      <p:tavLst>
+                                        <p:tav tm="0">
+                                          <p:val>
+                                            <p:strVal val="#ppt_x"/>
+                                          </p:val>
+                                        </p:tav>
+                                        <p:tav tm="100000">
+                                          <p:val>
+                                            <p:strVal val="#ppt_x"/>
+                                          </p:val>
+                                        </p:tav>
+                                      </p:tavLst>
+                                    </p:anim>
+                                    <p:anim calcmode="lin" valueType="num">
+                                      <p:cBhvr additive="base">
+                                        <p:cTn id="50" dur="500" fill="hold"/>
+                                        <p:tgtEl>
+                                          <p:spTgt spid="2">
+                                            <p:txEl>
+                                              <p:pRg st="7" end="7"/>
+                                            </p:txEl>
+                                          </p:spTgt>
+                                        </p:tgtEl>
+                                        <p:attrNameLst>
+                                          <p:attrName>ppt_y</p:attrName>
+                                        </p:attrNameLst>
+                                      </p:cBhvr>
+                                      <p:tavLst>
+                                        <p:tav tm="0">
+                                          <p:val>
+                                            <p:strVal val="1+#ppt_h/2"/>
+                                          </p:val>
+                                        </p:tav>
+                                        <p:tav tm="100000">
+                                          <p:val>
+                                            <p:strVal val="#ppt_y"/>
+                                          </p:val>
+                                        </p:tav>
+                                      </p:tavLst>
+                                    </p:anim>
+                                  </p:childTnLst>
+                                </p:cTn>
+                              </p:par>
+                            </p:childTnLst>
+                          </p:cTn>
+                        </p:par>
+                      </p:childTnLst>
+                    </p:cTn>
+                  </p:par>
+                </p:childTnLst>
+              </p:cTn>
+              <p:prevCondLst>
+                <p:cond evt="onPrev" delay="0">
+                  <p:tgtEl>
+                    <p:sldTgt/>
+                  </p:tgtEl>
+                </p:cond>
+              </p:prevCondLst>
+              <p:nextCondLst>
+                <p:cond evt="onNext" delay="0">
+                  <p:tgtEl>
+                    <p:sldTgt/>
+                  </p:tgtEl>
+                </p:cond>
+              </p:nextCondLst>
+            </p:seq>
+          </p:childTnLst>
+        </p:cTn>
+      </p:par>
+    </p:tnLst>
+    <p:bldLst>
+      <p:bldP spid="2" grpId="0" build="p"/>
+    </p:bldLst>
+  </p:timing>
+</p:sld>
+</file>
+
+<file path=ppt/slides/slide5.xml><?xml version="1.0" encoding="utf-8"?>
+<p:sld xmlns:a="http://schemas.openxmlformats.org/drawingml/2006/main" xmlns:r="http://schemas.openxmlformats.org/officeDocument/2006/relationships" xmlns:p="http://schemas.openxmlformats.org/presentationml/2006/main">
+  <p:cSld>
+    <p:spTree>
+      <p:nvGrpSpPr>
+        <p:cNvPr id="1" name=""/>
+        <p:cNvGrpSpPr/>
+        <p:nvPr/>
+      </p:nvGrpSpPr>
+      <p:grpSpPr>
+        <a:xfrm>
+          <a:off x="0" y="0"/>
+          <a:ext cx="0" cy="0"/>
+          <a:chOff x="0" y="0"/>
+          <a:chExt cx="0" cy="0"/>
+        </a:xfrm>
+      </p:grpSpPr>
+      <p:sp>
+        <p:nvSpPr>
+          <p:cNvPr id="3" name="Title 2"/>
+          <p:cNvSpPr>
+            <a:spLocks noGrp="1"/>
+          </p:cNvSpPr>
+          <p:nvPr>
+            <p:ph type="title"/>
+          </p:nvPr>
+        </p:nvSpPr>
+        <p:spPr/>
+        <p:txBody>
+          <a:bodyPr>
+            <a:normAutofit fontScale="90000"/>
+          </a:bodyPr>
+          <a:lstStyle/>
+          <a:p>
+            <a:r>
+              <a:rPr lang="en-US" dirty="0" smtClean="0"/>
+              <a:t>Be aware of the overall status of the product</a:t>
+            </a:r>
             <a:endParaRPr lang="en-US" dirty="0"/>
           </a:p>
         </p:txBody>
       </p:sp>
-      <p:sp>
-        <p:nvSpPr>
-          <p:cNvPr id="2" name="Title 1"/>
-          <p:cNvSpPr>
-            <a:spLocks noGrp="1"/>
-          </p:cNvSpPr>
-          <p:nvPr>
-            <p:ph type="title"/>
-          </p:nvPr>
-        </p:nvSpPr>
-        <p:spPr/>
-        <p:txBody>
-          <a:bodyPr/>
+      <p:pic>
+        <p:nvPicPr>
+          <p:cNvPr id="1026" name="Picture 2" descr="F:\DCIM\100CANON\IMG_0397.JPG"/>
+          <p:cNvPicPr>
+            <a:picLocks noChangeAspect="1" noChangeArrowheads="1"/>
+          </p:cNvPicPr>
+          <p:nvPr/>
+        </p:nvPicPr>
+        <p:blipFill>
+          <a:blip r:embed="rId2" cstate="print"/>
+          <a:srcRect/>
+          <a:stretch>
+            <a:fillRect/>
+          </a:stretch>
+        </p:blipFill>
+        <p:spPr bwMode="auto">
+          <a:xfrm>
+            <a:off x="1524000" y="1600200"/>
+            <a:ext cx="6553200" cy="4914900"/>
+          </a:xfrm>
+          <a:prstGeom prst="rect">
+            <a:avLst/>
+          </a:prstGeom>
+          <a:noFill/>
+        </p:spPr>
+      </p:pic>
+      <p:sp>
+        <p:nvSpPr>
+          <p:cNvPr id="5" name="TextBox 4"/>
+          <p:cNvSpPr txBox="1"/>
+          <p:nvPr/>
+        </p:nvSpPr>
+        <p:spPr>
+          <a:xfrm rot="20013028">
+            <a:off x="3909978" y="2243050"/>
+            <a:ext cx="328781" cy="707886"/>
+          </a:xfrm>
+          <a:prstGeom prst="rect">
+            <a:avLst/>
+          </a:prstGeom>
+          <a:noFill/>
+        </p:spPr>
+        <p:txBody>
+          <a:bodyPr wrap="square" rtlCol="0">
+            <a:spAutoFit/>
+          </a:bodyPr>
           <a:lstStyle/>
           <a:p>
             <a:r>
-              <a:rPr lang="en-US" dirty="0" smtClean="0"/>
-              <a:t>Purpose</a:t>
-            </a:r>
-            <a:endParaRPr lang="en-US" dirty="0"/>
+              <a:rPr lang="en-US" sz="4000" b="1" dirty="0" smtClean="0">
+                <a:solidFill>
+                  <a:schemeClr val="bg1"/>
+                </a:solidFill>
+              </a:rPr>
+              <a:t>?</a:t>
+            </a:r>
+            <a:endParaRPr lang="en-US" sz="4000" b="1" dirty="0">
+              <a:solidFill>
+                <a:schemeClr val="bg1"/>
+              </a:solidFill>
+            </a:endParaRPr>
+          </a:p>
+        </p:txBody>
+      </p:sp>
+      <p:sp>
+        <p:nvSpPr>
+          <p:cNvPr id="6" name="TextBox 5"/>
+          <p:cNvSpPr txBox="1"/>
+          <p:nvPr/>
+        </p:nvSpPr>
+        <p:spPr>
+          <a:xfrm rot="173784">
+            <a:off x="4207049" y="2220478"/>
+            <a:ext cx="438989" cy="646331"/>
+          </a:xfrm>
+          <a:prstGeom prst="rect">
+            <a:avLst/>
+          </a:prstGeom>
+          <a:noFill/>
+        </p:spPr>
+        <p:txBody>
+          <a:bodyPr wrap="square" rtlCol="0">
+            <a:spAutoFit/>
+          </a:bodyPr>
+          <a:lstStyle/>
+          <a:p>
+            <a:r>
+              <a:rPr lang="en-US" sz="3600" b="1" dirty="0" smtClean="0">
+                <a:solidFill>
+                  <a:schemeClr val="bg1"/>
+                </a:solidFill>
+              </a:rPr>
+              <a:t>?</a:t>
+            </a:r>
+            <a:endParaRPr lang="en-US" sz="3600" b="1" dirty="0">
+              <a:solidFill>
+                <a:schemeClr val="bg1"/>
+              </a:solidFill>
+            </a:endParaRPr>
+          </a:p>
+        </p:txBody>
+      </p:sp>
+      <p:sp>
+        <p:nvSpPr>
+          <p:cNvPr id="7" name="TextBox 6"/>
+          <p:cNvSpPr txBox="1"/>
+          <p:nvPr/>
+        </p:nvSpPr>
+        <p:spPr>
+          <a:xfrm rot="2110964">
+            <a:off x="4441106" y="2239861"/>
+            <a:ext cx="328781" cy="707886"/>
+          </a:xfrm>
+          <a:prstGeom prst="rect">
+            <a:avLst/>
+          </a:prstGeom>
+          <a:noFill/>
+        </p:spPr>
+        <p:txBody>
+          <a:bodyPr wrap="square" rtlCol="0">
+            <a:spAutoFit/>
+          </a:bodyPr>
+          <a:lstStyle/>
+          <a:p>
+            <a:r>
+              <a:rPr lang="en-US" sz="4000" b="1" dirty="0" smtClean="0">
+                <a:solidFill>
+                  <a:schemeClr val="bg1"/>
+                </a:solidFill>
+              </a:rPr>
+              <a:t>?</a:t>
+            </a:r>
+            <a:endParaRPr lang="en-US" sz="4000" b="1" dirty="0">
+              <a:solidFill>
+                <a:schemeClr val="bg1"/>
+              </a:solidFill>
+            </a:endParaRPr>
+          </a:p>
+        </p:txBody>
+      </p:sp>
+      <p:sp>
+        <p:nvSpPr>
+          <p:cNvPr id="8" name="TextBox 7"/>
+          <p:cNvSpPr txBox="1"/>
+          <p:nvPr/>
+        </p:nvSpPr>
+        <p:spPr>
+          <a:xfrm>
+            <a:off x="5181600" y="1676400"/>
+            <a:ext cx="2362200" cy="2308324"/>
+          </a:xfrm>
+          <a:prstGeom prst="rect">
+            <a:avLst/>
+          </a:prstGeom>
+          <a:noFill/>
+        </p:spPr>
+        <p:txBody>
+          <a:bodyPr wrap="square" rtlCol="0">
+            <a:spAutoFit/>
+          </a:bodyPr>
+          <a:lstStyle/>
+          <a:p>
+            <a:r>
+              <a:rPr lang="en-US" dirty="0" smtClean="0">
+                <a:solidFill>
+                  <a:sysClr val="windowText" lastClr="000000"/>
+                </a:solidFill>
+              </a:rPr>
+              <a:t>Next deadline?</a:t>
+            </a:r>
+          </a:p>
+          <a:p>
+            <a:r>
+              <a:rPr lang="en-US" dirty="0" smtClean="0">
+                <a:solidFill>
+                  <a:sysClr val="windowText" lastClr="000000"/>
+                </a:solidFill>
+              </a:rPr>
+              <a:t>Current version?</a:t>
+            </a:r>
+          </a:p>
+          <a:p>
+            <a:r>
+              <a:rPr lang="en-US" dirty="0" smtClean="0">
+                <a:solidFill>
+                  <a:sysClr val="windowText" lastClr="000000"/>
+                </a:solidFill>
+              </a:rPr>
+              <a:t>GUI?</a:t>
+            </a:r>
+          </a:p>
+          <a:p>
+            <a:r>
+              <a:rPr lang="en-US" dirty="0" smtClean="0">
+                <a:solidFill>
+                  <a:sysClr val="windowText" lastClr="000000"/>
+                </a:solidFill>
+              </a:rPr>
+              <a:t>Documentation?</a:t>
+            </a:r>
+          </a:p>
+          <a:p>
+            <a:r>
+              <a:rPr lang="en-US" dirty="0" smtClean="0">
+                <a:solidFill>
+                  <a:sysClr val="windowText" lastClr="000000"/>
+                </a:solidFill>
+              </a:rPr>
+              <a:t>Any critical bugs not solved?</a:t>
+            </a:r>
+            <a:endParaRPr lang="en-US" dirty="0" smtClean="0">
+              <a:solidFill>
+                <a:sysClr val="windowText" lastClr="000000"/>
+              </a:solidFill>
+            </a:endParaRPr>
+          </a:p>
+          <a:p>
+            <a:r>
+              <a:rPr lang="en-US" dirty="0" smtClean="0">
+                <a:solidFill>
+                  <a:sysClr val="windowText" lastClr="000000"/>
+                </a:solidFill>
+              </a:rPr>
+              <a:t>Outstanding issues?</a:t>
+            </a:r>
+          </a:p>
+          <a:p>
+            <a:r>
+              <a:rPr lang="en-US" dirty="0" smtClean="0">
+                <a:solidFill>
+                  <a:sysClr val="windowText" lastClr="000000"/>
+                </a:solidFill>
+              </a:rPr>
+              <a:t>Lightning talk??</a:t>
+            </a:r>
           </a:p>
         </p:txBody>
       </p:sp>
@@ -4174,4 +6327,287 @@
   <a:objectDefaults/>
   <a:extraClrSchemeLst/>
 </a:theme>
+</file>
+
+<file path=ppt/theme/theme2.xml><?xml version="1.0" encoding="utf-8"?>
+<a:theme xmlns:a="http://schemas.openxmlformats.org/drawingml/2006/main" name="Office Theme">
+  <a:themeElements>
+    <a:clrScheme name="Office">
+      <a:dk1>
+        <a:sysClr val="windowText" lastClr="000000"/>
+      </a:dk1>
+      <a:lt1>
+        <a:sysClr val="window" lastClr="FFFFFF"/>
+      </a:lt1>
+      <a:dk2>
+        <a:srgbClr val="1F497D"/>
+      </a:dk2>
+      <a:lt2>
+        <a:srgbClr val="EEECE1"/>
+      </a:lt2>
+      <a:accent1>
+        <a:srgbClr val="4F81BD"/>
+      </a:accent1>
+      <a:accent2>
+        <a:srgbClr val="C0504D"/>
+      </a:accent2>
+      <a:accent3>
+        <a:srgbClr val="9BBB59"/>
+      </a:accent3>
+      <a:accent4>
+        <a:srgbClr val="8064A2"/>
+      </a:accent4>
+      <a:accent5>
+        <a:srgbClr val="4BACC6"/>
+      </a:accent5>
+      <a:accent6>
+        <a:srgbClr val="F79646"/>
+      </a:accent6>
+      <a:hlink>
+        <a:srgbClr val="0000FF"/>
+      </a:hlink>
+      <a:folHlink>
+        <a:srgbClr val="800080"/>
+      </a:folHlink>
+    </a:clrScheme>
+    <a:fontScheme name="Office">
+      <a:majorFont>
+        <a:latin typeface="Calibri"/>
+        <a:ea typeface=""/>
+        <a:cs typeface=""/>
+        <a:font script="Jpan" typeface="ＭＳ Ｐゴシック"/>
+        <a:font script="Hang" typeface="맑은 고딕"/>
+        <a:font script="Hans" typeface="宋体"/>
+        <a:font script="Hant" typeface="新細明體"/>
+        <a:font script="Arab" typeface="Times New Roman"/>
+        <a:font script="Hebr" typeface="Times New Roman"/>
+        <a:font script="Thai" typeface="Angsana New"/>
+        <a:font script="Ethi" typeface="Nyala"/>
+        <a:font script="Beng" typeface="Vrinda"/>
+        <a:font script="Gujr" typeface="Shruti"/>
+        <a:font script="Khmr" typeface="MoolBoran"/>
+        <a:font script="Knda" typeface="Tunga"/>
+        <a:font script="Guru" typeface="Raavi"/>
+        <a:font script="Cans" typeface="Euphemia"/>
+        <a:font script="Cher" typeface="Plantagenet Cherokee"/>
+        <a:font script="Yiii" typeface="Microsoft Yi Baiti"/>
+        <a:font script="Tibt" typeface="Microsoft Himalaya"/>
+        <a:font script="Thaa" typeface="MV Boli"/>
+        <a:font script="Deva" typeface="Mangal"/>
+        <a:font script="Telu" typeface="Gautami"/>
+        <a:font script="Taml" typeface="Latha"/>
+        <a:font script="Syrc" typeface="Estrangelo Edessa"/>
+        <a:font script="Orya" typeface="Kalinga"/>
+        <a:font script="Mlym" typeface="Kartika"/>
+        <a:font script="Laoo" typeface="DokChampa"/>
+        <a:font script="Sinh" typeface="Iskoola Pota"/>
+        <a:font script="Mong" typeface="Mongolian Baiti"/>
+        <a:font script="Viet" typeface="Times New Roman"/>
+        <a:font script="Uigh" typeface="Microsoft Uighur"/>
+      </a:majorFont>
+      <a:minorFont>
+        <a:latin typeface="Calibri"/>
+        <a:ea typeface=""/>
+        <a:cs typeface=""/>
+        <a:font script="Jpan" typeface="ＭＳ Ｐゴシック"/>
+        <a:font script="Hang" typeface="맑은 고딕"/>
+        <a:font script="Hans" typeface="宋体"/>
+        <a:font script="Hant" typeface="新細明體"/>
+        <a:font script="Arab" typeface="Arial"/>
+        <a:font script="Hebr" typeface="Arial"/>
+        <a:font script="Thai" typeface="Cordia New"/>
+        <a:font script="Ethi" typeface="Nyala"/>
+        <a:font script="Beng" typeface="Vrinda"/>
+        <a:font script="Gujr" typeface="Shruti"/>
+        <a:font script="Khmr" typeface="DaunPenh"/>
+        <a:font script="Knda" typeface="Tunga"/>
+        <a:font script="Guru" typeface="Raavi"/>
+        <a:font script="Cans" typeface="Euphemia"/>
+        <a:font script="Cher" typeface="Plantagenet Cherokee"/>
+        <a:font script="Yiii" typeface="Microsoft Yi Baiti"/>
+        <a:font script="Tibt" typeface="Microsoft Himalaya"/>
+        <a:font script="Thaa" typeface="MV Boli"/>
+        <a:font script="Deva" typeface="Mangal"/>
+        <a:font script="Telu" typeface="Gautami"/>
+        <a:font script="Taml" typeface="Latha"/>
+        <a:font script="Syrc" typeface="Estrangelo Edessa"/>
+        <a:font script="Orya" typeface="Kalinga"/>
+        <a:font script="Mlym" typeface="Kartika"/>
+        <a:font script="Laoo" typeface="DokChampa"/>
+        <a:font script="Sinh" typeface="Iskoola Pota"/>
+        <a:font script="Mong" typeface="Mongolian Baiti"/>
+        <a:font script="Viet" typeface="Arial"/>
+        <a:font script="Uigh" typeface="Microsoft Uighur"/>
+      </a:minorFont>
+    </a:fontScheme>
+    <a:fmtScheme name="Office">
+      <a:fillStyleLst>
+        <a:solidFill>
+          <a:schemeClr val="phClr"/>
+        </a:solidFill>
+        <a:gradFill rotWithShape="1">
+          <a:gsLst>
+            <a:gs pos="0">
+              <a:schemeClr val="phClr">
+                <a:tint val="50000"/>
+                <a:satMod val="300000"/>
+              </a:schemeClr>
+            </a:gs>
+            <a:gs pos="35000">
+              <a:schemeClr val="phClr">
+                <a:tint val="37000"/>
+                <a:satMod val="300000"/>
+              </a:schemeClr>
+            </a:gs>
+            <a:gs pos="100000">
+              <a:schemeClr val="phClr">
+                <a:tint val="15000"/>
+                <a:satMod val="350000"/>
+              </a:schemeClr>
+            </a:gs>
+          </a:gsLst>
+          <a:lin ang="16200000" scaled="1"/>
+        </a:gradFill>
+        <a:gradFill rotWithShape="1">
+          <a:gsLst>
+            <a:gs pos="0">
+              <a:schemeClr val="phClr">
+                <a:shade val="51000"/>
+                <a:satMod val="130000"/>
+              </a:schemeClr>
+            </a:gs>
+            <a:gs pos="80000">
+              <a:schemeClr val="phClr">
+                <a:shade val="93000"/>
+                <a:satMod val="130000"/>
+              </a:schemeClr>
+            </a:gs>
+            <a:gs pos="100000">
+              <a:schemeClr val="phClr">
+                <a:shade val="94000"/>
+                <a:satMod val="135000"/>
+              </a:schemeClr>
+            </a:gs>
+          </a:gsLst>
+          <a:lin ang="16200000" scaled="0"/>
+        </a:gradFill>
+      </a:fillStyleLst>
+      <a:lnStyleLst>
+        <a:ln w="9525" cap="flat" cmpd="sng" algn="ctr">
+          <a:solidFill>
+            <a:schemeClr val="phClr">
+              <a:shade val="95000"/>
+              <a:satMod val="105000"/>
+            </a:schemeClr>
+          </a:solidFill>
+          <a:prstDash val="solid"/>
+        </a:ln>
+        <a:ln w="25400" cap="flat" cmpd="sng" algn="ctr">
+          <a:solidFill>
+            <a:schemeClr val="phClr"/>
+          </a:solidFill>
+          <a:prstDash val="solid"/>
+        </a:ln>
+        <a:ln w="38100" cap="flat" cmpd="sng" algn="ctr">
+          <a:solidFill>
+            <a:schemeClr val="phClr"/>
+          </a:solidFill>
+          <a:prstDash val="solid"/>
+        </a:ln>
+      </a:lnStyleLst>
+      <a:effectStyleLst>
+        <a:effectStyle>
+          <a:effectLst>
+            <a:outerShdw blurRad="40000" dist="20000" dir="5400000" rotWithShape="0">
+              <a:srgbClr val="000000">
+                <a:alpha val="38000"/>
+              </a:srgbClr>
+            </a:outerShdw>
+          </a:effectLst>
+        </a:effectStyle>
+        <a:effectStyle>
+          <a:effectLst>
+            <a:outerShdw blurRad="40000" dist="23000" dir="5400000" rotWithShape="0">
+              <a:srgbClr val="000000">
+                <a:alpha val="35000"/>
+              </a:srgbClr>
+            </a:outerShdw>
+          </a:effectLst>
+        </a:effectStyle>
+        <a:effectStyle>
+          <a:effectLst>
+            <a:outerShdw blurRad="40000" dist="23000" dir="5400000" rotWithShape="0">
+              <a:srgbClr val="000000">
+                <a:alpha val="35000"/>
+              </a:srgbClr>
+            </a:outerShdw>
+          </a:effectLst>
+          <a:scene3d>
+            <a:camera prst="orthographicFront">
+              <a:rot lat="0" lon="0" rev="0"/>
+            </a:camera>
+            <a:lightRig rig="threePt" dir="t">
+              <a:rot lat="0" lon="0" rev="1200000"/>
+            </a:lightRig>
+          </a:scene3d>
+          <a:sp3d>
+            <a:bevelT w="63500" h="25400"/>
+          </a:sp3d>
+        </a:effectStyle>
+      </a:effectStyleLst>
+      <a:bgFillStyleLst>
+        <a:solidFill>
+          <a:schemeClr val="phClr"/>
+        </a:solidFill>
+        <a:gradFill rotWithShape="1">
+          <a:gsLst>
+            <a:gs pos="0">
+              <a:schemeClr val="phClr">
+                <a:tint val="40000"/>
+                <a:satMod val="350000"/>
+              </a:schemeClr>
+            </a:gs>
+            <a:gs pos="40000">
+              <a:schemeClr val="phClr">
+                <a:tint val="45000"/>
+                <a:shade val="99000"/>
+                <a:satMod val="350000"/>
+              </a:schemeClr>
+            </a:gs>
+            <a:gs pos="100000">
+              <a:schemeClr val="phClr">
+                <a:shade val="20000"/>
+                <a:satMod val="255000"/>
+              </a:schemeClr>
+            </a:gs>
+          </a:gsLst>
+          <a:path path="circle">
+            <a:fillToRect l="50000" t="-80000" r="50000" b="180000"/>
+          </a:path>
+        </a:gradFill>
+        <a:gradFill rotWithShape="1">
+          <a:gsLst>
+            <a:gs pos="0">
+              <a:schemeClr val="phClr">
+                <a:tint val="80000"/>
+                <a:satMod val="300000"/>
+              </a:schemeClr>
+            </a:gs>
+            <a:gs pos="100000">
+              <a:schemeClr val="phClr">
+                <a:shade val="30000"/>
+                <a:satMod val="200000"/>
+              </a:schemeClr>
+            </a:gs>
+          </a:gsLst>
+          <a:path path="circle">
+            <a:fillToRect l="50000" t="50000" r="50000" b="50000"/>
+          </a:path>
+        </a:gradFill>
+      </a:bgFillStyleLst>
+    </a:fmtScheme>
+  </a:themeElements>
+  <a:objectDefaults/>
+  <a:extraClrSchemeLst/>
+</a:theme>
 </file>
--- a/Lightning talk.pptx
+++ b/Lightning talk.pptx
@@ -5,14 +5,22 @@
     <p:sldMasterId id="2147483684" r:id="rId1"/>
   </p:sldMasterIdLst>
   <p:notesMasterIdLst>
-    <p:notesMasterId r:id="rId7"/>
+    <p:notesMasterId r:id="rId15"/>
   </p:notesMasterIdLst>
   <p:sldIdLst>
     <p:sldId id="256" r:id="rId2"/>
-    <p:sldId id="262" r:id="rId3"/>
-    <p:sldId id="257" r:id="rId4"/>
-    <p:sldId id="263" r:id="rId5"/>
-    <p:sldId id="264" r:id="rId6"/>
+    <p:sldId id="266" r:id="rId3"/>
+    <p:sldId id="268" r:id="rId4"/>
+    <p:sldId id="262" r:id="rId5"/>
+    <p:sldId id="267" r:id="rId6"/>
+    <p:sldId id="257" r:id="rId7"/>
+    <p:sldId id="269" r:id="rId8"/>
+    <p:sldId id="270" r:id="rId9"/>
+    <p:sldId id="271" r:id="rId10"/>
+    <p:sldId id="273" r:id="rId11"/>
+    <p:sldId id="272" r:id="rId12"/>
+    <p:sldId id="263" r:id="rId13"/>
+    <p:sldId id="264" r:id="rId14"/>
   </p:sldIdLst>
   <p:sldSz cx="9144000" cy="6858000" type="screen4x3"/>
   <p:notesSz cx="6858000" cy="9144000"/>
@@ -196,7 +204,8 @@
           <a:p>
             <a:fld id="{AD00A6A1-BEE2-4467-9FD5-B42E12911DE3}" type="datetimeFigureOut">
               <a:rPr lang="en-US" smtClean="0"/>
-              <a:t>4/5/2010</a:t>
+              <a:pPr/>
+              <a:t>4/6/2010</a:t>
             </a:fld>
             <a:endParaRPr lang="en-US"/>
           </a:p>
@@ -357,6 +366,7 @@
           <a:p>
             <a:fld id="{4B7994D4-9F71-48CF-9FB2-E5601822EC37}" type="slidenum">
               <a:rPr lang="en-US" smtClean="0"/>
+              <a:pPr/>
               <a:t>‹#›</a:t>
             </a:fld>
             <a:endParaRPr lang="en-US"/>
@@ -752,7 +762,7 @@
             <a:fld id="{8B776CD1-E81A-49F0-BF01-9E494B57A042}" type="datetimeFigureOut">
               <a:rPr lang="en-US" smtClean="0"/>
               <a:pPr/>
-              <a:t>4/5/2010</a:t>
+              <a:t>4/6/2010</a:t>
             </a:fld>
             <a:endParaRPr lang="en-US"/>
           </a:p>
@@ -919,7 +929,7 @@
             <a:fld id="{8B776CD1-E81A-49F0-BF01-9E494B57A042}" type="datetimeFigureOut">
               <a:rPr lang="en-US" smtClean="0"/>
               <a:pPr/>
-              <a:t>4/5/2010</a:t>
+              <a:t>4/6/2010</a:t>
             </a:fld>
             <a:endParaRPr lang="en-US"/>
           </a:p>
@@ -1096,7 +1106,7 @@
             <a:fld id="{8B776CD1-E81A-49F0-BF01-9E494B57A042}" type="datetimeFigureOut">
               <a:rPr lang="en-US" smtClean="0"/>
               <a:pPr/>
-              <a:t>4/5/2010</a:t>
+              <a:t>4/6/2010</a:t>
             </a:fld>
             <a:endParaRPr lang="en-US"/>
           </a:p>
@@ -1245,7 +1255,7 @@
             <a:fld id="{8B776CD1-E81A-49F0-BF01-9E494B57A042}" type="datetimeFigureOut">
               <a:rPr lang="en-US" smtClean="0"/>
               <a:pPr/>
-              <a:t>4/5/2010</a:t>
+              <a:t>4/6/2010</a:t>
             </a:fld>
             <a:endParaRPr lang="en-US"/>
           </a:p>
@@ -1364,7 +1374,7 @@
             <a:fld id="{8B776CD1-E81A-49F0-BF01-9E494B57A042}" type="datetimeFigureOut">
               <a:rPr lang="en-US" smtClean="0"/>
               <a:pPr/>
-              <a:t>4/5/2010</a:t>
+              <a:t>4/6/2010</a:t>
             </a:fld>
             <a:endParaRPr lang="en-US"/>
           </a:p>
@@ -1636,7 +1646,7 @@
             <a:fld id="{8B776CD1-E81A-49F0-BF01-9E494B57A042}" type="datetimeFigureOut">
               <a:rPr lang="en-US" smtClean="0"/>
               <a:pPr/>
-              <a:t>4/5/2010</a:t>
+              <a:t>4/6/2010</a:t>
             </a:fld>
             <a:endParaRPr lang="en-US"/>
           </a:p>
@@ -1908,7 +1918,7 @@
             <a:fld id="{8B776CD1-E81A-49F0-BF01-9E494B57A042}" type="datetimeFigureOut">
               <a:rPr lang="en-US" smtClean="0"/>
               <a:pPr/>
-              <a:t>4/5/2010</a:t>
+              <a:t>4/6/2010</a:t>
             </a:fld>
             <a:endParaRPr lang="en-US"/>
           </a:p>
@@ -2356,7 +2366,7 @@
             <a:fld id="{8B776CD1-E81A-49F0-BF01-9E494B57A042}" type="datetimeFigureOut">
               <a:rPr lang="en-US" smtClean="0"/>
               <a:pPr/>
-              <a:t>4/5/2010</a:t>
+              <a:t>4/6/2010</a:t>
             </a:fld>
             <a:endParaRPr lang="en-US"/>
           </a:p>
@@ -2471,7 +2481,7 @@
             <a:fld id="{8B776CD1-E81A-49F0-BF01-9E494B57A042}" type="datetimeFigureOut">
               <a:rPr lang="en-US" smtClean="0"/>
               <a:pPr/>
-              <a:t>4/5/2010</a:t>
+              <a:t>4/6/2010</a:t>
             </a:fld>
             <a:endParaRPr lang="en-US"/>
           </a:p>
@@ -2723,7 +2733,7 @@
             <a:fld id="{8B776CD1-E81A-49F0-BF01-9E494B57A042}" type="datetimeFigureOut">
               <a:rPr lang="en-US" smtClean="0"/>
               <a:pPr/>
-              <a:t>4/5/2010</a:t>
+              <a:t>4/6/2010</a:t>
             </a:fld>
             <a:endParaRPr lang="en-US"/>
           </a:p>
@@ -2965,7 +2975,7 @@
             <a:fld id="{8B776CD1-E81A-49F0-BF01-9E494B57A042}" type="datetimeFigureOut">
               <a:rPr lang="en-US" smtClean="0"/>
               <a:pPr/>
-              <a:t>4/5/2010</a:t>
+              <a:t>4/6/2010</a:t>
             </a:fld>
             <a:endParaRPr lang="en-US"/>
           </a:p>
@@ -3140,7 +3150,7 @@
             <a:fld id="{8B776CD1-E81A-49F0-BF01-9E494B57A042}" type="datetimeFigureOut">
               <a:rPr lang="en-US" smtClean="0"/>
               <a:pPr/>
-              <a:t>4/5/2010</a:t>
+              <a:t>4/6/2010</a:t>
             </a:fld>
             <a:endParaRPr lang="en-US"/>
           </a:p>
@@ -3792,7 +3802,7 @@
 </p:sld>
 </file>
 
-<file path=ppt/slides/slide2.xml><?xml version="1.0" encoding="utf-8"?>
+<file path=ppt/slides/slide10.xml><?xml version="1.0" encoding="utf-8"?>
 <p:sld xmlns:a="http://schemas.openxmlformats.org/drawingml/2006/main" xmlns:r="http://schemas.openxmlformats.org/officeDocument/2006/relationships" xmlns:p="http://schemas.openxmlformats.org/presentationml/2006/main">
   <p:cSld>
     <p:spTree>
@@ -3809,127 +3819,53 @@
           <a:chExt cx="0" cy="0"/>
         </a:xfrm>
       </p:grpSpPr>
-      <p:sp>
-        <p:nvSpPr>
-          <p:cNvPr id="2" name="Content Placeholder 1"/>
-          <p:cNvSpPr>
-            <a:spLocks noGrp="1"/>
-          </p:cNvSpPr>
+      <p:pic>
+        <p:nvPicPr>
+          <p:cNvPr id="4" name="内容占位符 3" descr="team_work_explained.jpg"/>
+          <p:cNvPicPr>
+            <a:picLocks noGrp="1" noChangeAspect="1"/>
+          </p:cNvPicPr>
           <p:nvPr>
             <p:ph idx="1"/>
           </p:nvPr>
-        </p:nvSpPr>
+        </p:nvPicPr>
+        <p:blipFill>
+          <a:blip r:embed="rId2" cstate="print"/>
+          <a:stretch>
+            <a:fillRect/>
+          </a:stretch>
+        </p:blipFill>
         <p:spPr>
           <a:xfrm>
-            <a:off x="457200" y="1600200"/>
-            <a:ext cx="8229600" cy="3581400"/>
+            <a:off x="685800" y="1524000"/>
+            <a:ext cx="3775538" cy="4572000"/>
           </a:xfrm>
         </p:spPr>
+      </p:pic>
+      <p:sp>
+        <p:nvSpPr>
+          <p:cNvPr id="3" name="标题 2"/>
+          <p:cNvSpPr>
+            <a:spLocks noGrp="1"/>
+          </p:cNvSpPr>
+          <p:nvPr>
+            <p:ph type="title"/>
+          </p:nvPr>
+        </p:nvSpPr>
+        <p:spPr/>
         <p:txBody>
           <a:bodyPr/>
           <a:lstStyle/>
           <a:p>
             <a:r>
-              <a:rPr lang="en-US" dirty="0" smtClean="0"/>
-              <a:t>Disadvantaged != Excuse for doing less </a:t>
-            </a:r>
-            <a:r>
-              <a:rPr lang="en-US" dirty="0" smtClean="0"/>
-              <a:t>work</a:t>
-            </a:r>
-          </a:p>
-          <a:p>
-            <a:endParaRPr lang="en-US" dirty="0" smtClean="0"/>
-          </a:p>
-          <a:p>
-            <a:endParaRPr lang="en-US" dirty="0" smtClean="0"/>
-          </a:p>
-          <a:p>
-            <a:endParaRPr lang="en-US" dirty="0" smtClean="0"/>
-          </a:p>
-          <a:p>
-            <a:endParaRPr lang="en-US" dirty="0" smtClean="0"/>
-          </a:p>
-          <a:p>
-            <a:endParaRPr lang="en-US" dirty="0" smtClean="0"/>
-          </a:p>
-          <a:p>
-            <a:endParaRPr lang="en-US" dirty="0" smtClean="0"/>
-          </a:p>
-          <a:p>
-            <a:endParaRPr lang="en-US" dirty="0" smtClean="0"/>
-          </a:p>
-          <a:p>
-            <a:endParaRPr lang="en-US" dirty="0" smtClean="0"/>
-          </a:p>
-          <a:p>
-            <a:endParaRPr lang="en-US" dirty="0" smtClean="0"/>
-          </a:p>
-          <a:p>
-            <a:endParaRPr lang="en-US" dirty="0" smtClean="0"/>
-          </a:p>
-          <a:p>
-            <a:endParaRPr lang="en-US" dirty="0" smtClean="0"/>
-          </a:p>
-          <a:p>
-            <a:endParaRPr lang="en-US" dirty="0" smtClean="0"/>
-          </a:p>
-          <a:p>
-            <a:endParaRPr lang="en-US" dirty="0" smtClean="0"/>
-          </a:p>
-          <a:p>
-            <a:endParaRPr lang="en-US" dirty="0" smtClean="0"/>
-          </a:p>
-          <a:p>
-            <a:endParaRPr lang="en-US" dirty="0" smtClean="0"/>
-          </a:p>
-          <a:p>
-            <a:endParaRPr lang="en-US" dirty="0" smtClean="0"/>
-          </a:p>
-          <a:p>
-            <a:endParaRPr lang="en-US" dirty="0" smtClean="0"/>
-          </a:p>
-          <a:p>
-            <a:endParaRPr lang="en-US" dirty="0" smtClean="0"/>
-          </a:p>
-          <a:p>
-            <a:endParaRPr lang="en-US" dirty="0" smtClean="0"/>
-          </a:p>
-          <a:p>
-            <a:endParaRPr lang="en-US" dirty="0" smtClean="0"/>
-          </a:p>
-          <a:p>
-            <a:endParaRPr lang="en-US" dirty="0" smtClean="0"/>
-          </a:p>
-          <a:p>
-            <a:endParaRPr lang="en-US" dirty="0" smtClean="0"/>
-          </a:p>
-          <a:p>
-            <a:endParaRPr lang="en-US" dirty="0" smtClean="0"/>
-          </a:p>
-          <a:p>
-            <a:endParaRPr lang="en-US" dirty="0" smtClean="0"/>
-          </a:p>
-          <a:p>
-            <a:endParaRPr lang="en-US" dirty="0" smtClean="0"/>
-          </a:p>
-          <a:p>
-            <a:endParaRPr lang="en-US" dirty="0" smtClean="0"/>
-          </a:p>
-          <a:p>
-            <a:endParaRPr lang="en-US" dirty="0" smtClean="0"/>
-          </a:p>
-          <a:p>
-            <a:endParaRPr lang="en-US" dirty="0" smtClean="0"/>
-          </a:p>
-          <a:p>
-            <a:endParaRPr lang="en-US" dirty="0" smtClean="0"/>
-          </a:p>
-          <a:p>
-            <a:endParaRPr lang="en-US" dirty="0" smtClean="0"/>
-          </a:p>
-          <a:p>
-            <a:endParaRPr lang="en-US" dirty="0"/>
+              <a:rPr lang="en-US" altLang="zh-CN" dirty="0" smtClean="0"/>
+              <a:t>Help </a:t>
+            </a:r>
+            <a:r>
+              <a:rPr lang="en-US" altLang="zh-CN" smtClean="0"/>
+              <a:t>each other:</a:t>
+            </a:r>
+            <a:endParaRPr lang="zh-CN" altLang="en-US" dirty="0"/>
           </a:p>
         </p:txBody>
       </p:sp>
@@ -3938,17 +3874,10 @@
   <p:clrMapOvr>
     <a:masterClrMapping/>
   </p:clrMapOvr>
-  <p:timing>
-    <p:tnLst>
-      <p:par>
-        <p:cTn id="1" dur="indefinite" restart="never" nodeType="tmRoot"/>
-      </p:par>
-    </p:tnLst>
-  </p:timing>
 </p:sld>
 </file>
 
-<file path=ppt/slides/slide3.xml><?xml version="1.0" encoding="utf-8"?>
+<file path=ppt/slides/slide11.xml><?xml version="1.0" encoding="utf-8"?>
 <p:sld xmlns:a="http://schemas.openxmlformats.org/drawingml/2006/main" xmlns:r="http://schemas.openxmlformats.org/officeDocument/2006/relationships" xmlns:p="http://schemas.openxmlformats.org/presentationml/2006/main">
   <p:cSld>
     <p:spTree>
@@ -4811,7 +4740,7 @@
 </p:sld>
 </file>
 
-<file path=ppt/slides/slide4.xml><?xml version="1.0" encoding="utf-8"?>
+<file path=ppt/slides/slide12.xml><?xml version="1.0" encoding="utf-8"?>
 <p:sld xmlns:a="http://schemas.openxmlformats.org/drawingml/2006/main" xmlns:r="http://schemas.openxmlformats.org/officeDocument/2006/relationships" xmlns:p="http://schemas.openxmlformats.org/presentationml/2006/main">
   <p:cSld>
     <p:spTree>
@@ -4850,31 +4779,19 @@
           <a:p>
             <a:r>
               <a:rPr lang="en-US" dirty="0" smtClean="0"/>
-              <a:t>Know your </a:t>
-            </a:r>
+              <a:t>Know your team</a:t>
+            </a:r>
+          </a:p>
+          <a:p>
             <a:r>
               <a:rPr lang="en-US" dirty="0" smtClean="0"/>
-              <a:t>team</a:t>
+              <a:t>Know when to be a leader, when to be a follower</a:t>
             </a:r>
           </a:p>
           <a:p>
             <a:r>
               <a:rPr lang="en-US" dirty="0" smtClean="0"/>
-              <a:t>Know </a:t>
-            </a:r>
-            <a:r>
-              <a:rPr lang="en-US" dirty="0" smtClean="0"/>
-              <a:t>when to be a leader, when to be a follower</a:t>
-            </a:r>
-          </a:p>
-          <a:p>
-            <a:r>
-              <a:rPr lang="en-US" dirty="0" smtClean="0"/>
-              <a:t>Help one another </a:t>
-            </a:r>
-            <a:r>
-              <a:rPr lang="en-US" dirty="0" smtClean="0"/>
-              <a:t>out</a:t>
+              <a:t>Help one another out</a:t>
             </a:r>
           </a:p>
           <a:p>
@@ -4886,11 +4803,7 @@
           <a:p>
             <a:r>
               <a:rPr lang="en-US" dirty="0" smtClean="0"/>
-              <a:t>Be </a:t>
-            </a:r>
-            <a:r>
-              <a:rPr lang="en-US" dirty="0" smtClean="0"/>
-              <a:t>independent</a:t>
+              <a:t>Be independent</a:t>
             </a:r>
           </a:p>
           <a:p>
@@ -5784,7 +5697,7 @@
 </p:sld>
 </file>
 
-<file path=ppt/slides/slide5.xml><?xml version="1.0" encoding="utf-8"?>
+<file path=ppt/slides/slide13.xml><?xml version="1.0" encoding="utf-8"?>
 <p:sld xmlns:a="http://schemas.openxmlformats.org/drawingml/2006/main" xmlns:r="http://schemas.openxmlformats.org/officeDocument/2006/relationships" xmlns:p="http://schemas.openxmlformats.org/presentationml/2006/main">
   <p:cSld>
     <p:spTree>
@@ -6036,11 +5949,6 @@
               </a:rPr>
               <a:t>Any critical bugs not solved?</a:t>
             </a:r>
-            <a:endParaRPr lang="en-US" dirty="0" smtClean="0">
-              <a:solidFill>
-                <a:sysClr val="windowText" lastClr="000000"/>
-              </a:solidFill>
-            </a:endParaRPr>
           </a:p>
           <a:p>
             <a:r>
@@ -6076,6 +5984,1549 @@
       </p:par>
     </p:tnLst>
   </p:timing>
+</p:sld>
+</file>
+
+<file path=ppt/slides/slide2.xml><?xml version="1.0" encoding="utf-8"?>
+<p:sld xmlns:a="http://schemas.openxmlformats.org/drawingml/2006/main" xmlns:r="http://schemas.openxmlformats.org/officeDocument/2006/relationships" xmlns:p="http://schemas.openxmlformats.org/presentationml/2006/main">
+  <p:cSld>
+    <p:spTree>
+      <p:nvGrpSpPr>
+        <p:cNvPr id="1" name=""/>
+        <p:cNvGrpSpPr/>
+        <p:nvPr/>
+      </p:nvGrpSpPr>
+      <p:grpSpPr>
+        <a:xfrm>
+          <a:off x="0" y="0"/>
+          <a:ext cx="0" cy="0"/>
+          <a:chOff x="0" y="0"/>
+          <a:chExt cx="0" cy="0"/>
+        </a:xfrm>
+      </p:grpSpPr>
+      <p:sp>
+        <p:nvSpPr>
+          <p:cNvPr id="2" name="内容占位符 1"/>
+          <p:cNvSpPr>
+            <a:spLocks noGrp="1"/>
+          </p:cNvSpPr>
+          <p:nvPr>
+            <p:ph idx="1"/>
+          </p:nvPr>
+        </p:nvSpPr>
+        <p:spPr/>
+        <p:txBody>
+          <a:bodyPr/>
+          <a:lstStyle/>
+          <a:p>
+            <a:r>
+              <a:rPr lang="en-US" altLang="zh-CN" dirty="0" smtClean="0"/>
+              <a:t>Firstly, it will definitely not the last time you work as a team</a:t>
+            </a:r>
+          </a:p>
+          <a:p>
+            <a:endParaRPr lang="en-US" altLang="zh-CN" dirty="0" smtClean="0"/>
+          </a:p>
+          <a:p>
+            <a:r>
+              <a:rPr lang="en-US" altLang="zh-CN" dirty="0" smtClean="0"/>
+              <a:t>Secondly, our presentation is more like a revision of what we have step through, to see the lessons and fun part of it.</a:t>
+            </a:r>
+          </a:p>
+          <a:p>
+            <a:pPr>
+              <a:buNone/>
+            </a:pPr>
+            <a:endParaRPr lang="zh-CN" altLang="en-US" dirty="0"/>
+          </a:p>
+        </p:txBody>
+      </p:sp>
+      <p:sp>
+        <p:nvSpPr>
+          <p:cNvPr id="3" name="标题 2"/>
+          <p:cNvSpPr>
+            <a:spLocks noGrp="1"/>
+          </p:cNvSpPr>
+          <p:nvPr>
+            <p:ph type="title"/>
+          </p:nvPr>
+        </p:nvSpPr>
+        <p:spPr/>
+        <p:txBody>
+          <a:bodyPr/>
+          <a:lstStyle/>
+          <a:p>
+            <a:r>
+              <a:rPr lang="en-US" altLang="zh-CN" dirty="0" smtClean="0"/>
+              <a:t>Why talking about this</a:t>
+            </a:r>
+            <a:endParaRPr lang="zh-CN" altLang="en-US" dirty="0"/>
+          </a:p>
+        </p:txBody>
+      </p:sp>
+    </p:spTree>
+  </p:cSld>
+  <p:clrMapOvr>
+    <a:masterClrMapping/>
+  </p:clrMapOvr>
+  <p:timing>
+    <p:tnLst>
+      <p:par>
+        <p:cTn id="1" dur="indefinite" restart="never" nodeType="tmRoot"/>
+      </p:par>
+    </p:tnLst>
+  </p:timing>
+</p:sld>
+</file>
+
+<file path=ppt/slides/slide3.xml><?xml version="1.0" encoding="utf-8"?>
+<p:sld xmlns:a="http://schemas.openxmlformats.org/drawingml/2006/main" xmlns:r="http://schemas.openxmlformats.org/officeDocument/2006/relationships" xmlns:p="http://schemas.openxmlformats.org/presentationml/2006/main">
+  <p:cSld>
+    <p:spTree>
+      <p:nvGrpSpPr>
+        <p:cNvPr id="1" name=""/>
+        <p:cNvGrpSpPr/>
+        <p:nvPr/>
+      </p:nvGrpSpPr>
+      <p:grpSpPr>
+        <a:xfrm>
+          <a:off x="0" y="0"/>
+          <a:ext cx="0" cy="0"/>
+          <a:chOff x="0" y="0"/>
+          <a:chExt cx="0" cy="0"/>
+        </a:xfrm>
+      </p:grpSpPr>
+      <p:sp>
+        <p:nvSpPr>
+          <p:cNvPr id="2" name="内容占位符 1"/>
+          <p:cNvSpPr>
+            <a:spLocks noGrp="1"/>
+          </p:cNvSpPr>
+          <p:nvPr>
+            <p:ph idx="1"/>
+          </p:nvPr>
+        </p:nvSpPr>
+        <p:spPr/>
+        <p:txBody>
+          <a:bodyPr/>
+          <a:lstStyle/>
+          <a:p>
+            <a:r>
+              <a:rPr lang="en-US" altLang="zh-CN" dirty="0" smtClean="0"/>
+              <a:t>First speaker: </a:t>
+            </a:r>
+            <a:r>
+              <a:rPr lang="en-US" altLang="zh-CN" dirty="0" err="1" smtClean="0"/>
+              <a:t>Wenhao</a:t>
+            </a:r>
+            <a:endParaRPr lang="en-US" altLang="zh-CN" dirty="0" smtClean="0"/>
+          </a:p>
+          <a:p>
+            <a:r>
+              <a:rPr lang="en-US" altLang="zh-CN" dirty="0" smtClean="0"/>
+              <a:t> </a:t>
+            </a:r>
+            <a:r>
+              <a:rPr lang="en-US" altLang="zh-CN" dirty="0" smtClean="0"/>
+              <a:t> Talking about our team, team 9: 0110, about the entire program, how we work together and have fun together.</a:t>
+            </a:r>
+          </a:p>
+          <a:p>
+            <a:r>
+              <a:rPr lang="en-US" altLang="zh-CN" dirty="0" smtClean="0"/>
+              <a:t>Second speaker: </a:t>
+            </a:r>
+            <a:r>
+              <a:rPr lang="en-US" altLang="zh-CN" dirty="0" err="1" smtClean="0"/>
+              <a:t>Shukyi</a:t>
+            </a:r>
+            <a:endParaRPr lang="en-US" altLang="zh-CN" dirty="0" smtClean="0"/>
+          </a:p>
+          <a:p>
+            <a:r>
+              <a:rPr lang="en-US" altLang="zh-CN" dirty="0" smtClean="0"/>
+              <a:t>  </a:t>
+            </a:r>
+            <a:r>
+              <a:rPr lang="en-US" altLang="zh-CN" dirty="0" smtClean="0"/>
+              <a:t>Giving a summary of what we have learned about teamwork through this course.</a:t>
+            </a:r>
+            <a:endParaRPr lang="zh-CN" altLang="en-US" dirty="0"/>
+          </a:p>
+        </p:txBody>
+      </p:sp>
+      <p:sp>
+        <p:nvSpPr>
+          <p:cNvPr id="3" name="标题 2"/>
+          <p:cNvSpPr>
+            <a:spLocks noGrp="1"/>
+          </p:cNvSpPr>
+          <p:nvPr>
+            <p:ph type="title"/>
+          </p:nvPr>
+        </p:nvSpPr>
+        <p:spPr/>
+        <p:txBody>
+          <a:bodyPr/>
+          <a:lstStyle/>
+          <a:p>
+            <a:r>
+              <a:rPr lang="en-US" altLang="zh-CN" dirty="0" smtClean="0"/>
+              <a:t>Outline</a:t>
+            </a:r>
+            <a:endParaRPr lang="zh-CN" altLang="en-US" dirty="0"/>
+          </a:p>
+        </p:txBody>
+      </p:sp>
+    </p:spTree>
+  </p:cSld>
+  <p:clrMapOvr>
+    <a:masterClrMapping/>
+  </p:clrMapOvr>
+  <p:timing>
+    <p:tnLst>
+      <p:par>
+        <p:cTn id="1" dur="indefinite" restart="never" nodeType="tmRoot"/>
+      </p:par>
+    </p:tnLst>
+  </p:timing>
+</p:sld>
+</file>
+
+<file path=ppt/slides/slide4.xml><?xml version="1.0" encoding="utf-8"?>
+<p:sld xmlns:a="http://schemas.openxmlformats.org/drawingml/2006/main" xmlns:r="http://schemas.openxmlformats.org/officeDocument/2006/relationships" xmlns:p="http://schemas.openxmlformats.org/presentationml/2006/main">
+  <p:cSld>
+    <p:spTree>
+      <p:nvGrpSpPr>
+        <p:cNvPr id="1" name=""/>
+        <p:cNvGrpSpPr/>
+        <p:nvPr/>
+      </p:nvGrpSpPr>
+      <p:grpSpPr>
+        <a:xfrm>
+          <a:off x="0" y="0"/>
+          <a:ext cx="0" cy="0"/>
+          <a:chOff x="0" y="0"/>
+          <a:chExt cx="0" cy="0"/>
+        </a:xfrm>
+      </p:grpSpPr>
+      <p:sp>
+        <p:nvSpPr>
+          <p:cNvPr id="2" name="Content Placeholder 1"/>
+          <p:cNvSpPr>
+            <a:spLocks noGrp="1"/>
+          </p:cNvSpPr>
+          <p:nvPr>
+            <p:ph idx="1"/>
+          </p:nvPr>
+        </p:nvSpPr>
+        <p:spPr>
+          <a:xfrm>
+            <a:off x="457200" y="1600200"/>
+            <a:ext cx="8229600" cy="3581400"/>
+          </a:xfrm>
+        </p:spPr>
+        <p:txBody>
+          <a:bodyPr/>
+          <a:lstStyle/>
+          <a:p>
+            <a:r>
+              <a:rPr lang="en-US" dirty="0" smtClean="0"/>
+              <a:t>Our aim:</a:t>
+            </a:r>
+          </a:p>
+          <a:p>
+            <a:r>
+              <a:rPr lang="en-US" dirty="0" smtClean="0"/>
+              <a:t> I</a:t>
+            </a:r>
+            <a:r>
+              <a:rPr lang="en-US" altLang="zh-CN" dirty="0" smtClean="0"/>
+              <a:t>mplement </a:t>
+            </a:r>
+            <a:r>
+              <a:rPr lang="en-US" altLang="zh-CN" dirty="0" smtClean="0"/>
+              <a:t>a file synchronization tool to synchronize files between multiple computers. Minimally, it should be able to synchronize a folder in one computer with a folder in another computer using an intermediary storage device.</a:t>
+            </a:r>
+            <a:endParaRPr lang="en-US" dirty="0" smtClean="0"/>
+          </a:p>
+          <a:p>
+            <a:endParaRPr lang="en-US" dirty="0" smtClean="0"/>
+          </a:p>
+          <a:p>
+            <a:endParaRPr lang="en-US" dirty="0" smtClean="0"/>
+          </a:p>
+          <a:p>
+            <a:endParaRPr lang="en-US" dirty="0" smtClean="0"/>
+          </a:p>
+          <a:p>
+            <a:endParaRPr lang="en-US" dirty="0" smtClean="0"/>
+          </a:p>
+          <a:p>
+            <a:endParaRPr lang="en-US" dirty="0" smtClean="0"/>
+          </a:p>
+          <a:p>
+            <a:endParaRPr lang="en-US" dirty="0" smtClean="0"/>
+          </a:p>
+          <a:p>
+            <a:endParaRPr lang="en-US" dirty="0" smtClean="0"/>
+          </a:p>
+          <a:p>
+            <a:endParaRPr lang="en-US" dirty="0" smtClean="0"/>
+          </a:p>
+          <a:p>
+            <a:endParaRPr lang="en-US" dirty="0" smtClean="0"/>
+          </a:p>
+          <a:p>
+            <a:endParaRPr lang="en-US" dirty="0" smtClean="0"/>
+          </a:p>
+          <a:p>
+            <a:endParaRPr lang="en-US" dirty="0" smtClean="0"/>
+          </a:p>
+          <a:p>
+            <a:endParaRPr lang="en-US" dirty="0" smtClean="0"/>
+          </a:p>
+          <a:p>
+            <a:endParaRPr lang="en-US" dirty="0" smtClean="0"/>
+          </a:p>
+          <a:p>
+            <a:endParaRPr lang="en-US" dirty="0" smtClean="0"/>
+          </a:p>
+          <a:p>
+            <a:endParaRPr lang="en-US" dirty="0" smtClean="0"/>
+          </a:p>
+          <a:p>
+            <a:endParaRPr lang="en-US" dirty="0" smtClean="0"/>
+          </a:p>
+          <a:p>
+            <a:endParaRPr lang="en-US" dirty="0" smtClean="0"/>
+          </a:p>
+          <a:p>
+            <a:endParaRPr lang="en-US" dirty="0" smtClean="0"/>
+          </a:p>
+          <a:p>
+            <a:endParaRPr lang="en-US" dirty="0" smtClean="0"/>
+          </a:p>
+          <a:p>
+            <a:endParaRPr lang="en-US" dirty="0" smtClean="0"/>
+          </a:p>
+          <a:p>
+            <a:endParaRPr lang="en-US" dirty="0" smtClean="0"/>
+          </a:p>
+          <a:p>
+            <a:endParaRPr lang="en-US" dirty="0" smtClean="0"/>
+          </a:p>
+          <a:p>
+            <a:endParaRPr lang="en-US" dirty="0" smtClean="0"/>
+          </a:p>
+          <a:p>
+            <a:endParaRPr lang="en-US" dirty="0" smtClean="0"/>
+          </a:p>
+          <a:p>
+            <a:endParaRPr lang="en-US" dirty="0" smtClean="0"/>
+          </a:p>
+          <a:p>
+            <a:endParaRPr lang="en-US" dirty="0" smtClean="0"/>
+          </a:p>
+          <a:p>
+            <a:endParaRPr lang="en-US" dirty="0" smtClean="0"/>
+          </a:p>
+          <a:p>
+            <a:endParaRPr lang="en-US" dirty="0" smtClean="0"/>
+          </a:p>
+          <a:p>
+            <a:endParaRPr lang="en-US" dirty="0" smtClean="0"/>
+          </a:p>
+          <a:p>
+            <a:endParaRPr lang="en-US" dirty="0"/>
+          </a:p>
+        </p:txBody>
+      </p:sp>
+    </p:spTree>
+  </p:cSld>
+  <p:clrMapOvr>
+    <a:masterClrMapping/>
+  </p:clrMapOvr>
+  <p:timing>
+    <p:tnLst>
+      <p:par>
+        <p:cTn id="1" dur="indefinite" restart="never" nodeType="tmRoot"/>
+      </p:par>
+    </p:tnLst>
+  </p:timing>
+</p:sld>
+</file>
+
+<file path=ppt/slides/slide5.xml><?xml version="1.0" encoding="utf-8"?>
+<p:sld xmlns:a="http://schemas.openxmlformats.org/drawingml/2006/main" xmlns:r="http://schemas.openxmlformats.org/officeDocument/2006/relationships" xmlns:p="http://schemas.openxmlformats.org/presentationml/2006/main">
+  <p:cSld>
+    <p:spTree>
+      <p:nvGrpSpPr>
+        <p:cNvPr id="1" name=""/>
+        <p:cNvGrpSpPr/>
+        <p:nvPr/>
+      </p:nvGrpSpPr>
+      <p:grpSpPr>
+        <a:xfrm>
+          <a:off x="0" y="0"/>
+          <a:ext cx="0" cy="0"/>
+          <a:chOff x="0" y="0"/>
+          <a:chExt cx="0" cy="0"/>
+        </a:xfrm>
+      </p:grpSpPr>
+      <p:pic>
+        <p:nvPicPr>
+          <p:cNvPr id="4" name="内容占位符 3" descr="The Go! Team.jpg"/>
+          <p:cNvPicPr>
+            <a:picLocks noGrp="1" noChangeAspect="1"/>
+          </p:cNvPicPr>
+          <p:nvPr>
+            <p:ph idx="1"/>
+          </p:nvPr>
+        </p:nvPicPr>
+        <p:blipFill>
+          <a:blip r:embed="rId2" cstate="print"/>
+          <a:stretch>
+            <a:fillRect/>
+          </a:stretch>
+        </p:blipFill>
+        <p:spPr>
+          <a:xfrm>
+            <a:off x="609600" y="2133600"/>
+            <a:ext cx="4019550" cy="3771900"/>
+          </a:xfrm>
+        </p:spPr>
+      </p:pic>
+      <p:sp>
+        <p:nvSpPr>
+          <p:cNvPr id="3" name="标题 2"/>
+          <p:cNvSpPr>
+            <a:spLocks noGrp="1"/>
+          </p:cNvSpPr>
+          <p:nvPr>
+            <p:ph type="title"/>
+          </p:nvPr>
+        </p:nvSpPr>
+        <p:spPr/>
+        <p:txBody>
+          <a:bodyPr/>
+          <a:lstStyle/>
+          <a:p>
+            <a:r>
+              <a:rPr lang="en-US" altLang="zh-CN" dirty="0" smtClean="0"/>
+              <a:t>How we work together?</a:t>
+            </a:r>
+            <a:endParaRPr lang="zh-CN" altLang="en-US" dirty="0"/>
+          </a:p>
+        </p:txBody>
+      </p:sp>
+    </p:spTree>
+  </p:cSld>
+  <p:clrMapOvr>
+    <a:masterClrMapping/>
+  </p:clrMapOvr>
+  <p:timing>
+    <p:tnLst>
+      <p:par>
+        <p:cTn id="1" dur="indefinite" restart="never" nodeType="tmRoot"/>
+      </p:par>
+    </p:tnLst>
+  </p:timing>
+</p:sld>
+</file>
+
+<file path=ppt/slides/slide6.xml><?xml version="1.0" encoding="utf-8"?>
+<p:sld xmlns:a="http://schemas.openxmlformats.org/drawingml/2006/main" xmlns:r="http://schemas.openxmlformats.org/officeDocument/2006/relationships" xmlns:p="http://schemas.openxmlformats.org/presentationml/2006/main">
+  <p:cSld>
+    <p:spTree>
+      <p:nvGrpSpPr>
+        <p:cNvPr id="1" name=""/>
+        <p:cNvGrpSpPr/>
+        <p:nvPr/>
+      </p:nvGrpSpPr>
+      <p:grpSpPr>
+        <a:xfrm>
+          <a:off x="0" y="0"/>
+          <a:ext cx="0" cy="0"/>
+          <a:chOff x="0" y="0"/>
+          <a:chExt cx="0" cy="0"/>
+        </a:xfrm>
+      </p:grpSpPr>
+      <p:pic>
+        <p:nvPicPr>
+          <p:cNvPr id="1026" name="Picture 2"/>
+          <p:cNvPicPr>
+            <a:picLocks noChangeAspect="1" noChangeArrowheads="1"/>
+          </p:cNvPicPr>
+          <p:nvPr/>
+        </p:nvPicPr>
+        <p:blipFill>
+          <a:blip r:embed="rId2" cstate="print"/>
+          <a:srcRect/>
+          <a:stretch>
+            <a:fillRect/>
+          </a:stretch>
+        </p:blipFill>
+        <p:spPr bwMode="auto">
+          <a:xfrm>
+            <a:off x="0" y="228599"/>
+            <a:ext cx="9144000" cy="6340355"/>
+          </a:xfrm>
+          <a:prstGeom prst="rect">
+            <a:avLst/>
+          </a:prstGeom>
+          <a:noFill/>
+          <a:ln w="9525">
+            <a:noFill/>
+            <a:miter lim="800000"/>
+            <a:headEnd/>
+            <a:tailEnd/>
+          </a:ln>
+        </p:spPr>
+      </p:pic>
+      <p:pic>
+        <p:nvPicPr>
+          <p:cNvPr id="4" name="Picture 3" descr="liyi.png"/>
+          <p:cNvPicPr>
+            <a:picLocks noChangeAspect="1"/>
+          </p:cNvPicPr>
+          <p:nvPr/>
+        </p:nvPicPr>
+        <p:blipFill>
+          <a:blip r:embed="rId3" cstate="print"/>
+          <a:stretch>
+            <a:fillRect/>
+          </a:stretch>
+        </p:blipFill>
+        <p:spPr>
+          <a:xfrm>
+            <a:off x="2895600" y="3505200"/>
+            <a:ext cx="381000" cy="626644"/>
+          </a:xfrm>
+          <a:prstGeom prst="rect">
+            <a:avLst/>
+          </a:prstGeom>
+        </p:spPr>
+      </p:pic>
+      <p:pic>
+        <p:nvPicPr>
+          <p:cNvPr id="5" name="Picture 4" descr="guyang.png"/>
+          <p:cNvPicPr>
+            <a:picLocks noChangeAspect="1"/>
+          </p:cNvPicPr>
+          <p:nvPr/>
+        </p:nvPicPr>
+        <p:blipFill>
+          <a:blip r:embed="rId4" cstate="print"/>
+          <a:stretch>
+            <a:fillRect/>
+          </a:stretch>
+        </p:blipFill>
+        <p:spPr>
+          <a:xfrm>
+            <a:off x="2438400" y="4038600"/>
+            <a:ext cx="537384" cy="551811"/>
+          </a:xfrm>
+          <a:prstGeom prst="rect">
+            <a:avLst/>
+          </a:prstGeom>
+        </p:spPr>
+      </p:pic>
+      <p:pic>
+        <p:nvPicPr>
+          <p:cNvPr id="6" name="Picture 5" descr="zichen.png"/>
+          <p:cNvPicPr>
+            <a:picLocks noChangeAspect="1"/>
+          </p:cNvPicPr>
+          <p:nvPr/>
+        </p:nvPicPr>
+        <p:blipFill>
+          <a:blip r:embed="rId5" cstate="print"/>
+          <a:stretch>
+            <a:fillRect/>
+          </a:stretch>
+        </p:blipFill>
+        <p:spPr>
+          <a:xfrm>
+            <a:off x="3886200" y="3505200"/>
+            <a:ext cx="1141544" cy="1134319"/>
+          </a:xfrm>
+          <a:prstGeom prst="rect">
+            <a:avLst/>
+          </a:prstGeom>
+        </p:spPr>
+      </p:pic>
+      <p:pic>
+        <p:nvPicPr>
+          <p:cNvPr id="7" name="Picture 6" descr="wenhao copy.png"/>
+          <p:cNvPicPr>
+            <a:picLocks noChangeAspect="1"/>
+          </p:cNvPicPr>
+          <p:nvPr/>
+        </p:nvPicPr>
+        <p:blipFill>
+          <a:blip r:embed="rId6" cstate="print"/>
+          <a:stretch>
+            <a:fillRect/>
+          </a:stretch>
+        </p:blipFill>
+        <p:spPr>
+          <a:xfrm>
+            <a:off x="4114800" y="4495800"/>
+            <a:ext cx="616043" cy="528037"/>
+          </a:xfrm>
+          <a:prstGeom prst="rect">
+            <a:avLst/>
+          </a:prstGeom>
+        </p:spPr>
+      </p:pic>
+      <p:pic>
+        <p:nvPicPr>
+          <p:cNvPr id="8" name="Picture 7" descr="qiqi.png"/>
+          <p:cNvPicPr>
+            <a:picLocks noChangeAspect="1"/>
+          </p:cNvPicPr>
+          <p:nvPr/>
+        </p:nvPicPr>
+        <p:blipFill>
+          <a:blip r:embed="rId7" cstate="print"/>
+          <a:stretch>
+            <a:fillRect/>
+          </a:stretch>
+        </p:blipFill>
+        <p:spPr>
+          <a:xfrm>
+            <a:off x="3657600" y="5029200"/>
+            <a:ext cx="531944" cy="690669"/>
+          </a:xfrm>
+          <a:prstGeom prst="rect">
+            <a:avLst/>
+          </a:prstGeom>
+        </p:spPr>
+      </p:pic>
+      <p:pic>
+        <p:nvPicPr>
+          <p:cNvPr id="9" name="Picture 8" descr="bil.png"/>
+          <p:cNvPicPr>
+            <a:picLocks noChangeAspect="1"/>
+          </p:cNvPicPr>
+          <p:nvPr/>
+        </p:nvPicPr>
+        <p:blipFill>
+          <a:blip r:embed="rId8" cstate="print"/>
+          <a:stretch>
+            <a:fillRect/>
+          </a:stretch>
+        </p:blipFill>
+        <p:spPr>
+          <a:xfrm>
+            <a:off x="7848600" y="2438400"/>
+            <a:ext cx="685800" cy="632178"/>
+          </a:xfrm>
+          <a:prstGeom prst="rect">
+            <a:avLst/>
+          </a:prstGeom>
+        </p:spPr>
+      </p:pic>
+      <p:cxnSp>
+        <p:nvCxnSpPr>
+          <p:cNvPr id="13" name="Straight Arrow Connector 12"/>
+          <p:cNvCxnSpPr/>
+          <p:nvPr/>
+        </p:nvCxnSpPr>
+        <p:spPr>
+          <a:xfrm rot="16200000" flipV="1">
+            <a:off x="3638186" y="4743813"/>
+            <a:ext cx="457199" cy="113572"/>
+          </a:xfrm>
+          <a:prstGeom prst="straightConnector1">
+            <a:avLst/>
+          </a:prstGeom>
+          <a:ln>
+            <a:tailEnd type="arrow"/>
+          </a:ln>
+        </p:spPr>
+        <p:style>
+          <a:lnRef idx="2">
+            <a:schemeClr val="dk1"/>
+          </a:lnRef>
+          <a:fillRef idx="0">
+            <a:schemeClr val="dk1"/>
+          </a:fillRef>
+          <a:effectRef idx="1">
+            <a:schemeClr val="dk1"/>
+          </a:effectRef>
+          <a:fontRef idx="minor">
+            <a:schemeClr val="tx1"/>
+          </a:fontRef>
+        </p:style>
+      </p:cxnSp>
+      <p:cxnSp>
+        <p:nvCxnSpPr>
+          <p:cNvPr id="20" name="Straight Arrow Connector 19"/>
+          <p:cNvCxnSpPr/>
+          <p:nvPr/>
+        </p:nvCxnSpPr>
+        <p:spPr>
+          <a:xfrm rot="10800000" flipV="1">
+            <a:off x="3810000" y="4114800"/>
+            <a:ext cx="457200" cy="381000"/>
+          </a:xfrm>
+          <a:prstGeom prst="straightConnector1">
+            <a:avLst/>
+          </a:prstGeom>
+          <a:ln>
+            <a:tailEnd type="arrow"/>
+          </a:ln>
+        </p:spPr>
+        <p:style>
+          <a:lnRef idx="2">
+            <a:schemeClr val="dk1"/>
+          </a:lnRef>
+          <a:fillRef idx="0">
+            <a:schemeClr val="dk1"/>
+          </a:fillRef>
+          <a:effectRef idx="1">
+            <a:schemeClr val="dk1"/>
+          </a:effectRef>
+          <a:fontRef idx="minor">
+            <a:schemeClr val="tx1"/>
+          </a:fontRef>
+        </p:style>
+      </p:cxnSp>
+      <p:cxnSp>
+        <p:nvCxnSpPr>
+          <p:cNvPr id="23" name="Straight Arrow Connector 22"/>
+          <p:cNvCxnSpPr/>
+          <p:nvPr/>
+        </p:nvCxnSpPr>
+        <p:spPr>
+          <a:xfrm rot="10800000">
+            <a:off x="3810000" y="4495800"/>
+            <a:ext cx="304804" cy="152404"/>
+          </a:xfrm>
+          <a:prstGeom prst="straightConnector1">
+            <a:avLst/>
+          </a:prstGeom>
+          <a:ln>
+            <a:tailEnd type="arrow"/>
+          </a:ln>
+        </p:spPr>
+        <p:style>
+          <a:lnRef idx="2">
+            <a:schemeClr val="dk1"/>
+          </a:lnRef>
+          <a:fillRef idx="0">
+            <a:schemeClr val="dk1"/>
+          </a:fillRef>
+          <a:effectRef idx="1">
+            <a:schemeClr val="dk1"/>
+          </a:effectRef>
+          <a:fontRef idx="minor">
+            <a:schemeClr val="tx1"/>
+          </a:fontRef>
+        </p:style>
+      </p:cxnSp>
+      <p:cxnSp>
+        <p:nvCxnSpPr>
+          <p:cNvPr id="33" name="Straight Arrow Connector 32"/>
+          <p:cNvCxnSpPr/>
+          <p:nvPr/>
+        </p:nvCxnSpPr>
+        <p:spPr>
+          <a:xfrm rot="16200000" flipH="1">
+            <a:off x="3266073" y="4049127"/>
+            <a:ext cx="440154" cy="571500"/>
+          </a:xfrm>
+          <a:prstGeom prst="straightConnector1">
+            <a:avLst/>
+          </a:prstGeom>
+          <a:ln>
+            <a:tailEnd type="arrow"/>
+          </a:ln>
+        </p:spPr>
+        <p:style>
+          <a:lnRef idx="2">
+            <a:schemeClr val="dk1"/>
+          </a:lnRef>
+          <a:fillRef idx="0">
+            <a:schemeClr val="dk1"/>
+          </a:fillRef>
+          <a:effectRef idx="1">
+            <a:schemeClr val="dk1"/>
+          </a:effectRef>
+          <a:fontRef idx="minor">
+            <a:schemeClr val="tx1"/>
+          </a:fontRef>
+        </p:style>
+      </p:cxnSp>
+      <p:cxnSp>
+        <p:nvCxnSpPr>
+          <p:cNvPr id="36" name="Straight Arrow Connector 35"/>
+          <p:cNvCxnSpPr/>
+          <p:nvPr/>
+        </p:nvCxnSpPr>
+        <p:spPr>
+          <a:xfrm>
+            <a:off x="2971800" y="4343400"/>
+            <a:ext cx="605616" cy="181294"/>
+          </a:xfrm>
+          <a:prstGeom prst="straightConnector1">
+            <a:avLst/>
+          </a:prstGeom>
+          <a:ln>
+            <a:tailEnd type="arrow"/>
+          </a:ln>
+        </p:spPr>
+        <p:style>
+          <a:lnRef idx="2">
+            <a:schemeClr val="dk1"/>
+          </a:lnRef>
+          <a:fillRef idx="0">
+            <a:schemeClr val="dk1"/>
+          </a:fillRef>
+          <a:effectRef idx="1">
+            <a:schemeClr val="dk1"/>
+          </a:effectRef>
+          <a:fontRef idx="minor">
+            <a:schemeClr val="tx1"/>
+          </a:fontRef>
+        </p:style>
+      </p:cxnSp>
+      <p:cxnSp>
+        <p:nvCxnSpPr>
+          <p:cNvPr id="44" name="Straight Arrow Connector 43"/>
+          <p:cNvCxnSpPr>
+            <a:stCxn id="9" idx="2"/>
+          </p:cNvCxnSpPr>
+          <p:nvPr/>
+        </p:nvCxnSpPr>
+        <p:spPr>
+          <a:xfrm rot="5400000">
+            <a:off x="7840839" y="3154539"/>
+            <a:ext cx="434622" cy="266700"/>
+          </a:xfrm>
+          <a:prstGeom prst="straightConnector1">
+            <a:avLst/>
+          </a:prstGeom>
+          <a:ln>
+            <a:tailEnd type="arrow"/>
+          </a:ln>
+        </p:spPr>
+        <p:style>
+          <a:lnRef idx="2">
+            <a:schemeClr val="dk1"/>
+          </a:lnRef>
+          <a:fillRef idx="0">
+            <a:schemeClr val="dk1"/>
+          </a:fillRef>
+          <a:effectRef idx="1">
+            <a:schemeClr val="dk1"/>
+          </a:effectRef>
+          <a:fontRef idx="minor">
+            <a:schemeClr val="tx1"/>
+          </a:fontRef>
+        </p:style>
+      </p:cxnSp>
+    </p:spTree>
+  </p:cSld>
+  <p:clrMapOvr>
+    <a:masterClrMapping/>
+  </p:clrMapOvr>
+  <p:timing>
+    <p:tnLst>
+      <p:par>
+        <p:cTn id="1" dur="indefinite" restart="never" nodeType="tmRoot">
+          <p:childTnLst>
+            <p:seq concurrent="1" nextAc="seek">
+              <p:cTn id="2" dur="indefinite" nodeType="mainSeq">
+                <p:childTnLst>
+                  <p:par>
+                    <p:cTn id="3" fill="hold">
+                      <p:stCondLst>
+                        <p:cond delay="indefinite"/>
+                      </p:stCondLst>
+                      <p:childTnLst>
+                        <p:par>
+                          <p:cTn id="4" fill="hold">
+                            <p:stCondLst>
+                              <p:cond delay="0"/>
+                            </p:stCondLst>
+                            <p:childTnLst>
+                              <p:par>
+                                <p:cTn id="5" presetID="1" presetClass="entr" presetSubtype="0" fill="hold" nodeType="clickEffect">
+                                  <p:stCondLst>
+                                    <p:cond delay="0"/>
+                                  </p:stCondLst>
+                                  <p:childTnLst>
+                                    <p:set>
+                                      <p:cBhvr>
+                                        <p:cTn id="6" dur="1" fill="hold">
+                                          <p:stCondLst>
+                                            <p:cond delay="0"/>
+                                          </p:stCondLst>
+                                        </p:cTn>
+                                        <p:tgtEl>
+                                          <p:spTgt spid="6"/>
+                                        </p:tgtEl>
+                                        <p:attrNameLst>
+                                          <p:attrName>style.visibility</p:attrName>
+                                        </p:attrNameLst>
+                                      </p:cBhvr>
+                                      <p:to>
+                                        <p:strVal val="visible"/>
+                                      </p:to>
+                                    </p:set>
+                                  </p:childTnLst>
+                                </p:cTn>
+                              </p:par>
+                              <p:par>
+                                <p:cTn id="7" presetID="1" presetClass="entr" presetSubtype="0" fill="hold" nodeType="withEffect">
+                                  <p:stCondLst>
+                                    <p:cond delay="0"/>
+                                  </p:stCondLst>
+                                  <p:childTnLst>
+                                    <p:set>
+                                      <p:cBhvr>
+                                        <p:cTn id="8" dur="1" fill="hold">
+                                          <p:stCondLst>
+                                            <p:cond delay="0"/>
+                                          </p:stCondLst>
+                                        </p:cTn>
+                                        <p:tgtEl>
+                                          <p:spTgt spid="20"/>
+                                        </p:tgtEl>
+                                        <p:attrNameLst>
+                                          <p:attrName>style.visibility</p:attrName>
+                                        </p:attrNameLst>
+                                      </p:cBhvr>
+                                      <p:to>
+                                        <p:strVal val="visible"/>
+                                      </p:to>
+                                    </p:set>
+                                  </p:childTnLst>
+                                </p:cTn>
+                              </p:par>
+                            </p:childTnLst>
+                          </p:cTn>
+                        </p:par>
+                      </p:childTnLst>
+                    </p:cTn>
+                  </p:par>
+                  <p:par>
+                    <p:cTn id="9" fill="hold">
+                      <p:stCondLst>
+                        <p:cond delay="indefinite"/>
+                      </p:stCondLst>
+                      <p:childTnLst>
+                        <p:par>
+                          <p:cTn id="10" fill="hold">
+                            <p:stCondLst>
+                              <p:cond delay="0"/>
+                            </p:stCondLst>
+                            <p:childTnLst>
+                              <p:par>
+                                <p:cTn id="11" presetID="1" presetClass="entr" presetSubtype="0" fill="hold" nodeType="clickEffect">
+                                  <p:stCondLst>
+                                    <p:cond delay="0"/>
+                                  </p:stCondLst>
+                                  <p:childTnLst>
+                                    <p:set>
+                                      <p:cBhvr>
+                                        <p:cTn id="12" dur="1" fill="hold">
+                                          <p:stCondLst>
+                                            <p:cond delay="0"/>
+                                          </p:stCondLst>
+                                        </p:cTn>
+                                        <p:tgtEl>
+                                          <p:spTgt spid="4"/>
+                                        </p:tgtEl>
+                                        <p:attrNameLst>
+                                          <p:attrName>style.visibility</p:attrName>
+                                        </p:attrNameLst>
+                                      </p:cBhvr>
+                                      <p:to>
+                                        <p:strVal val="visible"/>
+                                      </p:to>
+                                    </p:set>
+                                  </p:childTnLst>
+                                </p:cTn>
+                              </p:par>
+                              <p:par>
+                                <p:cTn id="13" presetID="1" presetClass="entr" presetSubtype="0" fill="hold" nodeType="withEffect">
+                                  <p:stCondLst>
+                                    <p:cond delay="0"/>
+                                  </p:stCondLst>
+                                  <p:childTnLst>
+                                    <p:set>
+                                      <p:cBhvr>
+                                        <p:cTn id="14" dur="1" fill="hold">
+                                          <p:stCondLst>
+                                            <p:cond delay="0"/>
+                                          </p:stCondLst>
+                                        </p:cTn>
+                                        <p:tgtEl>
+                                          <p:spTgt spid="33"/>
+                                        </p:tgtEl>
+                                        <p:attrNameLst>
+                                          <p:attrName>style.visibility</p:attrName>
+                                        </p:attrNameLst>
+                                      </p:cBhvr>
+                                      <p:to>
+                                        <p:strVal val="visible"/>
+                                      </p:to>
+                                    </p:set>
+                                  </p:childTnLst>
+                                </p:cTn>
+                              </p:par>
+                            </p:childTnLst>
+                          </p:cTn>
+                        </p:par>
+                      </p:childTnLst>
+                    </p:cTn>
+                  </p:par>
+                  <p:par>
+                    <p:cTn id="15" fill="hold">
+                      <p:stCondLst>
+                        <p:cond delay="indefinite"/>
+                      </p:stCondLst>
+                      <p:childTnLst>
+                        <p:par>
+                          <p:cTn id="16" fill="hold">
+                            <p:stCondLst>
+                              <p:cond delay="0"/>
+                            </p:stCondLst>
+                            <p:childTnLst>
+                              <p:par>
+                                <p:cTn id="17" presetID="1" presetClass="entr" presetSubtype="0" fill="hold" nodeType="clickEffect">
+                                  <p:stCondLst>
+                                    <p:cond delay="0"/>
+                                  </p:stCondLst>
+                                  <p:childTnLst>
+                                    <p:set>
+                                      <p:cBhvr>
+                                        <p:cTn id="18" dur="1" fill="hold">
+                                          <p:stCondLst>
+                                            <p:cond delay="0"/>
+                                          </p:stCondLst>
+                                        </p:cTn>
+                                        <p:tgtEl>
+                                          <p:spTgt spid="5"/>
+                                        </p:tgtEl>
+                                        <p:attrNameLst>
+                                          <p:attrName>style.visibility</p:attrName>
+                                        </p:attrNameLst>
+                                      </p:cBhvr>
+                                      <p:to>
+                                        <p:strVal val="visible"/>
+                                      </p:to>
+                                    </p:set>
+                                  </p:childTnLst>
+                                </p:cTn>
+                              </p:par>
+                              <p:par>
+                                <p:cTn id="19" presetID="1" presetClass="entr" presetSubtype="0" fill="hold" nodeType="withEffect">
+                                  <p:stCondLst>
+                                    <p:cond delay="0"/>
+                                  </p:stCondLst>
+                                  <p:childTnLst>
+                                    <p:set>
+                                      <p:cBhvr>
+                                        <p:cTn id="20" dur="1" fill="hold">
+                                          <p:stCondLst>
+                                            <p:cond delay="0"/>
+                                          </p:stCondLst>
+                                        </p:cTn>
+                                        <p:tgtEl>
+                                          <p:spTgt spid="36"/>
+                                        </p:tgtEl>
+                                        <p:attrNameLst>
+                                          <p:attrName>style.visibility</p:attrName>
+                                        </p:attrNameLst>
+                                      </p:cBhvr>
+                                      <p:to>
+                                        <p:strVal val="visible"/>
+                                      </p:to>
+                                    </p:set>
+                                  </p:childTnLst>
+                                </p:cTn>
+                              </p:par>
+                            </p:childTnLst>
+                          </p:cTn>
+                        </p:par>
+                      </p:childTnLst>
+                    </p:cTn>
+                  </p:par>
+                  <p:par>
+                    <p:cTn id="21" fill="hold">
+                      <p:stCondLst>
+                        <p:cond delay="indefinite"/>
+                      </p:stCondLst>
+                      <p:childTnLst>
+                        <p:par>
+                          <p:cTn id="22" fill="hold">
+                            <p:stCondLst>
+                              <p:cond delay="0"/>
+                            </p:stCondLst>
+                            <p:childTnLst>
+                              <p:par>
+                                <p:cTn id="23" presetID="1" presetClass="entr" presetSubtype="0" fill="hold" nodeType="clickEffect">
+                                  <p:stCondLst>
+                                    <p:cond delay="0"/>
+                                  </p:stCondLst>
+                                  <p:childTnLst>
+                                    <p:set>
+                                      <p:cBhvr>
+                                        <p:cTn id="24" dur="1" fill="hold">
+                                          <p:stCondLst>
+                                            <p:cond delay="0"/>
+                                          </p:stCondLst>
+                                        </p:cTn>
+                                        <p:tgtEl>
+                                          <p:spTgt spid="8"/>
+                                        </p:tgtEl>
+                                        <p:attrNameLst>
+                                          <p:attrName>style.visibility</p:attrName>
+                                        </p:attrNameLst>
+                                      </p:cBhvr>
+                                      <p:to>
+                                        <p:strVal val="visible"/>
+                                      </p:to>
+                                    </p:set>
+                                  </p:childTnLst>
+                                </p:cTn>
+                              </p:par>
+                              <p:par>
+                                <p:cTn id="25" presetID="1" presetClass="entr" presetSubtype="0" fill="hold" nodeType="withEffect">
+                                  <p:stCondLst>
+                                    <p:cond delay="0"/>
+                                  </p:stCondLst>
+                                  <p:childTnLst>
+                                    <p:set>
+                                      <p:cBhvr>
+                                        <p:cTn id="26" dur="1" fill="hold">
+                                          <p:stCondLst>
+                                            <p:cond delay="0"/>
+                                          </p:stCondLst>
+                                        </p:cTn>
+                                        <p:tgtEl>
+                                          <p:spTgt spid="13"/>
+                                        </p:tgtEl>
+                                        <p:attrNameLst>
+                                          <p:attrName>style.visibility</p:attrName>
+                                        </p:attrNameLst>
+                                      </p:cBhvr>
+                                      <p:to>
+                                        <p:strVal val="visible"/>
+                                      </p:to>
+                                    </p:set>
+                                  </p:childTnLst>
+                                </p:cTn>
+                              </p:par>
+                            </p:childTnLst>
+                          </p:cTn>
+                        </p:par>
+                      </p:childTnLst>
+                    </p:cTn>
+                  </p:par>
+                  <p:par>
+                    <p:cTn id="27" fill="hold">
+                      <p:stCondLst>
+                        <p:cond delay="indefinite"/>
+                      </p:stCondLst>
+                      <p:childTnLst>
+                        <p:par>
+                          <p:cTn id="28" fill="hold">
+                            <p:stCondLst>
+                              <p:cond delay="0"/>
+                            </p:stCondLst>
+                            <p:childTnLst>
+                              <p:par>
+                                <p:cTn id="29" presetID="1" presetClass="entr" presetSubtype="0" fill="hold" nodeType="clickEffect">
+                                  <p:stCondLst>
+                                    <p:cond delay="0"/>
+                                  </p:stCondLst>
+                                  <p:childTnLst>
+                                    <p:set>
+                                      <p:cBhvr>
+                                        <p:cTn id="30" dur="1" fill="hold">
+                                          <p:stCondLst>
+                                            <p:cond delay="0"/>
+                                          </p:stCondLst>
+                                        </p:cTn>
+                                        <p:tgtEl>
+                                          <p:spTgt spid="7"/>
+                                        </p:tgtEl>
+                                        <p:attrNameLst>
+                                          <p:attrName>style.visibility</p:attrName>
+                                        </p:attrNameLst>
+                                      </p:cBhvr>
+                                      <p:to>
+                                        <p:strVal val="visible"/>
+                                      </p:to>
+                                    </p:set>
+                                  </p:childTnLst>
+                                </p:cTn>
+                              </p:par>
+                              <p:par>
+                                <p:cTn id="31" presetID="1" presetClass="entr" presetSubtype="0" fill="hold" nodeType="withEffect">
+                                  <p:stCondLst>
+                                    <p:cond delay="0"/>
+                                  </p:stCondLst>
+                                  <p:childTnLst>
+                                    <p:set>
+                                      <p:cBhvr>
+                                        <p:cTn id="32" dur="1" fill="hold">
+                                          <p:stCondLst>
+                                            <p:cond delay="0"/>
+                                          </p:stCondLst>
+                                        </p:cTn>
+                                        <p:tgtEl>
+                                          <p:spTgt spid="23"/>
+                                        </p:tgtEl>
+                                        <p:attrNameLst>
+                                          <p:attrName>style.visibility</p:attrName>
+                                        </p:attrNameLst>
+                                      </p:cBhvr>
+                                      <p:to>
+                                        <p:strVal val="visible"/>
+                                      </p:to>
+                                    </p:set>
+                                  </p:childTnLst>
+                                </p:cTn>
+                              </p:par>
+                            </p:childTnLst>
+                          </p:cTn>
+                        </p:par>
+                      </p:childTnLst>
+                    </p:cTn>
+                  </p:par>
+                  <p:par>
+                    <p:cTn id="33" fill="hold">
+                      <p:stCondLst>
+                        <p:cond delay="indefinite"/>
+                      </p:stCondLst>
+                      <p:childTnLst>
+                        <p:par>
+                          <p:cTn id="34" fill="hold">
+                            <p:stCondLst>
+                              <p:cond delay="0"/>
+                            </p:stCondLst>
+                            <p:childTnLst>
+                              <p:par>
+                                <p:cTn id="35" presetID="1" presetClass="entr" presetSubtype="0" fill="hold" nodeType="clickEffect">
+                                  <p:stCondLst>
+                                    <p:cond delay="0"/>
+                                  </p:stCondLst>
+                                  <p:childTnLst>
+                                    <p:set>
+                                      <p:cBhvr>
+                                        <p:cTn id="36" dur="1" fill="hold">
+                                          <p:stCondLst>
+                                            <p:cond delay="0"/>
+                                          </p:stCondLst>
+                                        </p:cTn>
+                                        <p:tgtEl>
+                                          <p:spTgt spid="9"/>
+                                        </p:tgtEl>
+                                        <p:attrNameLst>
+                                          <p:attrName>style.visibility</p:attrName>
+                                        </p:attrNameLst>
+                                      </p:cBhvr>
+                                      <p:to>
+                                        <p:strVal val="visible"/>
+                                      </p:to>
+                                    </p:set>
+                                  </p:childTnLst>
+                                </p:cTn>
+                              </p:par>
+                              <p:par>
+                                <p:cTn id="37" presetID="1" presetClass="entr" presetSubtype="0" fill="hold" nodeType="withEffect">
+                                  <p:stCondLst>
+                                    <p:cond delay="0"/>
+                                  </p:stCondLst>
+                                  <p:childTnLst>
+                                    <p:set>
+                                      <p:cBhvr>
+                                        <p:cTn id="38" dur="1" fill="hold">
+                                          <p:stCondLst>
+                                            <p:cond delay="0"/>
+                                          </p:stCondLst>
+                                        </p:cTn>
+                                        <p:tgtEl>
+                                          <p:spTgt spid="44"/>
+                                        </p:tgtEl>
+                                        <p:attrNameLst>
+                                          <p:attrName>style.visibility</p:attrName>
+                                        </p:attrNameLst>
+                                      </p:cBhvr>
+                                      <p:to>
+                                        <p:strVal val="visible"/>
+                                      </p:to>
+                                    </p:set>
+                                  </p:childTnLst>
+                                </p:cTn>
+                              </p:par>
+                            </p:childTnLst>
+                          </p:cTn>
+                        </p:par>
+                      </p:childTnLst>
+                    </p:cTn>
+                  </p:par>
+                </p:childTnLst>
+              </p:cTn>
+              <p:prevCondLst>
+                <p:cond evt="onPrev" delay="0">
+                  <p:tgtEl>
+                    <p:sldTgt/>
+                  </p:tgtEl>
+                </p:cond>
+              </p:prevCondLst>
+              <p:nextCondLst>
+                <p:cond evt="onNext" delay="0">
+                  <p:tgtEl>
+                    <p:sldTgt/>
+                  </p:tgtEl>
+                </p:cond>
+              </p:nextCondLst>
+            </p:seq>
+          </p:childTnLst>
+        </p:cTn>
+      </p:par>
+    </p:tnLst>
+  </p:timing>
+</p:sld>
+</file>
+
+<file path=ppt/slides/slide7.xml><?xml version="1.0" encoding="utf-8"?>
+<p:sld xmlns:a="http://schemas.openxmlformats.org/drawingml/2006/main" xmlns:r="http://schemas.openxmlformats.org/officeDocument/2006/relationships" xmlns:p="http://schemas.openxmlformats.org/presentationml/2006/main">
+  <p:cSld>
+    <p:spTree>
+      <p:nvGrpSpPr>
+        <p:cNvPr id="1" name=""/>
+        <p:cNvGrpSpPr/>
+        <p:nvPr/>
+      </p:nvGrpSpPr>
+      <p:grpSpPr>
+        <a:xfrm>
+          <a:off x="0" y="0"/>
+          <a:ext cx="0" cy="0"/>
+          <a:chOff x="0" y="0"/>
+          <a:chExt cx="0" cy="0"/>
+        </a:xfrm>
+      </p:grpSpPr>
+      <p:sp>
+        <p:nvSpPr>
+          <p:cNvPr id="2" name="内容占位符 1"/>
+          <p:cNvSpPr>
+            <a:spLocks noGrp="1"/>
+          </p:cNvSpPr>
+          <p:nvPr>
+            <p:ph idx="1"/>
+          </p:nvPr>
+        </p:nvSpPr>
+        <p:spPr/>
+        <p:txBody>
+          <a:bodyPr/>
+          <a:lstStyle/>
+          <a:p>
+            <a:r>
+              <a:rPr lang="en-US" altLang="zh-CN" dirty="0" smtClean="0"/>
+              <a:t>Get to know all team members, see their strength and weakness.</a:t>
+            </a:r>
+          </a:p>
+          <a:p>
+            <a:endParaRPr lang="zh-CN" altLang="en-US" dirty="0"/>
+          </a:p>
+        </p:txBody>
+      </p:sp>
+      <p:sp>
+        <p:nvSpPr>
+          <p:cNvPr id="3" name="标题 2"/>
+          <p:cNvSpPr>
+            <a:spLocks noGrp="1"/>
+          </p:cNvSpPr>
+          <p:nvPr>
+            <p:ph type="title"/>
+          </p:nvPr>
+        </p:nvSpPr>
+        <p:spPr/>
+        <p:txBody>
+          <a:bodyPr>
+            <a:normAutofit fontScale="90000"/>
+          </a:bodyPr>
+          <a:lstStyle/>
+          <a:p>
+            <a:r>
+              <a:rPr lang="en-US" altLang="zh-CN" dirty="0" smtClean="0"/>
+              <a:t>Knowing each other is very important</a:t>
+            </a:r>
+            <a:endParaRPr lang="zh-CN" altLang="en-US" dirty="0"/>
+          </a:p>
+        </p:txBody>
+      </p:sp>
+    </p:spTree>
+  </p:cSld>
+  <p:clrMapOvr>
+    <a:masterClrMapping/>
+  </p:clrMapOvr>
+  <p:timing>
+    <p:tnLst>
+      <p:par>
+        <p:cTn id="1" dur="indefinite" restart="never" nodeType="tmRoot"/>
+      </p:par>
+    </p:tnLst>
+  </p:timing>
+</p:sld>
+</file>
+
+<file path=ppt/slides/slide8.xml><?xml version="1.0" encoding="utf-8"?>
+<p:sld xmlns:a="http://schemas.openxmlformats.org/drawingml/2006/main" xmlns:r="http://schemas.openxmlformats.org/officeDocument/2006/relationships" xmlns:p="http://schemas.openxmlformats.org/presentationml/2006/main">
+  <p:cSld>
+    <p:spTree>
+      <p:nvGrpSpPr>
+        <p:cNvPr id="1" name=""/>
+        <p:cNvGrpSpPr/>
+        <p:nvPr/>
+      </p:nvGrpSpPr>
+      <p:grpSpPr>
+        <a:xfrm>
+          <a:off x="0" y="0"/>
+          <a:ext cx="0" cy="0"/>
+          <a:chOff x="0" y="0"/>
+          <a:chExt cx="0" cy="0"/>
+        </a:xfrm>
+      </p:grpSpPr>
+      <p:sp>
+        <p:nvSpPr>
+          <p:cNvPr id="2" name="内容占位符 1"/>
+          <p:cNvSpPr>
+            <a:spLocks noGrp="1"/>
+          </p:cNvSpPr>
+          <p:nvPr>
+            <p:ph idx="1"/>
+          </p:nvPr>
+        </p:nvSpPr>
+        <p:spPr/>
+        <p:txBody>
+          <a:bodyPr/>
+          <a:lstStyle/>
+          <a:p>
+            <a:r>
+              <a:rPr lang="en-US" altLang="zh-CN" dirty="0" smtClean="0"/>
+              <a:t>This means the way we work together. </a:t>
+            </a:r>
+            <a:r>
+              <a:rPr lang="en-US" altLang="zh-CN" dirty="0" err="1" smtClean="0"/>
+              <a:t>Eg</a:t>
+            </a:r>
+            <a:r>
+              <a:rPr lang="en-US" altLang="zh-CN" dirty="0" smtClean="0"/>
+              <a:t>: everyone go back and code individually, or we discuss together then code together.</a:t>
+            </a:r>
+            <a:endParaRPr lang="zh-CN" altLang="en-US" dirty="0"/>
+          </a:p>
+        </p:txBody>
+      </p:sp>
+      <p:sp>
+        <p:nvSpPr>
+          <p:cNvPr id="3" name="标题 2"/>
+          <p:cNvSpPr>
+            <a:spLocks noGrp="1"/>
+          </p:cNvSpPr>
+          <p:nvPr>
+            <p:ph type="title"/>
+          </p:nvPr>
+        </p:nvSpPr>
+        <p:spPr/>
+        <p:txBody>
+          <a:bodyPr/>
+          <a:lstStyle/>
+          <a:p>
+            <a:r>
+              <a:rPr lang="en-US" altLang="zh-CN" dirty="0" smtClean="0"/>
+              <a:t>How to work</a:t>
+            </a:r>
+            <a:endParaRPr lang="zh-CN" altLang="en-US" dirty="0"/>
+          </a:p>
+        </p:txBody>
+      </p:sp>
+    </p:spTree>
+  </p:cSld>
+  <p:clrMapOvr>
+    <a:masterClrMapping/>
+  </p:clrMapOvr>
+</p:sld>
+</file>
+
+<file path=ppt/slides/slide9.xml><?xml version="1.0" encoding="utf-8"?>
+<p:sld xmlns:a="http://schemas.openxmlformats.org/drawingml/2006/main" xmlns:r="http://schemas.openxmlformats.org/officeDocument/2006/relationships" xmlns:p="http://schemas.openxmlformats.org/presentationml/2006/main">
+  <p:cSld>
+    <p:spTree>
+      <p:nvGrpSpPr>
+        <p:cNvPr id="1" name=""/>
+        <p:cNvGrpSpPr/>
+        <p:nvPr/>
+      </p:nvGrpSpPr>
+      <p:grpSpPr>
+        <a:xfrm>
+          <a:off x="0" y="0"/>
+          <a:ext cx="0" cy="0"/>
+          <a:chOff x="0" y="0"/>
+          <a:chExt cx="0" cy="0"/>
+        </a:xfrm>
+      </p:grpSpPr>
+      <p:sp>
+        <p:nvSpPr>
+          <p:cNvPr id="2" name="内容占位符 1"/>
+          <p:cNvSpPr>
+            <a:spLocks noGrp="1"/>
+          </p:cNvSpPr>
+          <p:nvPr>
+            <p:ph idx="1"/>
+          </p:nvPr>
+        </p:nvSpPr>
+        <p:spPr/>
+        <p:txBody>
+          <a:bodyPr/>
+          <a:lstStyle/>
+          <a:p>
+            <a:r>
+              <a:rPr lang="en-US" altLang="zh-CN" dirty="0" smtClean="0"/>
+              <a:t>One person decide something.</a:t>
+            </a:r>
+            <a:endParaRPr lang="zh-CN" altLang="en-US" dirty="0"/>
+          </a:p>
+        </p:txBody>
+      </p:sp>
+      <p:sp>
+        <p:nvSpPr>
+          <p:cNvPr id="3" name="标题 2"/>
+          <p:cNvSpPr>
+            <a:spLocks noGrp="1"/>
+          </p:cNvSpPr>
+          <p:nvPr>
+            <p:ph type="title"/>
+          </p:nvPr>
+        </p:nvSpPr>
+        <p:spPr/>
+        <p:txBody>
+          <a:bodyPr/>
+          <a:lstStyle/>
+          <a:p>
+            <a:r>
+              <a:rPr lang="en-US" altLang="zh-CN" dirty="0" smtClean="0"/>
+              <a:t>Decision</a:t>
+            </a:r>
+            <a:endParaRPr lang="zh-CN" altLang="en-US" dirty="0"/>
+          </a:p>
+        </p:txBody>
+      </p:sp>
+    </p:spTree>
+  </p:cSld>
+  <p:clrMapOvr>
+    <a:masterClrMapping/>
+  </p:clrMapOvr>
 </p:sld>
 </file>
 

--- a/Lightning talk.pptx
+++ b/Lightning talk.pptx
@@ -5,22 +5,21 @@
     <p:sldMasterId id="2147483684" r:id="rId1"/>
   </p:sldMasterIdLst>
   <p:notesMasterIdLst>
-    <p:notesMasterId r:id="rId15"/>
+    <p:notesMasterId r:id="rId14"/>
   </p:notesMasterIdLst>
   <p:sldIdLst>
     <p:sldId id="256" r:id="rId2"/>
     <p:sldId id="266" r:id="rId3"/>
     <p:sldId id="268" r:id="rId4"/>
-    <p:sldId id="262" r:id="rId5"/>
-    <p:sldId id="267" r:id="rId6"/>
-    <p:sldId id="257" r:id="rId7"/>
-    <p:sldId id="269" r:id="rId8"/>
-    <p:sldId id="270" r:id="rId9"/>
+    <p:sldId id="267" r:id="rId5"/>
+    <p:sldId id="262" r:id="rId6"/>
+    <p:sldId id="269" r:id="rId7"/>
+    <p:sldId id="270" r:id="rId8"/>
+    <p:sldId id="257" r:id="rId9"/>
     <p:sldId id="271" r:id="rId10"/>
     <p:sldId id="273" r:id="rId11"/>
-    <p:sldId id="272" r:id="rId12"/>
+    <p:sldId id="264" r:id="rId12"/>
     <p:sldId id="263" r:id="rId13"/>
-    <p:sldId id="264" r:id="rId14"/>
   </p:sldIdLst>
   <p:sldSz cx="9144000" cy="6858000" type="screen4x3"/>
   <p:notesSz cx="6858000" cy="9144000"/>
@@ -205,7 +204,7 @@
             <a:fld id="{AD00A6A1-BEE2-4467-9FD5-B42E12911DE3}" type="datetimeFigureOut">
               <a:rPr lang="en-US" smtClean="0"/>
               <a:pPr/>
-              <a:t>4/6/2010</a:t>
+              <a:t>4/7/2010</a:t>
             </a:fld>
             <a:endParaRPr lang="en-US"/>
           </a:p>
@@ -762,7 +761,7 @@
             <a:fld id="{8B776CD1-E81A-49F0-BF01-9E494B57A042}" type="datetimeFigureOut">
               <a:rPr lang="en-US" smtClean="0"/>
               <a:pPr/>
-              <a:t>4/6/2010</a:t>
+              <a:t>4/7/2010</a:t>
             </a:fld>
             <a:endParaRPr lang="en-US"/>
           </a:p>
@@ -929,7 +928,7 @@
             <a:fld id="{8B776CD1-E81A-49F0-BF01-9E494B57A042}" type="datetimeFigureOut">
               <a:rPr lang="en-US" smtClean="0"/>
               <a:pPr/>
-              <a:t>4/6/2010</a:t>
+              <a:t>4/7/2010</a:t>
             </a:fld>
             <a:endParaRPr lang="en-US"/>
           </a:p>
@@ -1106,7 +1105,7 @@
             <a:fld id="{8B776CD1-E81A-49F0-BF01-9E494B57A042}" type="datetimeFigureOut">
               <a:rPr lang="en-US" smtClean="0"/>
               <a:pPr/>
-              <a:t>4/6/2010</a:t>
+              <a:t>4/7/2010</a:t>
             </a:fld>
             <a:endParaRPr lang="en-US"/>
           </a:p>
@@ -1255,7 +1254,7 @@
             <a:fld id="{8B776CD1-E81A-49F0-BF01-9E494B57A042}" type="datetimeFigureOut">
               <a:rPr lang="en-US" smtClean="0"/>
               <a:pPr/>
-              <a:t>4/6/2010</a:t>
+              <a:t>4/7/2010</a:t>
             </a:fld>
             <a:endParaRPr lang="en-US"/>
           </a:p>
@@ -1374,7 +1373,7 @@
             <a:fld id="{8B776CD1-E81A-49F0-BF01-9E494B57A042}" type="datetimeFigureOut">
               <a:rPr lang="en-US" smtClean="0"/>
               <a:pPr/>
-              <a:t>4/6/2010</a:t>
+              <a:t>4/7/2010</a:t>
             </a:fld>
             <a:endParaRPr lang="en-US"/>
           </a:p>
@@ -1646,7 +1645,7 @@
             <a:fld id="{8B776CD1-E81A-49F0-BF01-9E494B57A042}" type="datetimeFigureOut">
               <a:rPr lang="en-US" smtClean="0"/>
               <a:pPr/>
-              <a:t>4/6/2010</a:t>
+              <a:t>4/7/2010</a:t>
             </a:fld>
             <a:endParaRPr lang="en-US"/>
           </a:p>
@@ -1918,7 +1917,7 @@
             <a:fld id="{8B776CD1-E81A-49F0-BF01-9E494B57A042}" type="datetimeFigureOut">
               <a:rPr lang="en-US" smtClean="0"/>
               <a:pPr/>
-              <a:t>4/6/2010</a:t>
+              <a:t>4/7/2010</a:t>
             </a:fld>
             <a:endParaRPr lang="en-US"/>
           </a:p>
@@ -2366,7 +2365,7 @@
             <a:fld id="{8B776CD1-E81A-49F0-BF01-9E494B57A042}" type="datetimeFigureOut">
               <a:rPr lang="en-US" smtClean="0"/>
               <a:pPr/>
-              <a:t>4/6/2010</a:t>
+              <a:t>4/7/2010</a:t>
             </a:fld>
             <a:endParaRPr lang="en-US"/>
           </a:p>
@@ -2481,7 +2480,7 @@
             <a:fld id="{8B776CD1-E81A-49F0-BF01-9E494B57A042}" type="datetimeFigureOut">
               <a:rPr lang="en-US" smtClean="0"/>
               <a:pPr/>
-              <a:t>4/6/2010</a:t>
+              <a:t>4/7/2010</a:t>
             </a:fld>
             <a:endParaRPr lang="en-US"/>
           </a:p>
@@ -2733,7 +2732,7 @@
             <a:fld id="{8B776CD1-E81A-49F0-BF01-9E494B57A042}" type="datetimeFigureOut">
               <a:rPr lang="en-US" smtClean="0"/>
               <a:pPr/>
-              <a:t>4/6/2010</a:t>
+              <a:t>4/7/2010</a:t>
             </a:fld>
             <a:endParaRPr lang="en-US"/>
           </a:p>
@@ -2975,7 +2974,7 @@
             <a:fld id="{8B776CD1-E81A-49F0-BF01-9E494B57A042}" type="datetimeFigureOut">
               <a:rPr lang="en-US" smtClean="0"/>
               <a:pPr/>
-              <a:t>4/6/2010</a:t>
+              <a:t>4/7/2010</a:t>
             </a:fld>
             <a:endParaRPr lang="en-US"/>
           </a:p>
@@ -3150,7 +3149,7 @@
             <a:fld id="{8B776CD1-E81A-49F0-BF01-9E494B57A042}" type="datetimeFigureOut">
               <a:rPr lang="en-US" smtClean="0"/>
               <a:pPr/>
-              <a:t>4/6/2010</a:t>
+              <a:t>4/7/2010</a:t>
             </a:fld>
             <a:endParaRPr lang="en-US"/>
           </a:p>
@@ -3874,407 +3873,6 @@
   <p:clrMapOvr>
     <a:masterClrMapping/>
   </p:clrMapOvr>
-</p:sld>
-</file>
-
-<file path=ppt/slides/slide11.xml><?xml version="1.0" encoding="utf-8"?>
-<p:sld xmlns:a="http://schemas.openxmlformats.org/drawingml/2006/main" xmlns:r="http://schemas.openxmlformats.org/officeDocument/2006/relationships" xmlns:p="http://schemas.openxmlformats.org/presentationml/2006/main">
-  <p:cSld>
-    <p:spTree>
-      <p:nvGrpSpPr>
-        <p:cNvPr id="1" name=""/>
-        <p:cNvGrpSpPr/>
-        <p:nvPr/>
-      </p:nvGrpSpPr>
-      <p:grpSpPr>
-        <a:xfrm>
-          <a:off x="0" y="0"/>
-          <a:ext cx="0" cy="0"/>
-          <a:chOff x="0" y="0"/>
-          <a:chExt cx="0" cy="0"/>
-        </a:xfrm>
-      </p:grpSpPr>
-      <p:pic>
-        <p:nvPicPr>
-          <p:cNvPr id="1026" name="Picture 2"/>
-          <p:cNvPicPr>
-            <a:picLocks noChangeAspect="1" noChangeArrowheads="1"/>
-          </p:cNvPicPr>
-          <p:nvPr/>
-        </p:nvPicPr>
-        <p:blipFill>
-          <a:blip r:embed="rId2" cstate="print"/>
-          <a:srcRect/>
-          <a:stretch>
-            <a:fillRect/>
-          </a:stretch>
-        </p:blipFill>
-        <p:spPr bwMode="auto">
-          <a:xfrm>
-            <a:off x="0" y="228599"/>
-            <a:ext cx="9144000" cy="6340355"/>
-          </a:xfrm>
-          <a:prstGeom prst="rect">
-            <a:avLst/>
-          </a:prstGeom>
-          <a:noFill/>
-          <a:ln w="9525">
-            <a:noFill/>
-            <a:miter lim="800000"/>
-            <a:headEnd/>
-            <a:tailEnd/>
-          </a:ln>
-        </p:spPr>
-      </p:pic>
-      <p:pic>
-        <p:nvPicPr>
-          <p:cNvPr id="4" name="Picture 3" descr="liyi.png"/>
-          <p:cNvPicPr>
-            <a:picLocks noChangeAspect="1"/>
-          </p:cNvPicPr>
-          <p:nvPr/>
-        </p:nvPicPr>
-        <p:blipFill>
-          <a:blip r:embed="rId3" cstate="print"/>
-          <a:stretch>
-            <a:fillRect/>
-          </a:stretch>
-        </p:blipFill>
-        <p:spPr>
-          <a:xfrm>
-            <a:off x="2895600" y="3505200"/>
-            <a:ext cx="381000" cy="626644"/>
-          </a:xfrm>
-          <a:prstGeom prst="rect">
-            <a:avLst/>
-          </a:prstGeom>
-        </p:spPr>
-      </p:pic>
-      <p:pic>
-        <p:nvPicPr>
-          <p:cNvPr id="5" name="Picture 4" descr="guyang.png"/>
-          <p:cNvPicPr>
-            <a:picLocks noChangeAspect="1"/>
-          </p:cNvPicPr>
-          <p:nvPr/>
-        </p:nvPicPr>
-        <p:blipFill>
-          <a:blip r:embed="rId4" cstate="print"/>
-          <a:stretch>
-            <a:fillRect/>
-          </a:stretch>
-        </p:blipFill>
-        <p:spPr>
-          <a:xfrm>
-            <a:off x="2438400" y="4038600"/>
-            <a:ext cx="537384" cy="551811"/>
-          </a:xfrm>
-          <a:prstGeom prst="rect">
-            <a:avLst/>
-          </a:prstGeom>
-        </p:spPr>
-      </p:pic>
-      <p:pic>
-        <p:nvPicPr>
-          <p:cNvPr id="6" name="Picture 5" descr="zichen.png"/>
-          <p:cNvPicPr>
-            <a:picLocks noChangeAspect="1"/>
-          </p:cNvPicPr>
-          <p:nvPr/>
-        </p:nvPicPr>
-        <p:blipFill>
-          <a:blip r:embed="rId5" cstate="print"/>
-          <a:stretch>
-            <a:fillRect/>
-          </a:stretch>
-        </p:blipFill>
-        <p:spPr>
-          <a:xfrm>
-            <a:off x="3886200" y="3505200"/>
-            <a:ext cx="1141544" cy="1134319"/>
-          </a:xfrm>
-          <a:prstGeom prst="rect">
-            <a:avLst/>
-          </a:prstGeom>
-        </p:spPr>
-      </p:pic>
-      <p:pic>
-        <p:nvPicPr>
-          <p:cNvPr id="7" name="Picture 6" descr="wenhao copy.png"/>
-          <p:cNvPicPr>
-            <a:picLocks noChangeAspect="1"/>
-          </p:cNvPicPr>
-          <p:nvPr/>
-        </p:nvPicPr>
-        <p:blipFill>
-          <a:blip r:embed="rId6" cstate="print"/>
-          <a:stretch>
-            <a:fillRect/>
-          </a:stretch>
-        </p:blipFill>
-        <p:spPr>
-          <a:xfrm>
-            <a:off x="4114800" y="4495800"/>
-            <a:ext cx="616043" cy="528037"/>
-          </a:xfrm>
-          <a:prstGeom prst="rect">
-            <a:avLst/>
-          </a:prstGeom>
-        </p:spPr>
-      </p:pic>
-      <p:pic>
-        <p:nvPicPr>
-          <p:cNvPr id="8" name="Picture 7" descr="qiqi.png"/>
-          <p:cNvPicPr>
-            <a:picLocks noChangeAspect="1"/>
-          </p:cNvPicPr>
-          <p:nvPr/>
-        </p:nvPicPr>
-        <p:blipFill>
-          <a:blip r:embed="rId7" cstate="print"/>
-          <a:stretch>
-            <a:fillRect/>
-          </a:stretch>
-        </p:blipFill>
-        <p:spPr>
-          <a:xfrm>
-            <a:off x="3657600" y="5029200"/>
-            <a:ext cx="531944" cy="690669"/>
-          </a:xfrm>
-          <a:prstGeom prst="rect">
-            <a:avLst/>
-          </a:prstGeom>
-        </p:spPr>
-      </p:pic>
-      <p:pic>
-        <p:nvPicPr>
-          <p:cNvPr id="9" name="Picture 8" descr="bil.png"/>
-          <p:cNvPicPr>
-            <a:picLocks noChangeAspect="1"/>
-          </p:cNvPicPr>
-          <p:nvPr/>
-        </p:nvPicPr>
-        <p:blipFill>
-          <a:blip r:embed="rId8" cstate="print"/>
-          <a:stretch>
-            <a:fillRect/>
-          </a:stretch>
-        </p:blipFill>
-        <p:spPr>
-          <a:xfrm>
-            <a:off x="7848600" y="2438400"/>
-            <a:ext cx="685800" cy="632178"/>
-          </a:xfrm>
-          <a:prstGeom prst="rect">
-            <a:avLst/>
-          </a:prstGeom>
-        </p:spPr>
-      </p:pic>
-      <p:cxnSp>
-        <p:nvCxnSpPr>
-          <p:cNvPr id="13" name="Straight Arrow Connector 12"/>
-          <p:cNvCxnSpPr/>
-          <p:nvPr/>
-        </p:nvCxnSpPr>
-        <p:spPr>
-          <a:xfrm rot="16200000" flipV="1">
-            <a:off x="3638186" y="4743813"/>
-            <a:ext cx="457199" cy="113572"/>
-          </a:xfrm>
-          <a:prstGeom prst="straightConnector1">
-            <a:avLst/>
-          </a:prstGeom>
-          <a:ln>
-            <a:tailEnd type="arrow"/>
-          </a:ln>
-        </p:spPr>
-        <p:style>
-          <a:lnRef idx="2">
-            <a:schemeClr val="dk1"/>
-          </a:lnRef>
-          <a:fillRef idx="0">
-            <a:schemeClr val="dk1"/>
-          </a:fillRef>
-          <a:effectRef idx="1">
-            <a:schemeClr val="dk1"/>
-          </a:effectRef>
-          <a:fontRef idx="minor">
-            <a:schemeClr val="tx1"/>
-          </a:fontRef>
-        </p:style>
-      </p:cxnSp>
-      <p:cxnSp>
-        <p:nvCxnSpPr>
-          <p:cNvPr id="20" name="Straight Arrow Connector 19"/>
-          <p:cNvCxnSpPr/>
-          <p:nvPr/>
-        </p:nvCxnSpPr>
-        <p:spPr>
-          <a:xfrm rot="10800000" flipV="1">
-            <a:off x="3810000" y="4114800"/>
-            <a:ext cx="457200" cy="381000"/>
-          </a:xfrm>
-          <a:prstGeom prst="straightConnector1">
-            <a:avLst/>
-          </a:prstGeom>
-          <a:ln>
-            <a:tailEnd type="arrow"/>
-          </a:ln>
-        </p:spPr>
-        <p:style>
-          <a:lnRef idx="2">
-            <a:schemeClr val="dk1"/>
-          </a:lnRef>
-          <a:fillRef idx="0">
-            <a:schemeClr val="dk1"/>
-          </a:fillRef>
-          <a:effectRef idx="1">
-            <a:schemeClr val="dk1"/>
-          </a:effectRef>
-          <a:fontRef idx="minor">
-            <a:schemeClr val="tx1"/>
-          </a:fontRef>
-        </p:style>
-      </p:cxnSp>
-      <p:cxnSp>
-        <p:nvCxnSpPr>
-          <p:cNvPr id="23" name="Straight Arrow Connector 22"/>
-          <p:cNvCxnSpPr/>
-          <p:nvPr/>
-        </p:nvCxnSpPr>
-        <p:spPr>
-          <a:xfrm rot="10800000">
-            <a:off x="3810000" y="4495800"/>
-            <a:ext cx="304804" cy="152404"/>
-          </a:xfrm>
-          <a:prstGeom prst="straightConnector1">
-            <a:avLst/>
-          </a:prstGeom>
-          <a:ln>
-            <a:tailEnd type="arrow"/>
-          </a:ln>
-        </p:spPr>
-        <p:style>
-          <a:lnRef idx="2">
-            <a:schemeClr val="dk1"/>
-          </a:lnRef>
-          <a:fillRef idx="0">
-            <a:schemeClr val="dk1"/>
-          </a:fillRef>
-          <a:effectRef idx="1">
-            <a:schemeClr val="dk1"/>
-          </a:effectRef>
-          <a:fontRef idx="minor">
-            <a:schemeClr val="tx1"/>
-          </a:fontRef>
-        </p:style>
-      </p:cxnSp>
-      <p:cxnSp>
-        <p:nvCxnSpPr>
-          <p:cNvPr id="33" name="Straight Arrow Connector 32"/>
-          <p:cNvCxnSpPr/>
-          <p:nvPr/>
-        </p:nvCxnSpPr>
-        <p:spPr>
-          <a:xfrm rot="16200000" flipH="1">
-            <a:off x="3266073" y="4049127"/>
-            <a:ext cx="440154" cy="571500"/>
-          </a:xfrm>
-          <a:prstGeom prst="straightConnector1">
-            <a:avLst/>
-          </a:prstGeom>
-          <a:ln>
-            <a:tailEnd type="arrow"/>
-          </a:ln>
-        </p:spPr>
-        <p:style>
-          <a:lnRef idx="2">
-            <a:schemeClr val="dk1"/>
-          </a:lnRef>
-          <a:fillRef idx="0">
-            <a:schemeClr val="dk1"/>
-          </a:fillRef>
-          <a:effectRef idx="1">
-            <a:schemeClr val="dk1"/>
-          </a:effectRef>
-          <a:fontRef idx="minor">
-            <a:schemeClr val="tx1"/>
-          </a:fontRef>
-        </p:style>
-      </p:cxnSp>
-      <p:cxnSp>
-        <p:nvCxnSpPr>
-          <p:cNvPr id="36" name="Straight Arrow Connector 35"/>
-          <p:cNvCxnSpPr/>
-          <p:nvPr/>
-        </p:nvCxnSpPr>
-        <p:spPr>
-          <a:xfrm>
-            <a:off x="2971800" y="4343400"/>
-            <a:ext cx="605616" cy="181294"/>
-          </a:xfrm>
-          <a:prstGeom prst="straightConnector1">
-            <a:avLst/>
-          </a:prstGeom>
-          <a:ln>
-            <a:tailEnd type="arrow"/>
-          </a:ln>
-        </p:spPr>
-        <p:style>
-          <a:lnRef idx="2">
-            <a:schemeClr val="dk1"/>
-          </a:lnRef>
-          <a:fillRef idx="0">
-            <a:schemeClr val="dk1"/>
-          </a:fillRef>
-          <a:effectRef idx="1">
-            <a:schemeClr val="dk1"/>
-          </a:effectRef>
-          <a:fontRef idx="minor">
-            <a:schemeClr val="tx1"/>
-          </a:fontRef>
-        </p:style>
-      </p:cxnSp>
-      <p:cxnSp>
-        <p:nvCxnSpPr>
-          <p:cNvPr id="44" name="Straight Arrow Connector 43"/>
-          <p:cNvCxnSpPr>
-            <a:stCxn id="9" idx="2"/>
-          </p:cNvCxnSpPr>
-          <p:nvPr/>
-        </p:nvCxnSpPr>
-        <p:spPr>
-          <a:xfrm rot="5400000">
-            <a:off x="7840839" y="3154539"/>
-            <a:ext cx="434622" cy="266700"/>
-          </a:xfrm>
-          <a:prstGeom prst="straightConnector1">
-            <a:avLst/>
-          </a:prstGeom>
-          <a:ln>
-            <a:tailEnd type="arrow"/>
-          </a:ln>
-        </p:spPr>
-        <p:style>
-          <a:lnRef idx="2">
-            <a:schemeClr val="dk1"/>
-          </a:lnRef>
-          <a:fillRef idx="0">
-            <a:schemeClr val="dk1"/>
-          </a:fillRef>
-          <a:effectRef idx="1">
-            <a:schemeClr val="dk1"/>
-          </a:effectRef>
-          <a:fontRef idx="minor">
-            <a:schemeClr val="tx1"/>
-          </a:fontRef>
-        </p:style>
-      </p:cxnSp>
-    </p:spTree>
-  </p:cSld>
-  <p:clrMapOvr>
-    <a:masterClrMapping/>
-  </p:clrMapOvr>
   <p:timing>
     <p:tnLst>
       <p:par>
@@ -4296,7 +3894,7 @@
                             </p:stCondLst>
                             <p:childTnLst>
                               <p:par>
-                                <p:cTn id="5" presetID="1" presetClass="entr" presetSubtype="0" fill="hold" nodeType="clickEffect">
+                                <p:cTn id="5" presetID="2" presetClass="entr" presetSubtype="4" fill="hold" nodeType="clickEffect">
                                   <p:stCondLst>
                                     <p:cond delay="0"/>
                                   </p:stCondLst>
@@ -4304,78 +3902,6 @@
                                     <p:set>
                                       <p:cBhvr>
                                         <p:cTn id="6" dur="1" fill="hold">
-                                          <p:stCondLst>
-                                            <p:cond delay="0"/>
-                                          </p:stCondLst>
-                                        </p:cTn>
-                                        <p:tgtEl>
-                                          <p:spTgt spid="6"/>
-                                        </p:tgtEl>
-                                        <p:attrNameLst>
-                                          <p:attrName>style.visibility</p:attrName>
-                                        </p:attrNameLst>
-                                      </p:cBhvr>
-                                      <p:to>
-                                        <p:strVal val="visible"/>
-                                      </p:to>
-                                    </p:set>
-                                  </p:childTnLst>
-                                </p:cTn>
-                              </p:par>
-                              <p:par>
-                                <p:cTn id="7" presetID="1" presetClass="entr" presetSubtype="0" fill="hold" nodeType="withEffect">
-                                  <p:stCondLst>
-                                    <p:cond delay="0"/>
-                                  </p:stCondLst>
-                                  <p:childTnLst>
-                                    <p:set>
-                                      <p:cBhvr>
-                                        <p:cTn id="8" dur="1" fill="hold">
-                                          <p:stCondLst>
-                                            <p:cond delay="0"/>
-                                          </p:stCondLst>
-                                        </p:cTn>
-                                        <p:tgtEl>
-                                          <p:spTgt spid="20"/>
-                                        </p:tgtEl>
-                                        <p:attrNameLst>
-                                          <p:attrName>style.visibility</p:attrName>
-                                        </p:attrNameLst>
-                                      </p:cBhvr>
-                                      <p:to>
-                                        <p:strVal val="visible"/>
-                                      </p:to>
-                                    </p:set>
-                                  </p:childTnLst>
-                                </p:cTn>
-                              </p:par>
-                            </p:childTnLst>
-                          </p:cTn>
-                        </p:par>
-                      </p:childTnLst>
-                    </p:cTn>
-                  </p:par>
-                  <p:par>
-                    <p:cTn id="9" fill="hold">
-                      <p:stCondLst>
-                        <p:cond delay="indefinite"/>
-                      </p:stCondLst>
-                      <p:childTnLst>
-                        <p:par>
-                          <p:cTn id="10" fill="hold">
-                            <p:stCondLst>
-                              <p:cond delay="0"/>
-                            </p:stCondLst>
-                            <p:childTnLst>
-                              <p:par>
-                                <p:cTn id="11" presetID="1" presetClass="entr" presetSubtype="0" fill="hold" nodeType="clickEffect">
-                                  <p:stCondLst>
-                                    <p:cond delay="0"/>
-                                  </p:stCondLst>
-                                  <p:childTnLst>
-                                    <p:set>
-                                      <p:cBhvr>
-                                        <p:cTn id="12" dur="1" fill="hold">
                                           <p:stCondLst>
                                             <p:cond delay="0"/>
                                           </p:stCondLst>
@@ -4391,321 +3917,52 @@
                                         <p:strVal val="visible"/>
                                       </p:to>
                                     </p:set>
-                                  </p:childTnLst>
-                                </p:cTn>
-                              </p:par>
-                              <p:par>
-                                <p:cTn id="13" presetID="1" presetClass="entr" presetSubtype="0" fill="hold" nodeType="withEffect">
-                                  <p:stCondLst>
-                                    <p:cond delay="0"/>
-                                  </p:stCondLst>
-                                  <p:childTnLst>
-                                    <p:set>
-                                      <p:cBhvr>
-                                        <p:cTn id="14" dur="1" fill="hold">
-                                          <p:stCondLst>
-                                            <p:cond delay="0"/>
-                                          </p:stCondLst>
-                                        </p:cTn>
+                                    <p:anim calcmode="lin" valueType="num">
+                                      <p:cBhvr additive="base">
+                                        <p:cTn id="7" dur="500" fill="hold"/>
                                         <p:tgtEl>
-                                          <p:spTgt spid="33"/>
+                                          <p:spTgt spid="4"/>
                                         </p:tgtEl>
                                         <p:attrNameLst>
-                                          <p:attrName>style.visibility</p:attrName>
+                                          <p:attrName>ppt_x</p:attrName>
                                         </p:attrNameLst>
                                       </p:cBhvr>
-                                      <p:to>
-                                        <p:strVal val="visible"/>
-                                      </p:to>
-                                    </p:set>
-                                  </p:childTnLst>
-                                </p:cTn>
-                              </p:par>
-                            </p:childTnLst>
-                          </p:cTn>
-                        </p:par>
-                      </p:childTnLst>
-                    </p:cTn>
-                  </p:par>
-                  <p:par>
-                    <p:cTn id="15" fill="hold">
-                      <p:stCondLst>
-                        <p:cond delay="indefinite"/>
-                      </p:stCondLst>
-                      <p:childTnLst>
-                        <p:par>
-                          <p:cTn id="16" fill="hold">
-                            <p:stCondLst>
-                              <p:cond delay="0"/>
-                            </p:stCondLst>
-                            <p:childTnLst>
-                              <p:par>
-                                <p:cTn id="17" presetID="1" presetClass="entr" presetSubtype="0" fill="hold" nodeType="clickEffect">
-                                  <p:stCondLst>
-                                    <p:cond delay="0"/>
-                                  </p:stCondLst>
-                                  <p:childTnLst>
-                                    <p:set>
-                                      <p:cBhvr>
-                                        <p:cTn id="18" dur="1" fill="hold">
-                                          <p:stCondLst>
-                                            <p:cond delay="0"/>
-                                          </p:stCondLst>
-                                        </p:cTn>
+                                      <p:tavLst>
+                                        <p:tav tm="0">
+                                          <p:val>
+                                            <p:strVal val="#ppt_x"/>
+                                          </p:val>
+                                        </p:tav>
+                                        <p:tav tm="100000">
+                                          <p:val>
+                                            <p:strVal val="#ppt_x"/>
+                                          </p:val>
+                                        </p:tav>
+                                      </p:tavLst>
+                                    </p:anim>
+                                    <p:anim calcmode="lin" valueType="num">
+                                      <p:cBhvr additive="base">
+                                        <p:cTn id="8" dur="500" fill="hold"/>
                                         <p:tgtEl>
-                                          <p:spTgt spid="5"/>
+                                          <p:spTgt spid="4"/>
                                         </p:tgtEl>
                                         <p:attrNameLst>
-                                          <p:attrName>style.visibility</p:attrName>
+                                          <p:attrName>ppt_y</p:attrName>
                                         </p:attrNameLst>
                                       </p:cBhvr>
-                                      <p:to>
-                                        <p:strVal val="visible"/>
-                                      </p:to>
-                                    </p:set>
-                                  </p:childTnLst>
-                                </p:cTn>
-                              </p:par>
-                              <p:par>
-                                <p:cTn id="19" presetID="1" presetClass="entr" presetSubtype="0" fill="hold" nodeType="withEffect">
-                                  <p:stCondLst>
-                                    <p:cond delay="0"/>
-                                  </p:stCondLst>
-                                  <p:childTnLst>
-                                    <p:set>
-                                      <p:cBhvr>
-                                        <p:cTn id="20" dur="1" fill="hold">
-                                          <p:stCondLst>
-                                            <p:cond delay="0"/>
-                                          </p:stCondLst>
-                                        </p:cTn>
-                                        <p:tgtEl>
-                                          <p:spTgt spid="36"/>
-                                        </p:tgtEl>
-                                        <p:attrNameLst>
-                                          <p:attrName>style.visibility</p:attrName>
-                                        </p:attrNameLst>
-                                      </p:cBhvr>
-                                      <p:to>
-                                        <p:strVal val="visible"/>
-                                      </p:to>
-                                    </p:set>
-                                  </p:childTnLst>
-                                </p:cTn>
-                              </p:par>
-                            </p:childTnLst>
-                          </p:cTn>
-                        </p:par>
-                      </p:childTnLst>
-                    </p:cTn>
-                  </p:par>
-                  <p:par>
-                    <p:cTn id="21" fill="hold">
-                      <p:stCondLst>
-                        <p:cond delay="indefinite"/>
-                      </p:stCondLst>
-                      <p:childTnLst>
-                        <p:par>
-                          <p:cTn id="22" fill="hold">
-                            <p:stCondLst>
-                              <p:cond delay="0"/>
-                            </p:stCondLst>
-                            <p:childTnLst>
-                              <p:par>
-                                <p:cTn id="23" presetID="1" presetClass="entr" presetSubtype="0" fill="hold" nodeType="clickEffect">
-                                  <p:stCondLst>
-                                    <p:cond delay="0"/>
-                                  </p:stCondLst>
-                                  <p:childTnLst>
-                                    <p:set>
-                                      <p:cBhvr>
-                                        <p:cTn id="24" dur="1" fill="hold">
-                                          <p:stCondLst>
-                                            <p:cond delay="0"/>
-                                          </p:stCondLst>
-                                        </p:cTn>
-                                        <p:tgtEl>
-                                          <p:spTgt spid="8"/>
-                                        </p:tgtEl>
-                                        <p:attrNameLst>
-                                          <p:attrName>style.visibility</p:attrName>
-                                        </p:attrNameLst>
-                                      </p:cBhvr>
-                                      <p:to>
-                                        <p:strVal val="visible"/>
-                                      </p:to>
-                                    </p:set>
-                                  </p:childTnLst>
-                                </p:cTn>
-                              </p:par>
-                              <p:par>
-                                <p:cTn id="25" presetID="1" presetClass="entr" presetSubtype="0" fill="hold" nodeType="withEffect">
-                                  <p:stCondLst>
-                                    <p:cond delay="0"/>
-                                  </p:stCondLst>
-                                  <p:childTnLst>
-                                    <p:set>
-                                      <p:cBhvr>
-                                        <p:cTn id="26" dur="1" fill="hold">
-                                          <p:stCondLst>
-                                            <p:cond delay="0"/>
-                                          </p:stCondLst>
-                                        </p:cTn>
-                                        <p:tgtEl>
-                                          <p:spTgt spid="13"/>
-                                        </p:tgtEl>
-                                        <p:attrNameLst>
-                                          <p:attrName>style.visibility</p:attrName>
-                                        </p:attrNameLst>
-                                      </p:cBhvr>
-                                      <p:to>
-                                        <p:strVal val="visible"/>
-                                      </p:to>
-                                    </p:set>
-                                  </p:childTnLst>
-                                </p:cTn>
-                              </p:par>
-                            </p:childTnLst>
-                          </p:cTn>
-                        </p:par>
-                      </p:childTnLst>
-                    </p:cTn>
-                  </p:par>
-                  <p:par>
-                    <p:cTn id="27" fill="hold">
-                      <p:stCondLst>
-                        <p:cond delay="indefinite"/>
-                      </p:stCondLst>
-                      <p:childTnLst>
-                        <p:par>
-                          <p:cTn id="28" fill="hold">
-                            <p:stCondLst>
-                              <p:cond delay="0"/>
-                            </p:stCondLst>
-                            <p:childTnLst>
-                              <p:par>
-                                <p:cTn id="29" presetID="1" presetClass="entr" presetSubtype="0" fill="hold" nodeType="clickEffect">
-                                  <p:stCondLst>
-                                    <p:cond delay="0"/>
-                                  </p:stCondLst>
-                                  <p:childTnLst>
-                                    <p:set>
-                                      <p:cBhvr>
-                                        <p:cTn id="30" dur="1" fill="hold">
-                                          <p:stCondLst>
-                                            <p:cond delay="0"/>
-                                          </p:stCondLst>
-                                        </p:cTn>
-                                        <p:tgtEl>
-                                          <p:spTgt spid="7"/>
-                                        </p:tgtEl>
-                                        <p:attrNameLst>
-                                          <p:attrName>style.visibility</p:attrName>
-                                        </p:attrNameLst>
-                                      </p:cBhvr>
-                                      <p:to>
-                                        <p:strVal val="visible"/>
-                                      </p:to>
-                                    </p:set>
-                                  </p:childTnLst>
-                                </p:cTn>
-                              </p:par>
-                              <p:par>
-                                <p:cTn id="31" presetID="1" presetClass="entr" presetSubtype="0" fill="hold" nodeType="withEffect">
-                                  <p:stCondLst>
-                                    <p:cond delay="0"/>
-                                  </p:stCondLst>
-                                  <p:childTnLst>
-                                    <p:set>
-                                      <p:cBhvr>
-                                        <p:cTn id="32" dur="1" fill="hold">
-                                          <p:stCondLst>
-                                            <p:cond delay="0"/>
-                                          </p:stCondLst>
-                                        </p:cTn>
-                                        <p:tgtEl>
-                                          <p:spTgt spid="23"/>
-                                        </p:tgtEl>
-                                        <p:attrNameLst>
-                                          <p:attrName>style.visibility</p:attrName>
-                                        </p:attrNameLst>
-                                      </p:cBhvr>
-                                      <p:to>
-                                        <p:strVal val="visible"/>
-                                      </p:to>
-                                    </p:set>
-                                  </p:childTnLst>
-                                </p:cTn>
-                              </p:par>
-                            </p:childTnLst>
-                          </p:cTn>
-                        </p:par>
-                      </p:childTnLst>
-                    </p:cTn>
-                  </p:par>
-                  <p:par>
-                    <p:cTn id="33" fill="hold">
-                      <p:stCondLst>
-                        <p:cond delay="indefinite"/>
-                      </p:stCondLst>
-                      <p:childTnLst>
-                        <p:par>
-                          <p:cTn id="34" fill="hold">
-                            <p:stCondLst>
-                              <p:cond delay="0"/>
-                            </p:stCondLst>
-                            <p:childTnLst>
-                              <p:par>
-                                <p:cTn id="35" presetID="1" presetClass="entr" presetSubtype="0" fill="hold" nodeType="clickEffect">
-                                  <p:stCondLst>
-                                    <p:cond delay="0"/>
-                                  </p:stCondLst>
-                                  <p:childTnLst>
-                                    <p:set>
-                                      <p:cBhvr>
-                                        <p:cTn id="36" dur="1" fill="hold">
-                                          <p:stCondLst>
-                                            <p:cond delay="0"/>
-                                          </p:stCondLst>
-                                        </p:cTn>
-                                        <p:tgtEl>
-                                          <p:spTgt spid="9"/>
-                                        </p:tgtEl>
-                                        <p:attrNameLst>
-                                          <p:attrName>style.visibility</p:attrName>
-                                        </p:attrNameLst>
-                                      </p:cBhvr>
-                                      <p:to>
-                                        <p:strVal val="visible"/>
-                                      </p:to>
-                                    </p:set>
-                                  </p:childTnLst>
-                                </p:cTn>
-                              </p:par>
-                              <p:par>
-                                <p:cTn id="37" presetID="1" presetClass="entr" presetSubtype="0" fill="hold" nodeType="withEffect">
-                                  <p:stCondLst>
-                                    <p:cond delay="0"/>
-                                  </p:stCondLst>
-                                  <p:childTnLst>
-                                    <p:set>
-                                      <p:cBhvr>
-                                        <p:cTn id="38" dur="1" fill="hold">
-                                          <p:stCondLst>
-                                            <p:cond delay="0"/>
-                                          </p:stCondLst>
-                                        </p:cTn>
-                                        <p:tgtEl>
-                                          <p:spTgt spid="44"/>
-                                        </p:tgtEl>
-                                        <p:attrNameLst>
-                                          <p:attrName>style.visibility</p:attrName>
-                                        </p:attrNameLst>
-                                      </p:cBhvr>
-                                      <p:to>
-                                        <p:strVal val="visible"/>
-                                      </p:to>
-                                    </p:set>
+                                      <p:tavLst>
+                                        <p:tav tm="0">
+                                          <p:val>
+                                            <p:strVal val="1+#ppt_h/2"/>
+                                          </p:val>
+                                        </p:tav>
+                                        <p:tav tm="100000">
+                                          <p:val>
+                                            <p:strVal val="#ppt_y"/>
+                                          </p:val>
+                                        </p:tav>
+                                      </p:tavLst>
+                                    </p:anim>
                                   </p:childTnLst>
                                 </p:cTn>
                               </p:par>
@@ -4734,6 +3991,296 @@
             </p:seq>
           </p:childTnLst>
         </p:cTn>
+      </p:par>
+    </p:tnLst>
+  </p:timing>
+</p:sld>
+</file>
+
+<file path=ppt/slides/slide11.xml><?xml version="1.0" encoding="utf-8"?>
+<p:sld xmlns:a="http://schemas.openxmlformats.org/drawingml/2006/main" xmlns:r="http://schemas.openxmlformats.org/officeDocument/2006/relationships" xmlns:p="http://schemas.openxmlformats.org/presentationml/2006/main">
+  <p:cSld>
+    <p:spTree>
+      <p:nvGrpSpPr>
+        <p:cNvPr id="1" name=""/>
+        <p:cNvGrpSpPr/>
+        <p:nvPr/>
+      </p:nvGrpSpPr>
+      <p:grpSpPr>
+        <a:xfrm>
+          <a:off x="0" y="0"/>
+          <a:ext cx="0" cy="0"/>
+          <a:chOff x="0" y="0"/>
+          <a:chExt cx="0" cy="0"/>
+        </a:xfrm>
+      </p:grpSpPr>
+      <p:sp>
+        <p:nvSpPr>
+          <p:cNvPr id="3" name="Title 2"/>
+          <p:cNvSpPr>
+            <a:spLocks noGrp="1"/>
+          </p:cNvSpPr>
+          <p:nvPr>
+            <p:ph type="title"/>
+          </p:nvPr>
+        </p:nvSpPr>
+        <p:spPr/>
+        <p:txBody>
+          <a:bodyPr>
+            <a:normAutofit fontScale="90000"/>
+          </a:bodyPr>
+          <a:lstStyle/>
+          <a:p>
+            <a:r>
+              <a:rPr lang="en-US" dirty="0" smtClean="0"/>
+              <a:t>Be aware of the overall status of the product</a:t>
+            </a:r>
+            <a:endParaRPr lang="en-US" dirty="0"/>
+          </a:p>
+        </p:txBody>
+      </p:sp>
+      <p:pic>
+        <p:nvPicPr>
+          <p:cNvPr id="1026" name="Picture 2" descr="F:\DCIM\100CANON\IMG_0397.JPG"/>
+          <p:cNvPicPr>
+            <a:picLocks noChangeAspect="1" noChangeArrowheads="1"/>
+          </p:cNvPicPr>
+          <p:nvPr/>
+        </p:nvPicPr>
+        <p:blipFill>
+          <a:blip r:embed="rId2" cstate="print"/>
+          <a:srcRect/>
+          <a:stretch>
+            <a:fillRect/>
+          </a:stretch>
+        </p:blipFill>
+        <p:spPr bwMode="auto">
+          <a:xfrm>
+            <a:off x="1524000" y="1600200"/>
+            <a:ext cx="6553200" cy="4914900"/>
+          </a:xfrm>
+          <a:prstGeom prst="rect">
+            <a:avLst/>
+          </a:prstGeom>
+          <a:noFill/>
+        </p:spPr>
+      </p:pic>
+      <p:sp>
+        <p:nvSpPr>
+          <p:cNvPr id="5" name="TextBox 4"/>
+          <p:cNvSpPr txBox="1"/>
+          <p:nvPr/>
+        </p:nvSpPr>
+        <p:spPr>
+          <a:xfrm rot="20013028">
+            <a:off x="3909978" y="2243050"/>
+            <a:ext cx="328781" cy="707886"/>
+          </a:xfrm>
+          <a:prstGeom prst="rect">
+            <a:avLst/>
+          </a:prstGeom>
+          <a:noFill/>
+        </p:spPr>
+        <p:txBody>
+          <a:bodyPr wrap="square" rtlCol="0">
+            <a:spAutoFit/>
+          </a:bodyPr>
+          <a:lstStyle/>
+          <a:p>
+            <a:r>
+              <a:rPr lang="en-US" sz="4000" b="1" dirty="0" smtClean="0">
+                <a:solidFill>
+                  <a:schemeClr val="bg1"/>
+                </a:solidFill>
+              </a:rPr>
+              <a:t>?</a:t>
+            </a:r>
+            <a:endParaRPr lang="en-US" sz="4000" b="1" dirty="0">
+              <a:solidFill>
+                <a:schemeClr val="bg1"/>
+              </a:solidFill>
+            </a:endParaRPr>
+          </a:p>
+        </p:txBody>
+      </p:sp>
+      <p:sp>
+        <p:nvSpPr>
+          <p:cNvPr id="6" name="TextBox 5"/>
+          <p:cNvSpPr txBox="1"/>
+          <p:nvPr/>
+        </p:nvSpPr>
+        <p:spPr>
+          <a:xfrm rot="173784">
+            <a:off x="4207049" y="2220478"/>
+            <a:ext cx="438989" cy="646331"/>
+          </a:xfrm>
+          <a:prstGeom prst="rect">
+            <a:avLst/>
+          </a:prstGeom>
+          <a:noFill/>
+        </p:spPr>
+        <p:txBody>
+          <a:bodyPr wrap="square" rtlCol="0">
+            <a:spAutoFit/>
+          </a:bodyPr>
+          <a:lstStyle/>
+          <a:p>
+            <a:r>
+              <a:rPr lang="en-US" sz="3600" b="1" dirty="0" smtClean="0">
+                <a:solidFill>
+                  <a:schemeClr val="bg1"/>
+                </a:solidFill>
+              </a:rPr>
+              <a:t>?</a:t>
+            </a:r>
+            <a:endParaRPr lang="en-US" sz="3600" b="1" dirty="0">
+              <a:solidFill>
+                <a:schemeClr val="bg1"/>
+              </a:solidFill>
+            </a:endParaRPr>
+          </a:p>
+        </p:txBody>
+      </p:sp>
+      <p:sp>
+        <p:nvSpPr>
+          <p:cNvPr id="7" name="TextBox 6"/>
+          <p:cNvSpPr txBox="1"/>
+          <p:nvPr/>
+        </p:nvSpPr>
+        <p:spPr>
+          <a:xfrm rot="2110964">
+            <a:off x="4441106" y="2239861"/>
+            <a:ext cx="328781" cy="707886"/>
+          </a:xfrm>
+          <a:prstGeom prst="rect">
+            <a:avLst/>
+          </a:prstGeom>
+          <a:noFill/>
+        </p:spPr>
+        <p:txBody>
+          <a:bodyPr wrap="square" rtlCol="0">
+            <a:spAutoFit/>
+          </a:bodyPr>
+          <a:lstStyle/>
+          <a:p>
+            <a:r>
+              <a:rPr lang="en-US" sz="4000" b="1" dirty="0" smtClean="0">
+                <a:solidFill>
+                  <a:schemeClr val="bg1"/>
+                </a:solidFill>
+              </a:rPr>
+              <a:t>?</a:t>
+            </a:r>
+            <a:endParaRPr lang="en-US" sz="4000" b="1" dirty="0">
+              <a:solidFill>
+                <a:schemeClr val="bg1"/>
+              </a:solidFill>
+            </a:endParaRPr>
+          </a:p>
+        </p:txBody>
+      </p:sp>
+      <p:sp>
+        <p:nvSpPr>
+          <p:cNvPr id="8" name="TextBox 7"/>
+          <p:cNvSpPr txBox="1"/>
+          <p:nvPr/>
+        </p:nvSpPr>
+        <p:spPr>
+          <a:xfrm>
+            <a:off x="5181600" y="1676400"/>
+            <a:ext cx="2362200" cy="2308324"/>
+          </a:xfrm>
+          <a:prstGeom prst="rect">
+            <a:avLst/>
+          </a:prstGeom>
+          <a:noFill/>
+        </p:spPr>
+        <p:txBody>
+          <a:bodyPr wrap="square" rtlCol="0">
+            <a:spAutoFit/>
+          </a:bodyPr>
+          <a:lstStyle/>
+          <a:p>
+            <a:r>
+              <a:rPr lang="en-US" dirty="0" smtClean="0">
+                <a:solidFill>
+                  <a:sysClr val="windowText" lastClr="000000"/>
+                </a:solidFill>
+              </a:rPr>
+              <a:t>Next deadline?</a:t>
+            </a:r>
+          </a:p>
+          <a:p>
+            <a:r>
+              <a:rPr lang="en-US" dirty="0" smtClean="0">
+                <a:solidFill>
+                  <a:sysClr val="windowText" lastClr="000000"/>
+                </a:solidFill>
+              </a:rPr>
+              <a:t>Current version?</a:t>
+            </a:r>
+          </a:p>
+          <a:p>
+            <a:r>
+              <a:rPr lang="en-US" dirty="0" smtClean="0">
+                <a:solidFill>
+                  <a:sysClr val="windowText" lastClr="000000"/>
+                </a:solidFill>
+              </a:rPr>
+              <a:t>GUI?</a:t>
+            </a:r>
+          </a:p>
+          <a:p>
+            <a:r>
+              <a:rPr lang="en-US" dirty="0" smtClean="0">
+                <a:solidFill>
+                  <a:sysClr val="windowText" lastClr="000000"/>
+                </a:solidFill>
+              </a:rPr>
+              <a:t>Documentation?</a:t>
+            </a:r>
+          </a:p>
+          <a:p>
+            <a:r>
+              <a:rPr lang="en-US" dirty="0" smtClean="0">
+                <a:solidFill>
+                  <a:sysClr val="windowText" lastClr="000000"/>
+                </a:solidFill>
+              </a:rPr>
+              <a:t>Any critical bugs not solved?</a:t>
+            </a:r>
+          </a:p>
+          <a:p>
+            <a:r>
+              <a:rPr lang="en-US" dirty="0" smtClean="0">
+                <a:solidFill>
+                  <a:sysClr val="windowText" lastClr="000000"/>
+                </a:solidFill>
+              </a:rPr>
+              <a:t>Outstanding issues?</a:t>
+            </a:r>
+          </a:p>
+          <a:p>
+            <a:r>
+              <a:rPr lang="en-US" dirty="0" smtClean="0">
+                <a:solidFill>
+                  <a:sysClr val="windowText" lastClr="000000"/>
+                </a:solidFill>
+              </a:rPr>
+              <a:t>Lightning talk??</a:t>
+            </a:r>
+          </a:p>
+        </p:txBody>
+      </p:sp>
+    </p:spTree>
+  </p:cSld>
+  <p:clrMapOvr>
+    <a:masterClrMapping/>
+  </p:clrMapOvr>
+  <p:timing>
+    <p:tnLst>
+      <p:par>
+        <p:cTn id="1" dur="indefinite" restart="never" nodeType="tmRoot"/>
       </p:par>
     </p:tnLst>
   </p:timing>
@@ -5697,296 +5244,6 @@
 </p:sld>
 </file>
 
-<file path=ppt/slides/slide13.xml><?xml version="1.0" encoding="utf-8"?>
-<p:sld xmlns:a="http://schemas.openxmlformats.org/drawingml/2006/main" xmlns:r="http://schemas.openxmlformats.org/officeDocument/2006/relationships" xmlns:p="http://schemas.openxmlformats.org/presentationml/2006/main">
-  <p:cSld>
-    <p:spTree>
-      <p:nvGrpSpPr>
-        <p:cNvPr id="1" name=""/>
-        <p:cNvGrpSpPr/>
-        <p:nvPr/>
-      </p:nvGrpSpPr>
-      <p:grpSpPr>
-        <a:xfrm>
-          <a:off x="0" y="0"/>
-          <a:ext cx="0" cy="0"/>
-          <a:chOff x="0" y="0"/>
-          <a:chExt cx="0" cy="0"/>
-        </a:xfrm>
-      </p:grpSpPr>
-      <p:sp>
-        <p:nvSpPr>
-          <p:cNvPr id="3" name="Title 2"/>
-          <p:cNvSpPr>
-            <a:spLocks noGrp="1"/>
-          </p:cNvSpPr>
-          <p:nvPr>
-            <p:ph type="title"/>
-          </p:nvPr>
-        </p:nvSpPr>
-        <p:spPr/>
-        <p:txBody>
-          <a:bodyPr>
-            <a:normAutofit fontScale="90000"/>
-          </a:bodyPr>
-          <a:lstStyle/>
-          <a:p>
-            <a:r>
-              <a:rPr lang="en-US" dirty="0" smtClean="0"/>
-              <a:t>Be aware of the overall status of the product</a:t>
-            </a:r>
-            <a:endParaRPr lang="en-US" dirty="0"/>
-          </a:p>
-        </p:txBody>
-      </p:sp>
-      <p:pic>
-        <p:nvPicPr>
-          <p:cNvPr id="1026" name="Picture 2" descr="F:\DCIM\100CANON\IMG_0397.JPG"/>
-          <p:cNvPicPr>
-            <a:picLocks noChangeAspect="1" noChangeArrowheads="1"/>
-          </p:cNvPicPr>
-          <p:nvPr/>
-        </p:nvPicPr>
-        <p:blipFill>
-          <a:blip r:embed="rId2" cstate="print"/>
-          <a:srcRect/>
-          <a:stretch>
-            <a:fillRect/>
-          </a:stretch>
-        </p:blipFill>
-        <p:spPr bwMode="auto">
-          <a:xfrm>
-            <a:off x="1524000" y="1600200"/>
-            <a:ext cx="6553200" cy="4914900"/>
-          </a:xfrm>
-          <a:prstGeom prst="rect">
-            <a:avLst/>
-          </a:prstGeom>
-          <a:noFill/>
-        </p:spPr>
-      </p:pic>
-      <p:sp>
-        <p:nvSpPr>
-          <p:cNvPr id="5" name="TextBox 4"/>
-          <p:cNvSpPr txBox="1"/>
-          <p:nvPr/>
-        </p:nvSpPr>
-        <p:spPr>
-          <a:xfrm rot="20013028">
-            <a:off x="3909978" y="2243050"/>
-            <a:ext cx="328781" cy="707886"/>
-          </a:xfrm>
-          <a:prstGeom prst="rect">
-            <a:avLst/>
-          </a:prstGeom>
-          <a:noFill/>
-        </p:spPr>
-        <p:txBody>
-          <a:bodyPr wrap="square" rtlCol="0">
-            <a:spAutoFit/>
-          </a:bodyPr>
-          <a:lstStyle/>
-          <a:p>
-            <a:r>
-              <a:rPr lang="en-US" sz="4000" b="1" dirty="0" smtClean="0">
-                <a:solidFill>
-                  <a:schemeClr val="bg1"/>
-                </a:solidFill>
-              </a:rPr>
-              <a:t>?</a:t>
-            </a:r>
-            <a:endParaRPr lang="en-US" sz="4000" b="1" dirty="0">
-              <a:solidFill>
-                <a:schemeClr val="bg1"/>
-              </a:solidFill>
-            </a:endParaRPr>
-          </a:p>
-        </p:txBody>
-      </p:sp>
-      <p:sp>
-        <p:nvSpPr>
-          <p:cNvPr id="6" name="TextBox 5"/>
-          <p:cNvSpPr txBox="1"/>
-          <p:nvPr/>
-        </p:nvSpPr>
-        <p:spPr>
-          <a:xfrm rot="173784">
-            <a:off x="4207049" y="2220478"/>
-            <a:ext cx="438989" cy="646331"/>
-          </a:xfrm>
-          <a:prstGeom prst="rect">
-            <a:avLst/>
-          </a:prstGeom>
-          <a:noFill/>
-        </p:spPr>
-        <p:txBody>
-          <a:bodyPr wrap="square" rtlCol="0">
-            <a:spAutoFit/>
-          </a:bodyPr>
-          <a:lstStyle/>
-          <a:p>
-            <a:r>
-              <a:rPr lang="en-US" sz="3600" b="1" dirty="0" smtClean="0">
-                <a:solidFill>
-                  <a:schemeClr val="bg1"/>
-                </a:solidFill>
-              </a:rPr>
-              <a:t>?</a:t>
-            </a:r>
-            <a:endParaRPr lang="en-US" sz="3600" b="1" dirty="0">
-              <a:solidFill>
-                <a:schemeClr val="bg1"/>
-              </a:solidFill>
-            </a:endParaRPr>
-          </a:p>
-        </p:txBody>
-      </p:sp>
-      <p:sp>
-        <p:nvSpPr>
-          <p:cNvPr id="7" name="TextBox 6"/>
-          <p:cNvSpPr txBox="1"/>
-          <p:nvPr/>
-        </p:nvSpPr>
-        <p:spPr>
-          <a:xfrm rot="2110964">
-            <a:off x="4441106" y="2239861"/>
-            <a:ext cx="328781" cy="707886"/>
-          </a:xfrm>
-          <a:prstGeom prst="rect">
-            <a:avLst/>
-          </a:prstGeom>
-          <a:noFill/>
-        </p:spPr>
-        <p:txBody>
-          <a:bodyPr wrap="square" rtlCol="0">
-            <a:spAutoFit/>
-          </a:bodyPr>
-          <a:lstStyle/>
-          <a:p>
-            <a:r>
-              <a:rPr lang="en-US" sz="4000" b="1" dirty="0" smtClean="0">
-                <a:solidFill>
-                  <a:schemeClr val="bg1"/>
-                </a:solidFill>
-              </a:rPr>
-              <a:t>?</a:t>
-            </a:r>
-            <a:endParaRPr lang="en-US" sz="4000" b="1" dirty="0">
-              <a:solidFill>
-                <a:schemeClr val="bg1"/>
-              </a:solidFill>
-            </a:endParaRPr>
-          </a:p>
-        </p:txBody>
-      </p:sp>
-      <p:sp>
-        <p:nvSpPr>
-          <p:cNvPr id="8" name="TextBox 7"/>
-          <p:cNvSpPr txBox="1"/>
-          <p:nvPr/>
-        </p:nvSpPr>
-        <p:spPr>
-          <a:xfrm>
-            <a:off x="5181600" y="1676400"/>
-            <a:ext cx="2362200" cy="2308324"/>
-          </a:xfrm>
-          <a:prstGeom prst="rect">
-            <a:avLst/>
-          </a:prstGeom>
-          <a:noFill/>
-        </p:spPr>
-        <p:txBody>
-          <a:bodyPr wrap="square" rtlCol="0">
-            <a:spAutoFit/>
-          </a:bodyPr>
-          <a:lstStyle/>
-          <a:p>
-            <a:r>
-              <a:rPr lang="en-US" dirty="0" smtClean="0">
-                <a:solidFill>
-                  <a:sysClr val="windowText" lastClr="000000"/>
-                </a:solidFill>
-              </a:rPr>
-              <a:t>Next deadline?</a:t>
-            </a:r>
-          </a:p>
-          <a:p>
-            <a:r>
-              <a:rPr lang="en-US" dirty="0" smtClean="0">
-                <a:solidFill>
-                  <a:sysClr val="windowText" lastClr="000000"/>
-                </a:solidFill>
-              </a:rPr>
-              <a:t>Current version?</a:t>
-            </a:r>
-          </a:p>
-          <a:p>
-            <a:r>
-              <a:rPr lang="en-US" dirty="0" smtClean="0">
-                <a:solidFill>
-                  <a:sysClr val="windowText" lastClr="000000"/>
-                </a:solidFill>
-              </a:rPr>
-              <a:t>GUI?</a:t>
-            </a:r>
-          </a:p>
-          <a:p>
-            <a:r>
-              <a:rPr lang="en-US" dirty="0" smtClean="0">
-                <a:solidFill>
-                  <a:sysClr val="windowText" lastClr="000000"/>
-                </a:solidFill>
-              </a:rPr>
-              <a:t>Documentation?</a:t>
-            </a:r>
-          </a:p>
-          <a:p>
-            <a:r>
-              <a:rPr lang="en-US" dirty="0" smtClean="0">
-                <a:solidFill>
-                  <a:sysClr val="windowText" lastClr="000000"/>
-                </a:solidFill>
-              </a:rPr>
-              <a:t>Any critical bugs not solved?</a:t>
-            </a:r>
-          </a:p>
-          <a:p>
-            <a:r>
-              <a:rPr lang="en-US" dirty="0" smtClean="0">
-                <a:solidFill>
-                  <a:sysClr val="windowText" lastClr="000000"/>
-                </a:solidFill>
-              </a:rPr>
-              <a:t>Outstanding issues?</a:t>
-            </a:r>
-          </a:p>
-          <a:p>
-            <a:r>
-              <a:rPr lang="en-US" dirty="0" smtClean="0">
-                <a:solidFill>
-                  <a:sysClr val="windowText" lastClr="000000"/>
-                </a:solidFill>
-              </a:rPr>
-              <a:t>Lightning talk??</a:t>
-            </a:r>
-          </a:p>
-        </p:txBody>
-      </p:sp>
-    </p:spTree>
-  </p:cSld>
-  <p:clrMapOvr>
-    <a:masterClrMapping/>
-  </p:clrMapOvr>
-  <p:timing>
-    <p:tnLst>
-      <p:par>
-        <p:cTn id="1" dur="indefinite" restart="never" nodeType="tmRoot"/>
-      </p:par>
-    </p:tnLst>
-  </p:timing>
-</p:sld>
-</file>
-
 <file path=ppt/slides/slide2.xml><?xml version="1.0" encoding="utf-8"?>
 <p:sld xmlns:a="http://schemas.openxmlformats.org/drawingml/2006/main" xmlns:r="http://schemas.openxmlformats.org/officeDocument/2006/relationships" xmlns:p="http://schemas.openxmlformats.org/presentationml/2006/main">
   <p:cSld>
@@ -6072,9 +5329,211 @@
   <p:timing>
     <p:tnLst>
       <p:par>
-        <p:cTn id="1" dur="indefinite" restart="never" nodeType="tmRoot"/>
+        <p:cTn id="1" dur="indefinite" restart="never" nodeType="tmRoot">
+          <p:childTnLst>
+            <p:seq concurrent="1" nextAc="seek">
+              <p:cTn id="2" dur="indefinite" nodeType="mainSeq">
+                <p:childTnLst>
+                  <p:par>
+                    <p:cTn id="3" fill="hold">
+                      <p:stCondLst>
+                        <p:cond delay="indefinite"/>
+                      </p:stCondLst>
+                      <p:childTnLst>
+                        <p:par>
+                          <p:cTn id="4" fill="hold">
+                            <p:stCondLst>
+                              <p:cond delay="0"/>
+                            </p:stCondLst>
+                            <p:childTnLst>
+                              <p:par>
+                                <p:cTn id="5" presetID="10" presetClass="entr" presetSubtype="0" fill="hold" grpId="0" nodeType="clickEffect">
+                                  <p:stCondLst>
+                                    <p:cond delay="0"/>
+                                  </p:stCondLst>
+                                  <p:childTnLst>
+                                    <p:set>
+                                      <p:cBhvr>
+                                        <p:cTn id="6" dur="1" fill="hold">
+                                          <p:stCondLst>
+                                            <p:cond delay="0"/>
+                                          </p:stCondLst>
+                                        </p:cTn>
+                                        <p:tgtEl>
+                                          <p:spTgt spid="3"/>
+                                        </p:tgtEl>
+                                        <p:attrNameLst>
+                                          <p:attrName>style.visibility</p:attrName>
+                                        </p:attrNameLst>
+                                      </p:cBhvr>
+                                      <p:to>
+                                        <p:strVal val="visible"/>
+                                      </p:to>
+                                    </p:set>
+                                    <p:animEffect transition="in" filter="fade">
+                                      <p:cBhvr>
+                                        <p:cTn id="7" dur="2000"/>
+                                        <p:tgtEl>
+                                          <p:spTgt spid="3"/>
+                                        </p:tgtEl>
+                                      </p:cBhvr>
+                                    </p:animEffect>
+                                  </p:childTnLst>
+                                </p:cTn>
+                              </p:par>
+                            </p:childTnLst>
+                          </p:cTn>
+                        </p:par>
+                      </p:childTnLst>
+                    </p:cTn>
+                  </p:par>
+                  <p:par>
+                    <p:cTn id="8" fill="hold">
+                      <p:stCondLst>
+                        <p:cond delay="indefinite"/>
+                      </p:stCondLst>
+                      <p:childTnLst>
+                        <p:par>
+                          <p:cTn id="9" fill="hold">
+                            <p:stCondLst>
+                              <p:cond delay="0"/>
+                            </p:stCondLst>
+                            <p:childTnLst>
+                              <p:par>
+                                <p:cTn id="10" presetID="22" presetClass="entr" presetSubtype="4" fill="hold" grpId="0" nodeType="clickEffect">
+                                  <p:stCondLst>
+                                    <p:cond delay="0"/>
+                                  </p:stCondLst>
+                                  <p:childTnLst>
+                                    <p:set>
+                                      <p:cBhvr>
+                                        <p:cTn id="11" dur="1" fill="hold">
+                                          <p:stCondLst>
+                                            <p:cond delay="0"/>
+                                          </p:stCondLst>
+                                        </p:cTn>
+                                        <p:tgtEl>
+                                          <p:spTgt spid="2">
+                                            <p:txEl>
+                                              <p:pRg st="0" end="0"/>
+                                            </p:txEl>
+                                          </p:spTgt>
+                                        </p:tgtEl>
+                                        <p:attrNameLst>
+                                          <p:attrName>style.visibility</p:attrName>
+                                        </p:attrNameLst>
+                                      </p:cBhvr>
+                                      <p:to>
+                                        <p:strVal val="visible"/>
+                                      </p:to>
+                                    </p:set>
+                                    <p:animEffect transition="in" filter="wipe(down)">
+                                      <p:cBhvr>
+                                        <p:cTn id="12" dur="500"/>
+                                        <p:tgtEl>
+                                          <p:spTgt spid="2">
+                                            <p:txEl>
+                                              <p:pRg st="0" end="0"/>
+                                            </p:txEl>
+                                          </p:spTgt>
+                                        </p:tgtEl>
+                                      </p:cBhvr>
+                                    </p:animEffect>
+                                  </p:childTnLst>
+                                </p:cTn>
+                              </p:par>
+                            </p:childTnLst>
+                          </p:cTn>
+                        </p:par>
+                      </p:childTnLst>
+                    </p:cTn>
+                  </p:par>
+                  <p:par>
+                    <p:cTn id="13" fill="hold">
+                      <p:stCondLst>
+                        <p:cond delay="indefinite"/>
+                      </p:stCondLst>
+                      <p:childTnLst>
+                        <p:par>
+                          <p:cTn id="14" fill="hold">
+                            <p:stCondLst>
+                              <p:cond delay="0"/>
+                            </p:stCondLst>
+                            <p:childTnLst>
+                              <p:par>
+                                <p:cTn id="15" presetID="22" presetClass="entr" presetSubtype="4" fill="hold" grpId="0" nodeType="clickEffect">
+                                  <p:stCondLst>
+                                    <p:cond delay="0"/>
+                                  </p:stCondLst>
+                                  <p:childTnLst>
+                                    <p:set>
+                                      <p:cBhvr>
+                                        <p:cTn id="16" dur="1" fill="hold">
+                                          <p:stCondLst>
+                                            <p:cond delay="0"/>
+                                          </p:stCondLst>
+                                        </p:cTn>
+                                        <p:tgtEl>
+                                          <p:spTgt spid="2">
+                                            <p:txEl>
+                                              <p:pRg st="2" end="2"/>
+                                            </p:txEl>
+                                          </p:spTgt>
+                                        </p:tgtEl>
+                                        <p:attrNameLst>
+                                          <p:attrName>style.visibility</p:attrName>
+                                        </p:attrNameLst>
+                                      </p:cBhvr>
+                                      <p:to>
+                                        <p:strVal val="visible"/>
+                                      </p:to>
+                                    </p:set>
+                                    <p:animEffect transition="in" filter="wipe(down)">
+                                      <p:cBhvr>
+                                        <p:cTn id="17" dur="500"/>
+                                        <p:tgtEl>
+                                          <p:spTgt spid="2">
+                                            <p:txEl>
+                                              <p:pRg st="2" end="2"/>
+                                            </p:txEl>
+                                          </p:spTgt>
+                                        </p:tgtEl>
+                                      </p:cBhvr>
+                                    </p:animEffect>
+                                  </p:childTnLst>
+                                </p:cTn>
+                              </p:par>
+                            </p:childTnLst>
+                          </p:cTn>
+                        </p:par>
+                      </p:childTnLst>
+                    </p:cTn>
+                  </p:par>
+                </p:childTnLst>
+              </p:cTn>
+              <p:prevCondLst>
+                <p:cond evt="onPrev" delay="0">
+                  <p:tgtEl>
+                    <p:sldTgt/>
+                  </p:tgtEl>
+                </p:cond>
+              </p:prevCondLst>
+              <p:nextCondLst>
+                <p:cond evt="onNext" delay="0">
+                  <p:tgtEl>
+                    <p:sldTgt/>
+                  </p:tgtEl>
+                </p:cond>
+              </p:nextCondLst>
+            </p:seq>
+          </p:childTnLst>
+        </p:cTn>
       </p:par>
     </p:tnLst>
+    <p:bldLst>
+      <p:bldP spid="2" grpId="0" build="p"/>
+      <p:bldP spid="3" grpId="0"/>
+    </p:bldLst>
   </p:timing>
 </p:sld>
 </file>
@@ -6124,11 +5583,7 @@
           <a:p>
             <a:r>
               <a:rPr lang="en-US" altLang="zh-CN" dirty="0" smtClean="0"/>
-              <a:t> </a:t>
-            </a:r>
-            <a:r>
-              <a:rPr lang="en-US" altLang="zh-CN" dirty="0" smtClean="0"/>
-              <a:t> Talking about our team, team 9: 0110, about the entire program, how we work together and have fun together.</a:t>
+              <a:t>  Talking about our team, team 9: 0110, about the entire program, how we work together and have fun together.</a:t>
             </a:r>
           </a:p>
           <a:p>
@@ -6145,11 +5600,7 @@
           <a:p>
             <a:r>
               <a:rPr lang="en-US" altLang="zh-CN" dirty="0" smtClean="0"/>
-              <a:t>  </a:t>
-            </a:r>
-            <a:r>
-              <a:rPr lang="en-US" altLang="zh-CN" dirty="0" smtClean="0"/>
-              <a:t>Giving a summary of what we have learned about teamwork through this course.</a:t>
+              <a:t>  Giving a summary of what we have learned about teamwork through this course.</a:t>
             </a:r>
             <a:endParaRPr lang="zh-CN" altLang="en-US" dirty="0"/>
           </a:p>
@@ -6186,178 +5637,284 @@
   <p:timing>
     <p:tnLst>
       <p:par>
-        <p:cTn id="1" dur="indefinite" restart="never" nodeType="tmRoot"/>
+        <p:cTn id="1" dur="indefinite" restart="never" nodeType="tmRoot">
+          <p:childTnLst>
+            <p:seq concurrent="1" nextAc="seek">
+              <p:cTn id="2" dur="indefinite" nodeType="mainSeq">
+                <p:childTnLst>
+                  <p:par>
+                    <p:cTn id="3" fill="hold">
+                      <p:stCondLst>
+                        <p:cond delay="indefinite"/>
+                      </p:stCondLst>
+                      <p:childTnLst>
+                        <p:par>
+                          <p:cTn id="4" fill="hold">
+                            <p:stCondLst>
+                              <p:cond delay="0"/>
+                            </p:stCondLst>
+                            <p:childTnLst>
+                              <p:par>
+                                <p:cTn id="5" presetID="22" presetClass="entr" presetSubtype="4" fill="hold" grpId="0" nodeType="clickEffect">
+                                  <p:stCondLst>
+                                    <p:cond delay="0"/>
+                                  </p:stCondLst>
+                                  <p:childTnLst>
+                                    <p:set>
+                                      <p:cBhvr>
+                                        <p:cTn id="6" dur="1" fill="hold">
+                                          <p:stCondLst>
+                                            <p:cond delay="0"/>
+                                          </p:stCondLst>
+                                        </p:cTn>
+                                        <p:tgtEl>
+                                          <p:spTgt spid="2">
+                                            <p:txEl>
+                                              <p:pRg st="0" end="0"/>
+                                            </p:txEl>
+                                          </p:spTgt>
+                                        </p:tgtEl>
+                                        <p:attrNameLst>
+                                          <p:attrName>style.visibility</p:attrName>
+                                        </p:attrNameLst>
+                                      </p:cBhvr>
+                                      <p:to>
+                                        <p:strVal val="visible"/>
+                                      </p:to>
+                                    </p:set>
+                                    <p:animEffect transition="in" filter="wipe(down)">
+                                      <p:cBhvr>
+                                        <p:cTn id="7" dur="500"/>
+                                        <p:tgtEl>
+                                          <p:spTgt spid="2">
+                                            <p:txEl>
+                                              <p:pRg st="0" end="0"/>
+                                            </p:txEl>
+                                          </p:spTgt>
+                                        </p:tgtEl>
+                                      </p:cBhvr>
+                                    </p:animEffect>
+                                  </p:childTnLst>
+                                </p:cTn>
+                              </p:par>
+                            </p:childTnLst>
+                          </p:cTn>
+                        </p:par>
+                      </p:childTnLst>
+                    </p:cTn>
+                  </p:par>
+                  <p:par>
+                    <p:cTn id="8" fill="hold">
+                      <p:stCondLst>
+                        <p:cond delay="indefinite"/>
+                      </p:stCondLst>
+                      <p:childTnLst>
+                        <p:par>
+                          <p:cTn id="9" fill="hold">
+                            <p:stCondLst>
+                              <p:cond delay="0"/>
+                            </p:stCondLst>
+                            <p:childTnLst>
+                              <p:par>
+                                <p:cTn id="10" presetID="22" presetClass="entr" presetSubtype="4" fill="hold" grpId="0" nodeType="clickEffect">
+                                  <p:stCondLst>
+                                    <p:cond delay="0"/>
+                                  </p:stCondLst>
+                                  <p:childTnLst>
+                                    <p:set>
+                                      <p:cBhvr>
+                                        <p:cTn id="11" dur="1" fill="hold">
+                                          <p:stCondLst>
+                                            <p:cond delay="0"/>
+                                          </p:stCondLst>
+                                        </p:cTn>
+                                        <p:tgtEl>
+                                          <p:spTgt spid="2">
+                                            <p:txEl>
+                                              <p:pRg st="1" end="1"/>
+                                            </p:txEl>
+                                          </p:spTgt>
+                                        </p:tgtEl>
+                                        <p:attrNameLst>
+                                          <p:attrName>style.visibility</p:attrName>
+                                        </p:attrNameLst>
+                                      </p:cBhvr>
+                                      <p:to>
+                                        <p:strVal val="visible"/>
+                                      </p:to>
+                                    </p:set>
+                                    <p:animEffect transition="in" filter="wipe(down)">
+                                      <p:cBhvr>
+                                        <p:cTn id="12" dur="500"/>
+                                        <p:tgtEl>
+                                          <p:spTgt spid="2">
+                                            <p:txEl>
+                                              <p:pRg st="1" end="1"/>
+                                            </p:txEl>
+                                          </p:spTgt>
+                                        </p:tgtEl>
+                                      </p:cBhvr>
+                                    </p:animEffect>
+                                  </p:childTnLst>
+                                </p:cTn>
+                              </p:par>
+                            </p:childTnLst>
+                          </p:cTn>
+                        </p:par>
+                      </p:childTnLst>
+                    </p:cTn>
+                  </p:par>
+                  <p:par>
+                    <p:cTn id="13" fill="hold">
+                      <p:stCondLst>
+                        <p:cond delay="indefinite"/>
+                      </p:stCondLst>
+                      <p:childTnLst>
+                        <p:par>
+                          <p:cTn id="14" fill="hold">
+                            <p:stCondLst>
+                              <p:cond delay="0"/>
+                            </p:stCondLst>
+                            <p:childTnLst>
+                              <p:par>
+                                <p:cTn id="15" presetID="22" presetClass="entr" presetSubtype="4" fill="hold" grpId="0" nodeType="clickEffect">
+                                  <p:stCondLst>
+                                    <p:cond delay="0"/>
+                                  </p:stCondLst>
+                                  <p:childTnLst>
+                                    <p:set>
+                                      <p:cBhvr>
+                                        <p:cTn id="16" dur="1" fill="hold">
+                                          <p:stCondLst>
+                                            <p:cond delay="0"/>
+                                          </p:stCondLst>
+                                        </p:cTn>
+                                        <p:tgtEl>
+                                          <p:spTgt spid="2">
+                                            <p:txEl>
+                                              <p:pRg st="2" end="2"/>
+                                            </p:txEl>
+                                          </p:spTgt>
+                                        </p:tgtEl>
+                                        <p:attrNameLst>
+                                          <p:attrName>style.visibility</p:attrName>
+                                        </p:attrNameLst>
+                                      </p:cBhvr>
+                                      <p:to>
+                                        <p:strVal val="visible"/>
+                                      </p:to>
+                                    </p:set>
+                                    <p:animEffect transition="in" filter="wipe(down)">
+                                      <p:cBhvr>
+                                        <p:cTn id="17" dur="500"/>
+                                        <p:tgtEl>
+                                          <p:spTgt spid="2">
+                                            <p:txEl>
+                                              <p:pRg st="2" end="2"/>
+                                            </p:txEl>
+                                          </p:spTgt>
+                                        </p:tgtEl>
+                                      </p:cBhvr>
+                                    </p:animEffect>
+                                  </p:childTnLst>
+                                </p:cTn>
+                              </p:par>
+                            </p:childTnLst>
+                          </p:cTn>
+                        </p:par>
+                      </p:childTnLst>
+                    </p:cTn>
+                  </p:par>
+                  <p:par>
+                    <p:cTn id="18" fill="hold">
+                      <p:stCondLst>
+                        <p:cond delay="indefinite"/>
+                      </p:stCondLst>
+                      <p:childTnLst>
+                        <p:par>
+                          <p:cTn id="19" fill="hold">
+                            <p:stCondLst>
+                              <p:cond delay="0"/>
+                            </p:stCondLst>
+                            <p:childTnLst>
+                              <p:par>
+                                <p:cTn id="20" presetID="22" presetClass="entr" presetSubtype="4" fill="hold" grpId="0" nodeType="clickEffect">
+                                  <p:stCondLst>
+                                    <p:cond delay="0"/>
+                                  </p:stCondLst>
+                                  <p:childTnLst>
+                                    <p:set>
+                                      <p:cBhvr>
+                                        <p:cTn id="21" dur="1" fill="hold">
+                                          <p:stCondLst>
+                                            <p:cond delay="0"/>
+                                          </p:stCondLst>
+                                        </p:cTn>
+                                        <p:tgtEl>
+                                          <p:spTgt spid="2">
+                                            <p:txEl>
+                                              <p:pRg st="3" end="3"/>
+                                            </p:txEl>
+                                          </p:spTgt>
+                                        </p:tgtEl>
+                                        <p:attrNameLst>
+                                          <p:attrName>style.visibility</p:attrName>
+                                        </p:attrNameLst>
+                                      </p:cBhvr>
+                                      <p:to>
+                                        <p:strVal val="visible"/>
+                                      </p:to>
+                                    </p:set>
+                                    <p:animEffect transition="in" filter="wipe(down)">
+                                      <p:cBhvr>
+                                        <p:cTn id="22" dur="500"/>
+                                        <p:tgtEl>
+                                          <p:spTgt spid="2">
+                                            <p:txEl>
+                                              <p:pRg st="3" end="3"/>
+                                            </p:txEl>
+                                          </p:spTgt>
+                                        </p:tgtEl>
+                                      </p:cBhvr>
+                                    </p:animEffect>
+                                  </p:childTnLst>
+                                </p:cTn>
+                              </p:par>
+                            </p:childTnLst>
+                          </p:cTn>
+                        </p:par>
+                      </p:childTnLst>
+                    </p:cTn>
+                  </p:par>
+                </p:childTnLst>
+              </p:cTn>
+              <p:prevCondLst>
+                <p:cond evt="onPrev" delay="0">
+                  <p:tgtEl>
+                    <p:sldTgt/>
+                  </p:tgtEl>
+                </p:cond>
+              </p:prevCondLst>
+              <p:nextCondLst>
+                <p:cond evt="onNext" delay="0">
+                  <p:tgtEl>
+                    <p:sldTgt/>
+                  </p:tgtEl>
+                </p:cond>
+              </p:nextCondLst>
+            </p:seq>
+          </p:childTnLst>
+        </p:cTn>
       </p:par>
     </p:tnLst>
+    <p:bldLst>
+      <p:bldP spid="2" grpId="0" build="p"/>
+    </p:bldLst>
   </p:timing>
 </p:sld>
 </file>
 
 <file path=ppt/slides/slide4.xml><?xml version="1.0" encoding="utf-8"?>
-<p:sld xmlns:a="http://schemas.openxmlformats.org/drawingml/2006/main" xmlns:r="http://schemas.openxmlformats.org/officeDocument/2006/relationships" xmlns:p="http://schemas.openxmlformats.org/presentationml/2006/main">
-  <p:cSld>
-    <p:spTree>
-      <p:nvGrpSpPr>
-        <p:cNvPr id="1" name=""/>
-        <p:cNvGrpSpPr/>
-        <p:nvPr/>
-      </p:nvGrpSpPr>
-      <p:grpSpPr>
-        <a:xfrm>
-          <a:off x="0" y="0"/>
-          <a:ext cx="0" cy="0"/>
-          <a:chOff x="0" y="0"/>
-          <a:chExt cx="0" cy="0"/>
-        </a:xfrm>
-      </p:grpSpPr>
-      <p:sp>
-        <p:nvSpPr>
-          <p:cNvPr id="2" name="Content Placeholder 1"/>
-          <p:cNvSpPr>
-            <a:spLocks noGrp="1"/>
-          </p:cNvSpPr>
-          <p:nvPr>
-            <p:ph idx="1"/>
-          </p:nvPr>
-        </p:nvSpPr>
-        <p:spPr>
-          <a:xfrm>
-            <a:off x="457200" y="1600200"/>
-            <a:ext cx="8229600" cy="3581400"/>
-          </a:xfrm>
-        </p:spPr>
-        <p:txBody>
-          <a:bodyPr/>
-          <a:lstStyle/>
-          <a:p>
-            <a:r>
-              <a:rPr lang="en-US" dirty="0" smtClean="0"/>
-              <a:t>Our aim:</a:t>
-            </a:r>
-          </a:p>
-          <a:p>
-            <a:r>
-              <a:rPr lang="en-US" dirty="0" smtClean="0"/>
-              <a:t> I</a:t>
-            </a:r>
-            <a:r>
-              <a:rPr lang="en-US" altLang="zh-CN" dirty="0" smtClean="0"/>
-              <a:t>mplement </a:t>
-            </a:r>
-            <a:r>
-              <a:rPr lang="en-US" altLang="zh-CN" dirty="0" smtClean="0"/>
-              <a:t>a file synchronization tool to synchronize files between multiple computers. Minimally, it should be able to synchronize a folder in one computer with a folder in another computer using an intermediary storage device.</a:t>
-            </a:r>
-            <a:endParaRPr lang="en-US" dirty="0" smtClean="0"/>
-          </a:p>
-          <a:p>
-            <a:endParaRPr lang="en-US" dirty="0" smtClean="0"/>
-          </a:p>
-          <a:p>
-            <a:endParaRPr lang="en-US" dirty="0" smtClean="0"/>
-          </a:p>
-          <a:p>
-            <a:endParaRPr lang="en-US" dirty="0" smtClean="0"/>
-          </a:p>
-          <a:p>
-            <a:endParaRPr lang="en-US" dirty="0" smtClean="0"/>
-          </a:p>
-          <a:p>
-            <a:endParaRPr lang="en-US" dirty="0" smtClean="0"/>
-          </a:p>
-          <a:p>
-            <a:endParaRPr lang="en-US" dirty="0" smtClean="0"/>
-          </a:p>
-          <a:p>
-            <a:endParaRPr lang="en-US" dirty="0" smtClean="0"/>
-          </a:p>
-          <a:p>
-            <a:endParaRPr lang="en-US" dirty="0" smtClean="0"/>
-          </a:p>
-          <a:p>
-            <a:endParaRPr lang="en-US" dirty="0" smtClean="0"/>
-          </a:p>
-          <a:p>
-            <a:endParaRPr lang="en-US" dirty="0" smtClean="0"/>
-          </a:p>
-          <a:p>
-            <a:endParaRPr lang="en-US" dirty="0" smtClean="0"/>
-          </a:p>
-          <a:p>
-            <a:endParaRPr lang="en-US" dirty="0" smtClean="0"/>
-          </a:p>
-          <a:p>
-            <a:endParaRPr lang="en-US" dirty="0" smtClean="0"/>
-          </a:p>
-          <a:p>
-            <a:endParaRPr lang="en-US" dirty="0" smtClean="0"/>
-          </a:p>
-          <a:p>
-            <a:endParaRPr lang="en-US" dirty="0" smtClean="0"/>
-          </a:p>
-          <a:p>
-            <a:endParaRPr lang="en-US" dirty="0" smtClean="0"/>
-          </a:p>
-          <a:p>
-            <a:endParaRPr lang="en-US" dirty="0" smtClean="0"/>
-          </a:p>
-          <a:p>
-            <a:endParaRPr lang="en-US" dirty="0" smtClean="0"/>
-          </a:p>
-          <a:p>
-            <a:endParaRPr lang="en-US" dirty="0" smtClean="0"/>
-          </a:p>
-          <a:p>
-            <a:endParaRPr lang="en-US" dirty="0" smtClean="0"/>
-          </a:p>
-          <a:p>
-            <a:endParaRPr lang="en-US" dirty="0" smtClean="0"/>
-          </a:p>
-          <a:p>
-            <a:endParaRPr lang="en-US" dirty="0" smtClean="0"/>
-          </a:p>
-          <a:p>
-            <a:endParaRPr lang="en-US" dirty="0" smtClean="0"/>
-          </a:p>
-          <a:p>
-            <a:endParaRPr lang="en-US" dirty="0" smtClean="0"/>
-          </a:p>
-          <a:p>
-            <a:endParaRPr lang="en-US" dirty="0" smtClean="0"/>
-          </a:p>
-          <a:p>
-            <a:endParaRPr lang="en-US" dirty="0" smtClean="0"/>
-          </a:p>
-          <a:p>
-            <a:endParaRPr lang="en-US" dirty="0" smtClean="0"/>
-          </a:p>
-          <a:p>
-            <a:endParaRPr lang="en-US" dirty="0" smtClean="0"/>
-          </a:p>
-          <a:p>
-            <a:endParaRPr lang="en-US" dirty="0" smtClean="0"/>
-          </a:p>
-          <a:p>
-            <a:endParaRPr lang="en-US" dirty="0"/>
-          </a:p>
-        </p:txBody>
-      </p:sp>
-    </p:spTree>
-  </p:cSld>
-  <p:clrMapOvr>
-    <a:masterClrMapping/>
-  </p:clrMapOvr>
-  <p:timing>
-    <p:tnLst>
-      <p:par>
-        <p:cTn id="1" dur="indefinite" restart="never" nodeType="tmRoot"/>
-      </p:par>
-    </p:tnLst>
-  </p:timing>
-</p:sld>
-</file>
-
-<file path=ppt/slides/slide5.xml><?xml version="1.0" encoding="utf-8"?>
 <p:sld xmlns:a="http://schemas.openxmlformats.org/drawingml/2006/main" xmlns:r="http://schemas.openxmlformats.org/officeDocument/2006/relationships" xmlns:p="http://schemas.openxmlformats.org/presentationml/2006/main">
   <p:cSld>
     <p:spTree>
@@ -6420,6 +5977,1346 @@
           </a:p>
         </p:txBody>
       </p:sp>
+      <p:sp>
+        <p:nvSpPr>
+          <p:cNvPr id="5" name="TextBox 4"/>
+          <p:cNvSpPr txBox="1"/>
+          <p:nvPr/>
+        </p:nvSpPr>
+        <p:spPr>
+          <a:xfrm>
+            <a:off x="4800600" y="1981200"/>
+            <a:ext cx="3810000" cy="2308324"/>
+          </a:xfrm>
+          <a:prstGeom prst="rect">
+            <a:avLst/>
+          </a:prstGeom>
+          <a:noFill/>
+        </p:spPr>
+        <p:txBody>
+          <a:bodyPr wrap="square" rtlCol="0">
+            <a:spAutoFit/>
+          </a:bodyPr>
+          <a:lstStyle/>
+          <a:p>
+            <a:pPr marL="457200" indent="-457200">
+              <a:buAutoNum type="arabicPeriod"/>
+            </a:pPr>
+            <a:r>
+              <a:rPr lang="en-US" altLang="zh-CN" sz="2400" dirty="0" smtClean="0"/>
+              <a:t>What to do?</a:t>
+            </a:r>
+          </a:p>
+          <a:p>
+            <a:pPr marL="457200" indent="-457200">
+              <a:buAutoNum type="arabicPeriod"/>
+            </a:pPr>
+            <a:r>
+              <a:rPr lang="en-US" altLang="zh-CN" sz="2400" dirty="0" smtClean="0"/>
+              <a:t>Knowing each other.</a:t>
+            </a:r>
+          </a:p>
+          <a:p>
+            <a:pPr marL="457200" indent="-457200">
+              <a:buAutoNum type="arabicPeriod"/>
+            </a:pPr>
+            <a:r>
+              <a:rPr lang="en-US" altLang="zh-CN" sz="2400" dirty="0" smtClean="0"/>
+              <a:t>Decide how to work most effectively.</a:t>
+            </a:r>
+          </a:p>
+          <a:p>
+            <a:pPr marL="457200" indent="-457200">
+              <a:buAutoNum type="arabicPeriod"/>
+            </a:pPr>
+            <a:r>
+              <a:rPr lang="en-US" altLang="zh-CN" sz="2400" dirty="0" smtClean="0"/>
+              <a:t>Decision making.</a:t>
+            </a:r>
+          </a:p>
+          <a:p>
+            <a:pPr marL="457200" indent="-457200">
+              <a:buAutoNum type="arabicPeriod"/>
+            </a:pPr>
+            <a:r>
+              <a:rPr lang="en-US" altLang="zh-CN" sz="2400" dirty="0" smtClean="0"/>
+              <a:t>Help each other out.</a:t>
+            </a:r>
+          </a:p>
+        </p:txBody>
+      </p:sp>
+    </p:spTree>
+  </p:cSld>
+  <p:clrMapOvr>
+    <a:masterClrMapping/>
+  </p:clrMapOvr>
+  <p:timing>
+    <p:tnLst>
+      <p:par>
+        <p:cTn id="1" dur="indefinite" restart="never" nodeType="tmRoot">
+          <p:childTnLst>
+            <p:seq concurrent="1" nextAc="seek">
+              <p:cTn id="2" dur="indefinite" nodeType="mainSeq">
+                <p:childTnLst>
+                  <p:par>
+                    <p:cTn id="3" fill="hold">
+                      <p:stCondLst>
+                        <p:cond delay="indefinite"/>
+                      </p:stCondLst>
+                      <p:childTnLst>
+                        <p:par>
+                          <p:cTn id="4" fill="hold">
+                            <p:stCondLst>
+                              <p:cond delay="0"/>
+                            </p:stCondLst>
+                            <p:childTnLst>
+                              <p:par>
+                                <p:cTn id="5" presetID="10" presetClass="entr" presetSubtype="0" fill="hold" grpId="0" nodeType="clickEffect">
+                                  <p:stCondLst>
+                                    <p:cond delay="0"/>
+                                  </p:stCondLst>
+                                  <p:childTnLst>
+                                    <p:set>
+                                      <p:cBhvr>
+                                        <p:cTn id="6" dur="1" fill="hold">
+                                          <p:stCondLst>
+                                            <p:cond delay="0"/>
+                                          </p:stCondLst>
+                                        </p:cTn>
+                                        <p:tgtEl>
+                                          <p:spTgt spid="5">
+                                            <p:txEl>
+                                              <p:pRg st="0" end="0"/>
+                                            </p:txEl>
+                                          </p:spTgt>
+                                        </p:tgtEl>
+                                        <p:attrNameLst>
+                                          <p:attrName>style.visibility</p:attrName>
+                                        </p:attrNameLst>
+                                      </p:cBhvr>
+                                      <p:to>
+                                        <p:strVal val="visible"/>
+                                      </p:to>
+                                    </p:set>
+                                    <p:animEffect transition="in" filter="fade">
+                                      <p:cBhvr>
+                                        <p:cTn id="7" dur="2000"/>
+                                        <p:tgtEl>
+                                          <p:spTgt spid="5">
+                                            <p:txEl>
+                                              <p:pRg st="0" end="0"/>
+                                            </p:txEl>
+                                          </p:spTgt>
+                                        </p:tgtEl>
+                                      </p:cBhvr>
+                                    </p:animEffect>
+                                  </p:childTnLst>
+                                </p:cTn>
+                              </p:par>
+                            </p:childTnLst>
+                          </p:cTn>
+                        </p:par>
+                      </p:childTnLst>
+                    </p:cTn>
+                  </p:par>
+                  <p:par>
+                    <p:cTn id="8" fill="hold">
+                      <p:stCondLst>
+                        <p:cond delay="indefinite"/>
+                      </p:stCondLst>
+                      <p:childTnLst>
+                        <p:par>
+                          <p:cTn id="9" fill="hold">
+                            <p:stCondLst>
+                              <p:cond delay="0"/>
+                            </p:stCondLst>
+                            <p:childTnLst>
+                              <p:par>
+                                <p:cTn id="10" presetID="10" presetClass="entr" presetSubtype="0" fill="hold" grpId="0" nodeType="clickEffect">
+                                  <p:stCondLst>
+                                    <p:cond delay="0"/>
+                                  </p:stCondLst>
+                                  <p:childTnLst>
+                                    <p:set>
+                                      <p:cBhvr>
+                                        <p:cTn id="11" dur="1" fill="hold">
+                                          <p:stCondLst>
+                                            <p:cond delay="0"/>
+                                          </p:stCondLst>
+                                        </p:cTn>
+                                        <p:tgtEl>
+                                          <p:spTgt spid="5">
+                                            <p:txEl>
+                                              <p:pRg st="1" end="1"/>
+                                            </p:txEl>
+                                          </p:spTgt>
+                                        </p:tgtEl>
+                                        <p:attrNameLst>
+                                          <p:attrName>style.visibility</p:attrName>
+                                        </p:attrNameLst>
+                                      </p:cBhvr>
+                                      <p:to>
+                                        <p:strVal val="visible"/>
+                                      </p:to>
+                                    </p:set>
+                                    <p:animEffect transition="in" filter="fade">
+                                      <p:cBhvr>
+                                        <p:cTn id="12" dur="2000"/>
+                                        <p:tgtEl>
+                                          <p:spTgt spid="5">
+                                            <p:txEl>
+                                              <p:pRg st="1" end="1"/>
+                                            </p:txEl>
+                                          </p:spTgt>
+                                        </p:tgtEl>
+                                      </p:cBhvr>
+                                    </p:animEffect>
+                                  </p:childTnLst>
+                                </p:cTn>
+                              </p:par>
+                            </p:childTnLst>
+                          </p:cTn>
+                        </p:par>
+                      </p:childTnLst>
+                    </p:cTn>
+                  </p:par>
+                  <p:par>
+                    <p:cTn id="13" fill="hold">
+                      <p:stCondLst>
+                        <p:cond delay="indefinite"/>
+                      </p:stCondLst>
+                      <p:childTnLst>
+                        <p:par>
+                          <p:cTn id="14" fill="hold">
+                            <p:stCondLst>
+                              <p:cond delay="0"/>
+                            </p:stCondLst>
+                            <p:childTnLst>
+                              <p:par>
+                                <p:cTn id="15" presetID="10" presetClass="entr" presetSubtype="0" fill="hold" grpId="0" nodeType="clickEffect">
+                                  <p:stCondLst>
+                                    <p:cond delay="0"/>
+                                  </p:stCondLst>
+                                  <p:childTnLst>
+                                    <p:set>
+                                      <p:cBhvr>
+                                        <p:cTn id="16" dur="1" fill="hold">
+                                          <p:stCondLst>
+                                            <p:cond delay="0"/>
+                                          </p:stCondLst>
+                                        </p:cTn>
+                                        <p:tgtEl>
+                                          <p:spTgt spid="5">
+                                            <p:txEl>
+                                              <p:pRg st="2" end="2"/>
+                                            </p:txEl>
+                                          </p:spTgt>
+                                        </p:tgtEl>
+                                        <p:attrNameLst>
+                                          <p:attrName>style.visibility</p:attrName>
+                                        </p:attrNameLst>
+                                      </p:cBhvr>
+                                      <p:to>
+                                        <p:strVal val="visible"/>
+                                      </p:to>
+                                    </p:set>
+                                    <p:animEffect transition="in" filter="fade">
+                                      <p:cBhvr>
+                                        <p:cTn id="17" dur="2000"/>
+                                        <p:tgtEl>
+                                          <p:spTgt spid="5">
+                                            <p:txEl>
+                                              <p:pRg st="2" end="2"/>
+                                            </p:txEl>
+                                          </p:spTgt>
+                                        </p:tgtEl>
+                                      </p:cBhvr>
+                                    </p:animEffect>
+                                  </p:childTnLst>
+                                </p:cTn>
+                              </p:par>
+                            </p:childTnLst>
+                          </p:cTn>
+                        </p:par>
+                      </p:childTnLst>
+                    </p:cTn>
+                  </p:par>
+                  <p:par>
+                    <p:cTn id="18" fill="hold">
+                      <p:stCondLst>
+                        <p:cond delay="indefinite"/>
+                      </p:stCondLst>
+                      <p:childTnLst>
+                        <p:par>
+                          <p:cTn id="19" fill="hold">
+                            <p:stCondLst>
+                              <p:cond delay="0"/>
+                            </p:stCondLst>
+                            <p:childTnLst>
+                              <p:par>
+                                <p:cTn id="20" presetID="10" presetClass="entr" presetSubtype="0" fill="hold" grpId="0" nodeType="clickEffect">
+                                  <p:stCondLst>
+                                    <p:cond delay="0"/>
+                                  </p:stCondLst>
+                                  <p:childTnLst>
+                                    <p:set>
+                                      <p:cBhvr>
+                                        <p:cTn id="21" dur="1" fill="hold">
+                                          <p:stCondLst>
+                                            <p:cond delay="0"/>
+                                          </p:stCondLst>
+                                        </p:cTn>
+                                        <p:tgtEl>
+                                          <p:spTgt spid="5">
+                                            <p:txEl>
+                                              <p:pRg st="3" end="3"/>
+                                            </p:txEl>
+                                          </p:spTgt>
+                                        </p:tgtEl>
+                                        <p:attrNameLst>
+                                          <p:attrName>style.visibility</p:attrName>
+                                        </p:attrNameLst>
+                                      </p:cBhvr>
+                                      <p:to>
+                                        <p:strVal val="visible"/>
+                                      </p:to>
+                                    </p:set>
+                                    <p:animEffect transition="in" filter="fade">
+                                      <p:cBhvr>
+                                        <p:cTn id="22" dur="2000"/>
+                                        <p:tgtEl>
+                                          <p:spTgt spid="5">
+                                            <p:txEl>
+                                              <p:pRg st="3" end="3"/>
+                                            </p:txEl>
+                                          </p:spTgt>
+                                        </p:tgtEl>
+                                      </p:cBhvr>
+                                    </p:animEffect>
+                                  </p:childTnLst>
+                                </p:cTn>
+                              </p:par>
+                            </p:childTnLst>
+                          </p:cTn>
+                        </p:par>
+                      </p:childTnLst>
+                    </p:cTn>
+                  </p:par>
+                  <p:par>
+                    <p:cTn id="23" fill="hold">
+                      <p:stCondLst>
+                        <p:cond delay="indefinite"/>
+                      </p:stCondLst>
+                      <p:childTnLst>
+                        <p:par>
+                          <p:cTn id="24" fill="hold">
+                            <p:stCondLst>
+                              <p:cond delay="0"/>
+                            </p:stCondLst>
+                            <p:childTnLst>
+                              <p:par>
+                                <p:cTn id="25" presetID="10" presetClass="entr" presetSubtype="0" fill="hold" grpId="0" nodeType="clickEffect">
+                                  <p:stCondLst>
+                                    <p:cond delay="0"/>
+                                  </p:stCondLst>
+                                  <p:childTnLst>
+                                    <p:set>
+                                      <p:cBhvr>
+                                        <p:cTn id="26" dur="1" fill="hold">
+                                          <p:stCondLst>
+                                            <p:cond delay="0"/>
+                                          </p:stCondLst>
+                                        </p:cTn>
+                                        <p:tgtEl>
+                                          <p:spTgt spid="5">
+                                            <p:txEl>
+                                              <p:pRg st="4" end="4"/>
+                                            </p:txEl>
+                                          </p:spTgt>
+                                        </p:tgtEl>
+                                        <p:attrNameLst>
+                                          <p:attrName>style.visibility</p:attrName>
+                                        </p:attrNameLst>
+                                      </p:cBhvr>
+                                      <p:to>
+                                        <p:strVal val="visible"/>
+                                      </p:to>
+                                    </p:set>
+                                    <p:animEffect transition="in" filter="fade">
+                                      <p:cBhvr>
+                                        <p:cTn id="27" dur="2000"/>
+                                        <p:tgtEl>
+                                          <p:spTgt spid="5">
+                                            <p:txEl>
+                                              <p:pRg st="4" end="4"/>
+                                            </p:txEl>
+                                          </p:spTgt>
+                                        </p:tgtEl>
+                                      </p:cBhvr>
+                                    </p:animEffect>
+                                  </p:childTnLst>
+                                </p:cTn>
+                              </p:par>
+                            </p:childTnLst>
+                          </p:cTn>
+                        </p:par>
+                      </p:childTnLst>
+                    </p:cTn>
+                  </p:par>
+                </p:childTnLst>
+              </p:cTn>
+              <p:prevCondLst>
+                <p:cond evt="onPrev" delay="0">
+                  <p:tgtEl>
+                    <p:sldTgt/>
+                  </p:tgtEl>
+                </p:cond>
+              </p:prevCondLst>
+              <p:nextCondLst>
+                <p:cond evt="onNext" delay="0">
+                  <p:tgtEl>
+                    <p:sldTgt/>
+                  </p:tgtEl>
+                </p:cond>
+              </p:nextCondLst>
+            </p:seq>
+          </p:childTnLst>
+        </p:cTn>
+      </p:par>
+    </p:tnLst>
+    <p:bldLst>
+      <p:bldP spid="5" grpId="0" build="p"/>
+    </p:bldLst>
+  </p:timing>
+</p:sld>
+</file>
+
+<file path=ppt/slides/slide5.xml><?xml version="1.0" encoding="utf-8"?>
+<p:sld xmlns:a="http://schemas.openxmlformats.org/drawingml/2006/main" xmlns:r="http://schemas.openxmlformats.org/officeDocument/2006/relationships" xmlns:p="http://schemas.openxmlformats.org/presentationml/2006/main">
+  <p:cSld>
+    <p:spTree>
+      <p:nvGrpSpPr>
+        <p:cNvPr id="1" name=""/>
+        <p:cNvGrpSpPr/>
+        <p:nvPr/>
+      </p:nvGrpSpPr>
+      <p:grpSpPr>
+        <a:xfrm>
+          <a:off x="0" y="0"/>
+          <a:ext cx="0" cy="0"/>
+          <a:chOff x="0" y="0"/>
+          <a:chExt cx="0" cy="0"/>
+        </a:xfrm>
+      </p:grpSpPr>
+      <p:sp>
+        <p:nvSpPr>
+          <p:cNvPr id="2" name="Content Placeholder 1"/>
+          <p:cNvSpPr>
+            <a:spLocks noGrp="1"/>
+          </p:cNvSpPr>
+          <p:nvPr>
+            <p:ph idx="1"/>
+          </p:nvPr>
+        </p:nvSpPr>
+        <p:spPr>
+          <a:xfrm>
+            <a:off x="457200" y="1600200"/>
+            <a:ext cx="8229600" cy="3581400"/>
+          </a:xfrm>
+        </p:spPr>
+        <p:txBody>
+          <a:bodyPr/>
+          <a:lstStyle/>
+          <a:p>
+            <a:r>
+              <a:rPr lang="en-US" dirty="0" smtClean="0"/>
+              <a:t>Our aim</a:t>
+            </a:r>
+            <a:r>
+              <a:rPr lang="en-US" dirty="0" smtClean="0"/>
+              <a:t>: </a:t>
+            </a:r>
+            <a:r>
+              <a:rPr lang="en-US" dirty="0" smtClean="0"/>
+              <a:t>I</a:t>
+            </a:r>
+            <a:r>
+              <a:rPr lang="en-US" altLang="zh-CN" dirty="0" smtClean="0"/>
+              <a:t>mplement a file synchronization tool to synchronize files between multiple computers. Minimally, it should be able to synchronize a folder in one computer with a folder in another computer using an intermediary storage device.</a:t>
+            </a:r>
+            <a:endParaRPr lang="en-US" dirty="0" smtClean="0"/>
+          </a:p>
+          <a:p>
+            <a:endParaRPr lang="en-US" dirty="0" smtClean="0"/>
+          </a:p>
+          <a:p>
+            <a:endParaRPr lang="en-US" dirty="0" smtClean="0"/>
+          </a:p>
+          <a:p>
+            <a:endParaRPr lang="en-US" dirty="0" smtClean="0"/>
+          </a:p>
+          <a:p>
+            <a:endParaRPr lang="en-US" dirty="0" smtClean="0"/>
+          </a:p>
+          <a:p>
+            <a:endParaRPr lang="en-US" dirty="0" smtClean="0"/>
+          </a:p>
+          <a:p>
+            <a:endParaRPr lang="en-US" dirty="0" smtClean="0"/>
+          </a:p>
+          <a:p>
+            <a:endParaRPr lang="en-US" dirty="0" smtClean="0"/>
+          </a:p>
+          <a:p>
+            <a:endParaRPr lang="en-US" dirty="0" smtClean="0"/>
+          </a:p>
+          <a:p>
+            <a:endParaRPr lang="en-US" dirty="0" smtClean="0"/>
+          </a:p>
+          <a:p>
+            <a:endParaRPr lang="en-US" dirty="0" smtClean="0"/>
+          </a:p>
+          <a:p>
+            <a:endParaRPr lang="en-US" dirty="0" smtClean="0"/>
+          </a:p>
+          <a:p>
+            <a:endParaRPr lang="en-US" dirty="0" smtClean="0"/>
+          </a:p>
+          <a:p>
+            <a:endParaRPr lang="en-US" dirty="0" smtClean="0"/>
+          </a:p>
+          <a:p>
+            <a:endParaRPr lang="en-US" dirty="0" smtClean="0"/>
+          </a:p>
+          <a:p>
+            <a:endParaRPr lang="en-US" dirty="0" smtClean="0"/>
+          </a:p>
+          <a:p>
+            <a:endParaRPr lang="en-US" dirty="0" smtClean="0"/>
+          </a:p>
+          <a:p>
+            <a:endParaRPr lang="en-US" dirty="0" smtClean="0"/>
+          </a:p>
+          <a:p>
+            <a:endParaRPr lang="en-US" dirty="0" smtClean="0"/>
+          </a:p>
+          <a:p>
+            <a:endParaRPr lang="en-US" dirty="0" smtClean="0"/>
+          </a:p>
+          <a:p>
+            <a:endParaRPr lang="en-US" dirty="0" smtClean="0"/>
+          </a:p>
+          <a:p>
+            <a:endParaRPr lang="en-US" dirty="0" smtClean="0"/>
+          </a:p>
+          <a:p>
+            <a:endParaRPr lang="en-US" dirty="0" smtClean="0"/>
+          </a:p>
+          <a:p>
+            <a:endParaRPr lang="en-US" dirty="0" smtClean="0"/>
+          </a:p>
+          <a:p>
+            <a:endParaRPr lang="en-US" dirty="0" smtClean="0"/>
+          </a:p>
+          <a:p>
+            <a:endParaRPr lang="en-US" dirty="0" smtClean="0"/>
+          </a:p>
+          <a:p>
+            <a:endParaRPr lang="en-US" dirty="0" smtClean="0"/>
+          </a:p>
+          <a:p>
+            <a:endParaRPr lang="en-US" dirty="0" smtClean="0"/>
+          </a:p>
+          <a:p>
+            <a:endParaRPr lang="en-US" dirty="0" smtClean="0"/>
+          </a:p>
+          <a:p>
+            <a:endParaRPr lang="en-US" dirty="0" smtClean="0"/>
+          </a:p>
+          <a:p>
+            <a:endParaRPr lang="en-US" dirty="0"/>
+          </a:p>
+        </p:txBody>
+      </p:sp>
+    </p:spTree>
+  </p:cSld>
+  <p:clrMapOvr>
+    <a:masterClrMapping/>
+  </p:clrMapOvr>
+  <p:timing>
+    <p:tnLst>
+      <p:par>
+        <p:cTn id="1" dur="indefinite" restart="never" nodeType="tmRoot">
+          <p:childTnLst>
+            <p:seq concurrent="1" nextAc="seek">
+              <p:cTn id="2" dur="indefinite" nodeType="mainSeq">
+                <p:childTnLst>
+                  <p:par>
+                    <p:cTn id="3" fill="hold">
+                      <p:stCondLst>
+                        <p:cond delay="indefinite"/>
+                      </p:stCondLst>
+                      <p:childTnLst>
+                        <p:par>
+                          <p:cTn id="4" fill="hold">
+                            <p:stCondLst>
+                              <p:cond delay="0"/>
+                            </p:stCondLst>
+                            <p:childTnLst>
+                              <p:par>
+                                <p:cTn id="5" presetID="6" presetClass="emph" presetSubtype="0" fill="hold" grpId="0" nodeType="clickEffect">
+                                  <p:stCondLst>
+                                    <p:cond delay="0"/>
+                                  </p:stCondLst>
+                                  <p:childTnLst>
+                                    <p:animScale>
+                                      <p:cBhvr>
+                                        <p:cTn id="6" dur="2000" fill="hold"/>
+                                        <p:tgtEl>
+                                          <p:spTgt spid="2">
+                                            <p:txEl>
+                                              <p:pRg st="0" end="0"/>
+                                            </p:txEl>
+                                          </p:spTgt>
+                                        </p:tgtEl>
+                                      </p:cBhvr>
+                                      <p:by x="150000" y="150000"/>
+                                    </p:animScale>
+                                  </p:childTnLst>
+                                </p:cTn>
+                              </p:par>
+                            </p:childTnLst>
+                          </p:cTn>
+                        </p:par>
+                      </p:childTnLst>
+                    </p:cTn>
+                  </p:par>
+                </p:childTnLst>
+              </p:cTn>
+              <p:prevCondLst>
+                <p:cond evt="onPrev" delay="0">
+                  <p:tgtEl>
+                    <p:sldTgt/>
+                  </p:tgtEl>
+                </p:cond>
+              </p:prevCondLst>
+              <p:nextCondLst>
+                <p:cond evt="onNext" delay="0">
+                  <p:tgtEl>
+                    <p:sldTgt/>
+                  </p:tgtEl>
+                </p:cond>
+              </p:nextCondLst>
+            </p:seq>
+          </p:childTnLst>
+        </p:cTn>
+      </p:par>
+    </p:tnLst>
+    <p:bldLst>
+      <p:bldP spid="2" grpId="0" build="p"/>
+    </p:bldLst>
+  </p:timing>
+</p:sld>
+</file>
+
+<file path=ppt/slides/slide6.xml><?xml version="1.0" encoding="utf-8"?>
+<p:sld xmlns:a="http://schemas.openxmlformats.org/drawingml/2006/main" xmlns:r="http://schemas.openxmlformats.org/officeDocument/2006/relationships" xmlns:p="http://schemas.openxmlformats.org/presentationml/2006/main">
+  <p:cSld>
+    <p:spTree>
+      <p:nvGrpSpPr>
+        <p:cNvPr id="1" name=""/>
+        <p:cNvGrpSpPr/>
+        <p:nvPr/>
+      </p:nvGrpSpPr>
+      <p:grpSpPr>
+        <a:xfrm>
+          <a:off x="0" y="0"/>
+          <a:ext cx="0" cy="0"/>
+          <a:chOff x="0" y="0"/>
+          <a:chExt cx="0" cy="0"/>
+        </a:xfrm>
+      </p:grpSpPr>
+      <p:sp>
+        <p:nvSpPr>
+          <p:cNvPr id="2" name="内容占位符 1"/>
+          <p:cNvSpPr>
+            <a:spLocks noGrp="1"/>
+          </p:cNvSpPr>
+          <p:nvPr>
+            <p:ph idx="1"/>
+          </p:nvPr>
+        </p:nvSpPr>
+        <p:spPr/>
+        <p:txBody>
+          <a:bodyPr/>
+          <a:lstStyle/>
+          <a:p>
+            <a:r>
+              <a:rPr lang="en-US" altLang="zh-CN" dirty="0" smtClean="0"/>
+              <a:t>Get to know all team </a:t>
+            </a:r>
+            <a:r>
+              <a:rPr lang="en-US" altLang="zh-CN" dirty="0" smtClean="0"/>
+              <a:t>members </a:t>
+            </a:r>
+          </a:p>
+          <a:p>
+            <a:pPr>
+              <a:buNone/>
+            </a:pPr>
+            <a:r>
+              <a:rPr lang="en-US" altLang="zh-CN" dirty="0" smtClean="0"/>
+              <a:t> </a:t>
+            </a:r>
+            <a:r>
+              <a:rPr lang="en-US" altLang="zh-CN" dirty="0" smtClean="0"/>
+              <a:t> (1). </a:t>
+            </a:r>
+            <a:r>
+              <a:rPr lang="en-US" altLang="zh-CN" dirty="0" smtClean="0"/>
+              <a:t>S</a:t>
+            </a:r>
+            <a:r>
+              <a:rPr lang="en-US" altLang="zh-CN" dirty="0" smtClean="0"/>
+              <a:t>ee </a:t>
+            </a:r>
+            <a:r>
+              <a:rPr lang="en-US" altLang="zh-CN" dirty="0" smtClean="0"/>
+              <a:t>their strength and weakness.</a:t>
+            </a:r>
+          </a:p>
+          <a:p>
+            <a:pPr>
+              <a:buNone/>
+            </a:pPr>
+            <a:r>
+              <a:rPr lang="en-US" altLang="zh-CN" dirty="0" smtClean="0"/>
+              <a:t>  (2). Personal </a:t>
+            </a:r>
+            <a:r>
+              <a:rPr lang="en-US" altLang="zh-CN" dirty="0" smtClean="0"/>
+              <a:t>i</a:t>
+            </a:r>
+            <a:r>
+              <a:rPr lang="en-US" altLang="zh-CN" dirty="0" smtClean="0"/>
+              <a:t>nterest.</a:t>
+            </a:r>
+          </a:p>
+          <a:p>
+            <a:pPr>
+              <a:buNone/>
+            </a:pPr>
+            <a:r>
+              <a:rPr lang="en-US" altLang="zh-CN" dirty="0" smtClean="0"/>
+              <a:t> </a:t>
+            </a:r>
+            <a:endParaRPr lang="zh-CN" altLang="en-US" dirty="0"/>
+          </a:p>
+        </p:txBody>
+      </p:sp>
+      <p:sp>
+        <p:nvSpPr>
+          <p:cNvPr id="3" name="标题 2"/>
+          <p:cNvSpPr>
+            <a:spLocks noGrp="1"/>
+          </p:cNvSpPr>
+          <p:nvPr>
+            <p:ph type="title"/>
+          </p:nvPr>
+        </p:nvSpPr>
+        <p:spPr/>
+        <p:txBody>
+          <a:bodyPr>
+            <a:normAutofit fontScale="90000"/>
+          </a:bodyPr>
+          <a:lstStyle/>
+          <a:p>
+            <a:r>
+              <a:rPr lang="en-US" altLang="zh-CN" dirty="0" smtClean="0"/>
+              <a:t>Knowing each other is very important</a:t>
+            </a:r>
+            <a:endParaRPr lang="zh-CN" altLang="en-US" dirty="0"/>
+          </a:p>
+        </p:txBody>
+      </p:sp>
+    </p:spTree>
+  </p:cSld>
+  <p:clrMapOvr>
+    <a:masterClrMapping/>
+  </p:clrMapOvr>
+  <p:timing>
+    <p:tnLst>
+      <p:par>
+        <p:cTn id="1" dur="indefinite" restart="never" nodeType="tmRoot">
+          <p:childTnLst>
+            <p:seq concurrent="1" nextAc="seek">
+              <p:cTn id="2" dur="indefinite" nodeType="mainSeq">
+                <p:childTnLst>
+                  <p:par>
+                    <p:cTn id="3" fill="hold">
+                      <p:stCondLst>
+                        <p:cond delay="indefinite"/>
+                      </p:stCondLst>
+                      <p:childTnLst>
+                        <p:par>
+                          <p:cTn id="4" fill="hold">
+                            <p:stCondLst>
+                              <p:cond delay="0"/>
+                            </p:stCondLst>
+                            <p:childTnLst>
+                              <p:par>
+                                <p:cTn id="5" presetID="10" presetClass="entr" presetSubtype="0" fill="hold" grpId="0" nodeType="clickEffect">
+                                  <p:stCondLst>
+                                    <p:cond delay="0"/>
+                                  </p:stCondLst>
+                                  <p:childTnLst>
+                                    <p:set>
+                                      <p:cBhvr>
+                                        <p:cTn id="6" dur="1" fill="hold">
+                                          <p:stCondLst>
+                                            <p:cond delay="0"/>
+                                          </p:stCondLst>
+                                        </p:cTn>
+                                        <p:tgtEl>
+                                          <p:spTgt spid="3"/>
+                                        </p:tgtEl>
+                                        <p:attrNameLst>
+                                          <p:attrName>style.visibility</p:attrName>
+                                        </p:attrNameLst>
+                                      </p:cBhvr>
+                                      <p:to>
+                                        <p:strVal val="visible"/>
+                                      </p:to>
+                                    </p:set>
+                                    <p:animEffect transition="in" filter="fade">
+                                      <p:cBhvr>
+                                        <p:cTn id="7" dur="2000"/>
+                                        <p:tgtEl>
+                                          <p:spTgt spid="3"/>
+                                        </p:tgtEl>
+                                      </p:cBhvr>
+                                    </p:animEffect>
+                                  </p:childTnLst>
+                                </p:cTn>
+                              </p:par>
+                            </p:childTnLst>
+                          </p:cTn>
+                        </p:par>
+                      </p:childTnLst>
+                    </p:cTn>
+                  </p:par>
+                  <p:par>
+                    <p:cTn id="8" fill="hold">
+                      <p:stCondLst>
+                        <p:cond delay="indefinite"/>
+                      </p:stCondLst>
+                      <p:childTnLst>
+                        <p:par>
+                          <p:cTn id="9" fill="hold">
+                            <p:stCondLst>
+                              <p:cond delay="0"/>
+                            </p:stCondLst>
+                            <p:childTnLst>
+                              <p:par>
+                                <p:cTn id="10" presetID="2" presetClass="entr" presetSubtype="4" fill="hold" grpId="0" nodeType="clickEffect">
+                                  <p:stCondLst>
+                                    <p:cond delay="0"/>
+                                  </p:stCondLst>
+                                  <p:childTnLst>
+                                    <p:set>
+                                      <p:cBhvr>
+                                        <p:cTn id="11" dur="1" fill="hold">
+                                          <p:stCondLst>
+                                            <p:cond delay="0"/>
+                                          </p:stCondLst>
+                                        </p:cTn>
+                                        <p:tgtEl>
+                                          <p:spTgt spid="2">
+                                            <p:txEl>
+                                              <p:pRg st="0" end="0"/>
+                                            </p:txEl>
+                                          </p:spTgt>
+                                        </p:tgtEl>
+                                        <p:attrNameLst>
+                                          <p:attrName>style.visibility</p:attrName>
+                                        </p:attrNameLst>
+                                      </p:cBhvr>
+                                      <p:to>
+                                        <p:strVal val="visible"/>
+                                      </p:to>
+                                    </p:set>
+                                    <p:anim calcmode="lin" valueType="num">
+                                      <p:cBhvr additive="base">
+                                        <p:cTn id="12" dur="500" fill="hold"/>
+                                        <p:tgtEl>
+                                          <p:spTgt spid="2">
+                                            <p:txEl>
+                                              <p:pRg st="0" end="0"/>
+                                            </p:txEl>
+                                          </p:spTgt>
+                                        </p:tgtEl>
+                                        <p:attrNameLst>
+                                          <p:attrName>ppt_x</p:attrName>
+                                        </p:attrNameLst>
+                                      </p:cBhvr>
+                                      <p:tavLst>
+                                        <p:tav tm="0">
+                                          <p:val>
+                                            <p:strVal val="#ppt_x"/>
+                                          </p:val>
+                                        </p:tav>
+                                        <p:tav tm="100000">
+                                          <p:val>
+                                            <p:strVal val="#ppt_x"/>
+                                          </p:val>
+                                        </p:tav>
+                                      </p:tavLst>
+                                    </p:anim>
+                                    <p:anim calcmode="lin" valueType="num">
+                                      <p:cBhvr additive="base">
+                                        <p:cTn id="13" dur="500" fill="hold"/>
+                                        <p:tgtEl>
+                                          <p:spTgt spid="2">
+                                            <p:txEl>
+                                              <p:pRg st="0" end="0"/>
+                                            </p:txEl>
+                                          </p:spTgt>
+                                        </p:tgtEl>
+                                        <p:attrNameLst>
+                                          <p:attrName>ppt_y</p:attrName>
+                                        </p:attrNameLst>
+                                      </p:cBhvr>
+                                      <p:tavLst>
+                                        <p:tav tm="0">
+                                          <p:val>
+                                            <p:strVal val="1+#ppt_h/2"/>
+                                          </p:val>
+                                        </p:tav>
+                                        <p:tav tm="100000">
+                                          <p:val>
+                                            <p:strVal val="#ppt_y"/>
+                                          </p:val>
+                                        </p:tav>
+                                      </p:tavLst>
+                                    </p:anim>
+                                  </p:childTnLst>
+                                </p:cTn>
+                              </p:par>
+                            </p:childTnLst>
+                          </p:cTn>
+                        </p:par>
+                      </p:childTnLst>
+                    </p:cTn>
+                  </p:par>
+                  <p:par>
+                    <p:cTn id="14" fill="hold">
+                      <p:stCondLst>
+                        <p:cond delay="indefinite"/>
+                      </p:stCondLst>
+                      <p:childTnLst>
+                        <p:par>
+                          <p:cTn id="15" fill="hold">
+                            <p:stCondLst>
+                              <p:cond delay="0"/>
+                            </p:stCondLst>
+                            <p:childTnLst>
+                              <p:par>
+                                <p:cTn id="16" presetID="2" presetClass="entr" presetSubtype="4" fill="hold" grpId="0" nodeType="clickEffect">
+                                  <p:stCondLst>
+                                    <p:cond delay="0"/>
+                                  </p:stCondLst>
+                                  <p:childTnLst>
+                                    <p:set>
+                                      <p:cBhvr>
+                                        <p:cTn id="17" dur="1" fill="hold">
+                                          <p:stCondLst>
+                                            <p:cond delay="0"/>
+                                          </p:stCondLst>
+                                        </p:cTn>
+                                        <p:tgtEl>
+                                          <p:spTgt spid="2">
+                                            <p:txEl>
+                                              <p:pRg st="1" end="1"/>
+                                            </p:txEl>
+                                          </p:spTgt>
+                                        </p:tgtEl>
+                                        <p:attrNameLst>
+                                          <p:attrName>style.visibility</p:attrName>
+                                        </p:attrNameLst>
+                                      </p:cBhvr>
+                                      <p:to>
+                                        <p:strVal val="visible"/>
+                                      </p:to>
+                                    </p:set>
+                                    <p:anim calcmode="lin" valueType="num">
+                                      <p:cBhvr additive="base">
+                                        <p:cTn id="18" dur="500" fill="hold"/>
+                                        <p:tgtEl>
+                                          <p:spTgt spid="2">
+                                            <p:txEl>
+                                              <p:pRg st="1" end="1"/>
+                                            </p:txEl>
+                                          </p:spTgt>
+                                        </p:tgtEl>
+                                        <p:attrNameLst>
+                                          <p:attrName>ppt_x</p:attrName>
+                                        </p:attrNameLst>
+                                      </p:cBhvr>
+                                      <p:tavLst>
+                                        <p:tav tm="0">
+                                          <p:val>
+                                            <p:strVal val="#ppt_x"/>
+                                          </p:val>
+                                        </p:tav>
+                                        <p:tav tm="100000">
+                                          <p:val>
+                                            <p:strVal val="#ppt_x"/>
+                                          </p:val>
+                                        </p:tav>
+                                      </p:tavLst>
+                                    </p:anim>
+                                    <p:anim calcmode="lin" valueType="num">
+                                      <p:cBhvr additive="base">
+                                        <p:cTn id="19" dur="500" fill="hold"/>
+                                        <p:tgtEl>
+                                          <p:spTgt spid="2">
+                                            <p:txEl>
+                                              <p:pRg st="1" end="1"/>
+                                            </p:txEl>
+                                          </p:spTgt>
+                                        </p:tgtEl>
+                                        <p:attrNameLst>
+                                          <p:attrName>ppt_y</p:attrName>
+                                        </p:attrNameLst>
+                                      </p:cBhvr>
+                                      <p:tavLst>
+                                        <p:tav tm="0">
+                                          <p:val>
+                                            <p:strVal val="1+#ppt_h/2"/>
+                                          </p:val>
+                                        </p:tav>
+                                        <p:tav tm="100000">
+                                          <p:val>
+                                            <p:strVal val="#ppt_y"/>
+                                          </p:val>
+                                        </p:tav>
+                                      </p:tavLst>
+                                    </p:anim>
+                                  </p:childTnLst>
+                                </p:cTn>
+                              </p:par>
+                            </p:childTnLst>
+                          </p:cTn>
+                        </p:par>
+                      </p:childTnLst>
+                    </p:cTn>
+                  </p:par>
+                  <p:par>
+                    <p:cTn id="20" fill="hold">
+                      <p:stCondLst>
+                        <p:cond delay="indefinite"/>
+                      </p:stCondLst>
+                      <p:childTnLst>
+                        <p:par>
+                          <p:cTn id="21" fill="hold">
+                            <p:stCondLst>
+                              <p:cond delay="0"/>
+                            </p:stCondLst>
+                            <p:childTnLst>
+                              <p:par>
+                                <p:cTn id="22" presetID="2" presetClass="entr" presetSubtype="4" fill="hold" grpId="0" nodeType="clickEffect">
+                                  <p:stCondLst>
+                                    <p:cond delay="0"/>
+                                  </p:stCondLst>
+                                  <p:childTnLst>
+                                    <p:set>
+                                      <p:cBhvr>
+                                        <p:cTn id="23" dur="1" fill="hold">
+                                          <p:stCondLst>
+                                            <p:cond delay="0"/>
+                                          </p:stCondLst>
+                                        </p:cTn>
+                                        <p:tgtEl>
+                                          <p:spTgt spid="2">
+                                            <p:txEl>
+                                              <p:pRg st="2" end="2"/>
+                                            </p:txEl>
+                                          </p:spTgt>
+                                        </p:tgtEl>
+                                        <p:attrNameLst>
+                                          <p:attrName>style.visibility</p:attrName>
+                                        </p:attrNameLst>
+                                      </p:cBhvr>
+                                      <p:to>
+                                        <p:strVal val="visible"/>
+                                      </p:to>
+                                    </p:set>
+                                    <p:anim calcmode="lin" valueType="num">
+                                      <p:cBhvr additive="base">
+                                        <p:cTn id="24" dur="500" fill="hold"/>
+                                        <p:tgtEl>
+                                          <p:spTgt spid="2">
+                                            <p:txEl>
+                                              <p:pRg st="2" end="2"/>
+                                            </p:txEl>
+                                          </p:spTgt>
+                                        </p:tgtEl>
+                                        <p:attrNameLst>
+                                          <p:attrName>ppt_x</p:attrName>
+                                        </p:attrNameLst>
+                                      </p:cBhvr>
+                                      <p:tavLst>
+                                        <p:tav tm="0">
+                                          <p:val>
+                                            <p:strVal val="#ppt_x"/>
+                                          </p:val>
+                                        </p:tav>
+                                        <p:tav tm="100000">
+                                          <p:val>
+                                            <p:strVal val="#ppt_x"/>
+                                          </p:val>
+                                        </p:tav>
+                                      </p:tavLst>
+                                    </p:anim>
+                                    <p:anim calcmode="lin" valueType="num">
+                                      <p:cBhvr additive="base">
+                                        <p:cTn id="25" dur="500" fill="hold"/>
+                                        <p:tgtEl>
+                                          <p:spTgt spid="2">
+                                            <p:txEl>
+                                              <p:pRg st="2" end="2"/>
+                                            </p:txEl>
+                                          </p:spTgt>
+                                        </p:tgtEl>
+                                        <p:attrNameLst>
+                                          <p:attrName>ppt_y</p:attrName>
+                                        </p:attrNameLst>
+                                      </p:cBhvr>
+                                      <p:tavLst>
+                                        <p:tav tm="0">
+                                          <p:val>
+                                            <p:strVal val="1+#ppt_h/2"/>
+                                          </p:val>
+                                        </p:tav>
+                                        <p:tav tm="100000">
+                                          <p:val>
+                                            <p:strVal val="#ppt_y"/>
+                                          </p:val>
+                                        </p:tav>
+                                      </p:tavLst>
+                                    </p:anim>
+                                  </p:childTnLst>
+                                </p:cTn>
+                              </p:par>
+                            </p:childTnLst>
+                          </p:cTn>
+                        </p:par>
+                      </p:childTnLst>
+                    </p:cTn>
+                  </p:par>
+                  <p:par>
+                    <p:cTn id="26" fill="hold">
+                      <p:stCondLst>
+                        <p:cond delay="indefinite"/>
+                      </p:stCondLst>
+                      <p:childTnLst>
+                        <p:par>
+                          <p:cTn id="27" fill="hold">
+                            <p:stCondLst>
+                              <p:cond delay="0"/>
+                            </p:stCondLst>
+                            <p:childTnLst>
+                              <p:par>
+                                <p:cTn id="28" presetID="2" presetClass="entr" presetSubtype="4" fill="hold" grpId="0" nodeType="clickEffect">
+                                  <p:stCondLst>
+                                    <p:cond delay="0"/>
+                                  </p:stCondLst>
+                                  <p:childTnLst>
+                                    <p:set>
+                                      <p:cBhvr>
+                                        <p:cTn id="29" dur="1" fill="hold">
+                                          <p:stCondLst>
+                                            <p:cond delay="0"/>
+                                          </p:stCondLst>
+                                        </p:cTn>
+                                        <p:tgtEl>
+                                          <p:spTgt spid="2">
+                                            <p:txEl>
+                                              <p:pRg st="3" end="3"/>
+                                            </p:txEl>
+                                          </p:spTgt>
+                                        </p:tgtEl>
+                                        <p:attrNameLst>
+                                          <p:attrName>style.visibility</p:attrName>
+                                        </p:attrNameLst>
+                                      </p:cBhvr>
+                                      <p:to>
+                                        <p:strVal val="visible"/>
+                                      </p:to>
+                                    </p:set>
+                                    <p:anim calcmode="lin" valueType="num">
+                                      <p:cBhvr additive="base">
+                                        <p:cTn id="30" dur="500" fill="hold"/>
+                                        <p:tgtEl>
+                                          <p:spTgt spid="2">
+                                            <p:txEl>
+                                              <p:pRg st="3" end="3"/>
+                                            </p:txEl>
+                                          </p:spTgt>
+                                        </p:tgtEl>
+                                        <p:attrNameLst>
+                                          <p:attrName>ppt_x</p:attrName>
+                                        </p:attrNameLst>
+                                      </p:cBhvr>
+                                      <p:tavLst>
+                                        <p:tav tm="0">
+                                          <p:val>
+                                            <p:strVal val="#ppt_x"/>
+                                          </p:val>
+                                        </p:tav>
+                                        <p:tav tm="100000">
+                                          <p:val>
+                                            <p:strVal val="#ppt_x"/>
+                                          </p:val>
+                                        </p:tav>
+                                      </p:tavLst>
+                                    </p:anim>
+                                    <p:anim calcmode="lin" valueType="num">
+                                      <p:cBhvr additive="base">
+                                        <p:cTn id="31" dur="500" fill="hold"/>
+                                        <p:tgtEl>
+                                          <p:spTgt spid="2">
+                                            <p:txEl>
+                                              <p:pRg st="3" end="3"/>
+                                            </p:txEl>
+                                          </p:spTgt>
+                                        </p:tgtEl>
+                                        <p:attrNameLst>
+                                          <p:attrName>ppt_y</p:attrName>
+                                        </p:attrNameLst>
+                                      </p:cBhvr>
+                                      <p:tavLst>
+                                        <p:tav tm="0">
+                                          <p:val>
+                                            <p:strVal val="1+#ppt_h/2"/>
+                                          </p:val>
+                                        </p:tav>
+                                        <p:tav tm="100000">
+                                          <p:val>
+                                            <p:strVal val="#ppt_y"/>
+                                          </p:val>
+                                        </p:tav>
+                                      </p:tavLst>
+                                    </p:anim>
+                                  </p:childTnLst>
+                                </p:cTn>
+                              </p:par>
+                            </p:childTnLst>
+                          </p:cTn>
+                        </p:par>
+                      </p:childTnLst>
+                    </p:cTn>
+                  </p:par>
+                </p:childTnLst>
+              </p:cTn>
+              <p:prevCondLst>
+                <p:cond evt="onPrev" delay="0">
+                  <p:tgtEl>
+                    <p:sldTgt/>
+                  </p:tgtEl>
+                </p:cond>
+              </p:prevCondLst>
+              <p:nextCondLst>
+                <p:cond evt="onNext" delay="0">
+                  <p:tgtEl>
+                    <p:sldTgt/>
+                  </p:tgtEl>
+                </p:cond>
+              </p:nextCondLst>
+            </p:seq>
+          </p:childTnLst>
+        </p:cTn>
+      </p:par>
+    </p:tnLst>
+    <p:bldLst>
+      <p:bldP spid="2" grpId="0" build="p"/>
+      <p:bldP spid="3" grpId="0"/>
+    </p:bldLst>
+  </p:timing>
+</p:sld>
+</file>
+
+<file path=ppt/slides/slide7.xml><?xml version="1.0" encoding="utf-8"?>
+<p:sld xmlns:a="http://schemas.openxmlformats.org/drawingml/2006/main" xmlns:r="http://schemas.openxmlformats.org/officeDocument/2006/relationships" xmlns:p="http://schemas.openxmlformats.org/presentationml/2006/main">
+  <p:cSld>
+    <p:spTree>
+      <p:nvGrpSpPr>
+        <p:cNvPr id="1" name=""/>
+        <p:cNvGrpSpPr/>
+        <p:nvPr/>
+      </p:nvGrpSpPr>
+      <p:grpSpPr>
+        <a:xfrm>
+          <a:off x="0" y="0"/>
+          <a:ext cx="0" cy="0"/>
+          <a:chOff x="0" y="0"/>
+          <a:chExt cx="0" cy="0"/>
+        </a:xfrm>
+      </p:grpSpPr>
+      <p:sp>
+        <p:nvSpPr>
+          <p:cNvPr id="2" name="内容占位符 1"/>
+          <p:cNvSpPr>
+            <a:spLocks noGrp="1"/>
+          </p:cNvSpPr>
+          <p:nvPr>
+            <p:ph idx="1"/>
+          </p:nvPr>
+        </p:nvSpPr>
+        <p:spPr/>
+        <p:txBody>
+          <a:bodyPr/>
+          <a:lstStyle/>
+          <a:p>
+            <a:r>
+              <a:rPr lang="en-US" altLang="zh-CN" dirty="0" smtClean="0"/>
+              <a:t>This means the way we work together. </a:t>
+            </a:r>
+            <a:r>
+              <a:rPr lang="en-US" altLang="zh-CN" dirty="0" err="1" smtClean="0"/>
+              <a:t>Eg</a:t>
+            </a:r>
+            <a:r>
+              <a:rPr lang="en-US" altLang="zh-CN" dirty="0" smtClean="0"/>
+              <a:t>: everyone go back and code individually, or we discuss together then code together.</a:t>
+            </a:r>
+            <a:endParaRPr lang="zh-CN" altLang="en-US" dirty="0"/>
+          </a:p>
+        </p:txBody>
+      </p:sp>
+      <p:sp>
+        <p:nvSpPr>
+          <p:cNvPr id="3" name="标题 2"/>
+          <p:cNvSpPr>
+            <a:spLocks noGrp="1"/>
+          </p:cNvSpPr>
+          <p:nvPr>
+            <p:ph type="title"/>
+          </p:nvPr>
+        </p:nvSpPr>
+        <p:spPr/>
+        <p:txBody>
+          <a:bodyPr/>
+          <a:lstStyle/>
+          <a:p>
+            <a:r>
+              <a:rPr lang="en-US" altLang="zh-CN" dirty="0" smtClean="0"/>
+              <a:t>How to work</a:t>
+            </a:r>
+            <a:endParaRPr lang="zh-CN" altLang="en-US" dirty="0"/>
+          </a:p>
+        </p:txBody>
+      </p:sp>
     </p:spTree>
   </p:cSld>
   <p:clrMapOvr>
@@ -6435,7 +7332,7 @@
 </p:sld>
 </file>
 
-<file path=ppt/slides/slide6.xml><?xml version="1.0" encoding="utf-8"?>
+<file path=ppt/slides/slide8.xml><?xml version="1.0" encoding="utf-8"?>
 <p:sld xmlns:a="http://schemas.openxmlformats.org/drawingml/2006/main" xmlns:r="http://schemas.openxmlformats.org/officeDocument/2006/relationships" xmlns:p="http://schemas.openxmlformats.org/presentationml/2006/main">
   <p:cSld>
     <p:spTree>
@@ -7298,167 +8195,6 @@
 </p:sld>
 </file>
 
-<file path=ppt/slides/slide7.xml><?xml version="1.0" encoding="utf-8"?>
-<p:sld xmlns:a="http://schemas.openxmlformats.org/drawingml/2006/main" xmlns:r="http://schemas.openxmlformats.org/officeDocument/2006/relationships" xmlns:p="http://schemas.openxmlformats.org/presentationml/2006/main">
-  <p:cSld>
-    <p:spTree>
-      <p:nvGrpSpPr>
-        <p:cNvPr id="1" name=""/>
-        <p:cNvGrpSpPr/>
-        <p:nvPr/>
-      </p:nvGrpSpPr>
-      <p:grpSpPr>
-        <a:xfrm>
-          <a:off x="0" y="0"/>
-          <a:ext cx="0" cy="0"/>
-          <a:chOff x="0" y="0"/>
-          <a:chExt cx="0" cy="0"/>
-        </a:xfrm>
-      </p:grpSpPr>
-      <p:sp>
-        <p:nvSpPr>
-          <p:cNvPr id="2" name="内容占位符 1"/>
-          <p:cNvSpPr>
-            <a:spLocks noGrp="1"/>
-          </p:cNvSpPr>
-          <p:nvPr>
-            <p:ph idx="1"/>
-          </p:nvPr>
-        </p:nvSpPr>
-        <p:spPr/>
-        <p:txBody>
-          <a:bodyPr/>
-          <a:lstStyle/>
-          <a:p>
-            <a:r>
-              <a:rPr lang="en-US" altLang="zh-CN" dirty="0" smtClean="0"/>
-              <a:t>Get to know all team members, see their strength and weakness.</a:t>
-            </a:r>
-          </a:p>
-          <a:p>
-            <a:endParaRPr lang="zh-CN" altLang="en-US" dirty="0"/>
-          </a:p>
-        </p:txBody>
-      </p:sp>
-      <p:sp>
-        <p:nvSpPr>
-          <p:cNvPr id="3" name="标题 2"/>
-          <p:cNvSpPr>
-            <a:spLocks noGrp="1"/>
-          </p:cNvSpPr>
-          <p:nvPr>
-            <p:ph type="title"/>
-          </p:nvPr>
-        </p:nvSpPr>
-        <p:spPr/>
-        <p:txBody>
-          <a:bodyPr>
-            <a:normAutofit fontScale="90000"/>
-          </a:bodyPr>
-          <a:lstStyle/>
-          <a:p>
-            <a:r>
-              <a:rPr lang="en-US" altLang="zh-CN" dirty="0" smtClean="0"/>
-              <a:t>Knowing each other is very important</a:t>
-            </a:r>
-            <a:endParaRPr lang="zh-CN" altLang="en-US" dirty="0"/>
-          </a:p>
-        </p:txBody>
-      </p:sp>
-    </p:spTree>
-  </p:cSld>
-  <p:clrMapOvr>
-    <a:masterClrMapping/>
-  </p:clrMapOvr>
-  <p:timing>
-    <p:tnLst>
-      <p:par>
-        <p:cTn id="1" dur="indefinite" restart="never" nodeType="tmRoot"/>
-      </p:par>
-    </p:tnLst>
-  </p:timing>
-</p:sld>
-</file>
-
-<file path=ppt/slides/slide8.xml><?xml version="1.0" encoding="utf-8"?>
-<p:sld xmlns:a="http://schemas.openxmlformats.org/drawingml/2006/main" xmlns:r="http://schemas.openxmlformats.org/officeDocument/2006/relationships" xmlns:p="http://schemas.openxmlformats.org/presentationml/2006/main">
-  <p:cSld>
-    <p:spTree>
-      <p:nvGrpSpPr>
-        <p:cNvPr id="1" name=""/>
-        <p:cNvGrpSpPr/>
-        <p:nvPr/>
-      </p:nvGrpSpPr>
-      <p:grpSpPr>
-        <a:xfrm>
-          <a:off x="0" y="0"/>
-          <a:ext cx="0" cy="0"/>
-          <a:chOff x="0" y="0"/>
-          <a:chExt cx="0" cy="0"/>
-        </a:xfrm>
-      </p:grpSpPr>
-      <p:sp>
-        <p:nvSpPr>
-          <p:cNvPr id="2" name="内容占位符 1"/>
-          <p:cNvSpPr>
-            <a:spLocks noGrp="1"/>
-          </p:cNvSpPr>
-          <p:nvPr>
-            <p:ph idx="1"/>
-          </p:nvPr>
-        </p:nvSpPr>
-        <p:spPr/>
-        <p:txBody>
-          <a:bodyPr/>
-          <a:lstStyle/>
-          <a:p>
-            <a:r>
-              <a:rPr lang="en-US" altLang="zh-CN" dirty="0" smtClean="0"/>
-              <a:t>This means the way we work together. </a:t>
-            </a:r>
-            <a:r>
-              <a:rPr lang="en-US" altLang="zh-CN" dirty="0" err="1" smtClean="0"/>
-              <a:t>Eg</a:t>
-            </a:r>
-            <a:r>
-              <a:rPr lang="en-US" altLang="zh-CN" dirty="0" smtClean="0"/>
-              <a:t>: everyone go back and code individually, or we discuss together then code together.</a:t>
-            </a:r>
-            <a:endParaRPr lang="zh-CN" altLang="en-US" dirty="0"/>
-          </a:p>
-        </p:txBody>
-      </p:sp>
-      <p:sp>
-        <p:nvSpPr>
-          <p:cNvPr id="3" name="标题 2"/>
-          <p:cNvSpPr>
-            <a:spLocks noGrp="1"/>
-          </p:cNvSpPr>
-          <p:nvPr>
-            <p:ph type="title"/>
-          </p:nvPr>
-        </p:nvSpPr>
-        <p:spPr/>
-        <p:txBody>
-          <a:bodyPr/>
-          <a:lstStyle/>
-          <a:p>
-            <a:r>
-              <a:rPr lang="en-US" altLang="zh-CN" dirty="0" smtClean="0"/>
-              <a:t>How to work</a:t>
-            </a:r>
-            <a:endParaRPr lang="zh-CN" altLang="en-US" dirty="0"/>
-          </a:p>
-        </p:txBody>
-      </p:sp>
-    </p:spTree>
-  </p:cSld>
-  <p:clrMapOvr>
-    <a:masterClrMapping/>
-  </p:clrMapOvr>
-</p:sld>
-</file>
-
 <file path=ppt/slides/slide9.xml><?xml version="1.0" encoding="utf-8"?>
 <p:sld xmlns:a="http://schemas.openxmlformats.org/drawingml/2006/main" xmlns:r="http://schemas.openxmlformats.org/officeDocument/2006/relationships" xmlns:p="http://schemas.openxmlformats.org/presentationml/2006/main">
   <p:cSld>
@@ -7493,8 +8229,44 @@
           <a:p>
             <a:r>
               <a:rPr lang="en-US" altLang="zh-CN" dirty="0" smtClean="0"/>
-              <a:t>One person decide something.</a:t>
-            </a:r>
+              <a:t>One person decide something</a:t>
+            </a:r>
+            <a:r>
+              <a:rPr lang="en-US" altLang="zh-CN" dirty="0" smtClean="0"/>
+              <a:t>.</a:t>
+            </a:r>
+          </a:p>
+          <a:p>
+            <a:r>
+              <a:rPr lang="en-US" altLang="zh-CN" dirty="0" smtClean="0"/>
+              <a:t>The decision must be set fast.</a:t>
+            </a:r>
+          </a:p>
+          <a:p>
+            <a:r>
+              <a:rPr lang="en-US" altLang="zh-CN" dirty="0" smtClean="0"/>
+              <a:t>Once made decision, everyone </a:t>
+            </a:r>
+          </a:p>
+          <a:p>
+            <a:pPr>
+              <a:buNone/>
+            </a:pPr>
+            <a:r>
+              <a:rPr lang="en-US" altLang="zh-CN" dirty="0" smtClean="0"/>
+              <a:t>  have to follow it, whenever meet </a:t>
+            </a:r>
+          </a:p>
+          <a:p>
+            <a:pPr>
+              <a:buNone/>
+            </a:pPr>
+            <a:r>
+              <a:rPr lang="en-US" altLang="zh-CN" dirty="0" smtClean="0"/>
+              <a:t>  difficulties, make decision again </a:t>
+            </a:r>
+          </a:p>
+          <a:p>
             <a:endParaRPr lang="zh-CN" altLang="en-US" dirty="0"/>
           </a:p>
         </p:txBody>
@@ -7522,11 +8294,290 @@
           </a:p>
         </p:txBody>
       </p:sp>
+      <p:pic>
+        <p:nvPicPr>
+          <p:cNvPr id="4" name="图片 3" descr="decision-making.jpg"/>
+          <p:cNvPicPr>
+            <a:picLocks noChangeAspect="1"/>
+          </p:cNvPicPr>
+          <p:nvPr/>
+        </p:nvPicPr>
+        <p:blipFill>
+          <a:blip r:embed="rId2" cstate="print"/>
+          <a:stretch>
+            <a:fillRect/>
+          </a:stretch>
+        </p:blipFill>
+        <p:spPr>
+          <a:xfrm>
+            <a:off x="5562600" y="1676400"/>
+            <a:ext cx="2517922" cy="4191000"/>
+          </a:xfrm>
+          <a:prstGeom prst="rect">
+            <a:avLst/>
+          </a:prstGeom>
+        </p:spPr>
+      </p:pic>
+      <p:sp>
+        <p:nvSpPr>
+          <p:cNvPr id="6" name="椭圆 5"/>
+          <p:cNvSpPr/>
+          <p:nvPr/>
+        </p:nvSpPr>
+        <p:spPr>
+          <a:xfrm>
+            <a:off x="5105400" y="3962400"/>
+            <a:ext cx="1371600" cy="685800"/>
+          </a:xfrm>
+          <a:prstGeom prst="ellipse">
+            <a:avLst/>
+          </a:prstGeom>
+        </p:spPr>
+        <p:style>
+          <a:lnRef idx="2">
+            <a:schemeClr val="accent1">
+              <a:shade val="50000"/>
+            </a:schemeClr>
+          </a:lnRef>
+          <a:fillRef idx="1">
+            <a:schemeClr val="accent1"/>
+          </a:fillRef>
+          <a:effectRef idx="0">
+            <a:schemeClr val="accent1"/>
+          </a:effectRef>
+          <a:fontRef idx="minor">
+            <a:schemeClr val="lt1"/>
+          </a:fontRef>
+        </p:style>
+        <p:txBody>
+          <a:bodyPr rtlCol="0" anchor="ctr"/>
+          <a:lstStyle/>
+          <a:p>
+            <a:pPr algn="ctr"/>
+            <a:endParaRPr lang="zh-CN" altLang="en-US"/>
+          </a:p>
+        </p:txBody>
+      </p:sp>
+      <p:sp>
+        <p:nvSpPr>
+          <p:cNvPr id="8" name="椭圆 7"/>
+          <p:cNvSpPr/>
+          <p:nvPr/>
+        </p:nvSpPr>
+        <p:spPr>
+          <a:xfrm>
+            <a:off x="6096000" y="3810000"/>
+            <a:ext cx="381000" cy="152400"/>
+          </a:xfrm>
+          <a:prstGeom prst="ellipse">
+            <a:avLst/>
+          </a:prstGeom>
+        </p:spPr>
+        <p:style>
+          <a:lnRef idx="2">
+            <a:schemeClr val="accent1">
+              <a:shade val="50000"/>
+            </a:schemeClr>
+          </a:lnRef>
+          <a:fillRef idx="1">
+            <a:schemeClr val="accent1"/>
+          </a:fillRef>
+          <a:effectRef idx="0">
+            <a:schemeClr val="accent1"/>
+          </a:effectRef>
+          <a:fontRef idx="minor">
+            <a:schemeClr val="lt1"/>
+          </a:fontRef>
+        </p:style>
+        <p:txBody>
+          <a:bodyPr rtlCol="0" anchor="ctr"/>
+          <a:lstStyle/>
+          <a:p>
+            <a:pPr algn="ctr"/>
+            <a:endParaRPr lang="zh-CN" altLang="en-US"/>
+          </a:p>
+        </p:txBody>
+      </p:sp>
+      <p:sp>
+        <p:nvSpPr>
+          <p:cNvPr id="9" name="下弧形箭头 8"/>
+          <p:cNvSpPr/>
+          <p:nvPr/>
+        </p:nvSpPr>
+        <p:spPr>
+          <a:xfrm rot="14941558">
+            <a:off x="5630659" y="4219028"/>
+            <a:ext cx="497441" cy="161397"/>
+          </a:xfrm>
+          <a:prstGeom prst="curvedUpArrow">
+            <a:avLst/>
+          </a:prstGeom>
+        </p:spPr>
+        <p:style>
+          <a:lnRef idx="2">
+            <a:schemeClr val="accent1">
+              <a:shade val="50000"/>
+            </a:schemeClr>
+          </a:lnRef>
+          <a:fillRef idx="1">
+            <a:schemeClr val="accent1"/>
+          </a:fillRef>
+          <a:effectRef idx="0">
+            <a:schemeClr val="accent1"/>
+          </a:effectRef>
+          <a:fontRef idx="minor">
+            <a:schemeClr val="lt1"/>
+          </a:fontRef>
+        </p:style>
+        <p:txBody>
+          <a:bodyPr rtlCol="0" anchor="ctr"/>
+          <a:lstStyle/>
+          <a:p>
+            <a:pPr algn="ctr"/>
+            <a:endParaRPr lang="zh-CN" altLang="en-US">
+              <a:solidFill>
+                <a:schemeClr val="tx1"/>
+              </a:solidFill>
+            </a:endParaRPr>
+          </a:p>
+        </p:txBody>
+      </p:sp>
+      <p:sp>
+        <p:nvSpPr>
+          <p:cNvPr id="10" name="流程图: 准备 9"/>
+          <p:cNvSpPr/>
+          <p:nvPr/>
+        </p:nvSpPr>
+        <p:spPr>
+          <a:xfrm>
+            <a:off x="6477000" y="3657600"/>
+            <a:ext cx="76200" cy="76200"/>
+          </a:xfrm>
+          <a:prstGeom prst="flowChartPreparation">
+            <a:avLst/>
+          </a:prstGeom>
+        </p:spPr>
+        <p:style>
+          <a:lnRef idx="2">
+            <a:schemeClr val="accent1">
+              <a:shade val="50000"/>
+            </a:schemeClr>
+          </a:lnRef>
+          <a:fillRef idx="1">
+            <a:schemeClr val="accent1"/>
+          </a:fillRef>
+          <a:effectRef idx="0">
+            <a:schemeClr val="accent1"/>
+          </a:effectRef>
+          <a:fontRef idx="minor">
+            <a:schemeClr val="lt1"/>
+          </a:fontRef>
+        </p:style>
+        <p:txBody>
+          <a:bodyPr rtlCol="0" anchor="ctr"/>
+          <a:lstStyle/>
+          <a:p>
+            <a:pPr algn="ctr"/>
+            <a:endParaRPr lang="zh-CN" altLang="en-US"/>
+          </a:p>
+        </p:txBody>
+      </p:sp>
+      <p:sp>
+        <p:nvSpPr>
+          <p:cNvPr id="11" name="圆角矩形标注 10"/>
+          <p:cNvSpPr/>
+          <p:nvPr/>
+        </p:nvSpPr>
+        <p:spPr>
+          <a:xfrm>
+            <a:off x="7696200" y="1295400"/>
+            <a:ext cx="685800" cy="1219200"/>
+          </a:xfrm>
+          <a:prstGeom prst="wedgeRoundRectCallout">
+            <a:avLst/>
+          </a:prstGeom>
+        </p:spPr>
+        <p:style>
+          <a:lnRef idx="2">
+            <a:schemeClr val="accent1">
+              <a:shade val="50000"/>
+            </a:schemeClr>
+          </a:lnRef>
+          <a:fillRef idx="1">
+            <a:schemeClr val="accent1"/>
+          </a:fillRef>
+          <a:effectRef idx="0">
+            <a:schemeClr val="accent1"/>
+          </a:effectRef>
+          <a:fontRef idx="minor">
+            <a:schemeClr val="lt1"/>
+          </a:fontRef>
+        </p:style>
+        <p:txBody>
+          <a:bodyPr rtlCol="0" anchor="ctr"/>
+          <a:lstStyle/>
+          <a:p>
+            <a:pPr algn="ctr"/>
+            <a:endParaRPr lang="zh-CN" altLang="en-US"/>
+          </a:p>
+        </p:txBody>
+      </p:sp>
+      <p:sp>
+        <p:nvSpPr>
+          <p:cNvPr id="13" name="右弧形箭头 12"/>
+          <p:cNvSpPr/>
+          <p:nvPr/>
+        </p:nvSpPr>
+        <p:spPr>
+          <a:xfrm rot="11214229">
+            <a:off x="7832569" y="1390072"/>
+            <a:ext cx="369079" cy="1023370"/>
+          </a:xfrm>
+          <a:prstGeom prst="curvedLeftArrow">
+            <a:avLst/>
+          </a:prstGeom>
+        </p:spPr>
+        <p:style>
+          <a:lnRef idx="2">
+            <a:schemeClr val="accent1">
+              <a:shade val="50000"/>
+            </a:schemeClr>
+          </a:lnRef>
+          <a:fillRef idx="1">
+            <a:schemeClr val="accent1"/>
+          </a:fillRef>
+          <a:effectRef idx="0">
+            <a:schemeClr val="accent1"/>
+          </a:effectRef>
+          <a:fontRef idx="minor">
+            <a:schemeClr val="lt1"/>
+          </a:fontRef>
+        </p:style>
+        <p:txBody>
+          <a:bodyPr rtlCol="0" anchor="ctr"/>
+          <a:lstStyle/>
+          <a:p>
+            <a:pPr algn="ctr"/>
+            <a:endParaRPr lang="zh-CN" altLang="en-US">
+              <a:solidFill>
+                <a:schemeClr val="tx1"/>
+              </a:solidFill>
+            </a:endParaRPr>
+          </a:p>
+        </p:txBody>
+      </p:sp>
     </p:spTree>
   </p:cSld>
   <p:clrMapOvr>
     <a:masterClrMapping/>
   </p:clrMapOvr>
+  <p:timing>
+    <p:tnLst>
+      <p:par>
+        <p:cTn id="1" dur="indefinite" restart="never" nodeType="tmRoot"/>
+      </p:par>
+    </p:tnLst>
+  </p:timing>
 </p:sld>
 </file>
 
